--- a/images/ex.pptx
+++ b/images/ex.pptx
@@ -6,7 +6,10 @@
   </p:sldMasterIdLst>
   <p:sldIdLst>
     <p:sldId id="256" r:id="rId2"/>
-    <p:sldId id="257" r:id="rId3"/>
+    <p:sldId id="259" r:id="rId3"/>
+    <p:sldId id="257" r:id="rId4"/>
+    <p:sldId id="258" r:id="rId5"/>
+    <p:sldId id="260" r:id="rId6"/>
   </p:sldIdLst>
   <p:sldSz cx="12192000" cy="6858000"/>
   <p:notesSz cx="6858000" cy="9144000"/>
@@ -105,6 +108,11 @@
       </a:defRPr>
     </a:lvl9pPr>
   </p:defaultTextStyle>
+  <p:extLst>
+    <p:ext uri="{EFAFB233-063F-42B5-8137-9DF3F51BA10A}">
+      <p15:sldGuideLst xmlns:p15="http://schemas.microsoft.com/office/powerpoint/2012/main"/>
+    </p:ext>
+  </p:extLst>
 </p:presentation>
 </file>
 
@@ -257,7 +265,7 @@
           <a:p>
             <a:fld id="{2B57CB39-8800-0C4B-BA3F-6019BF95D546}" type="datetimeFigureOut">
               <a:rPr lang="en-FI" smtClean="0"/>
-              <a:t>14.1.2023</a:t>
+              <a:t>22.1.2023</a:t>
             </a:fld>
             <a:endParaRPr lang="en-FI"/>
           </a:p>
@@ -457,7 +465,7 @@
           <a:p>
             <a:fld id="{2B57CB39-8800-0C4B-BA3F-6019BF95D546}" type="datetimeFigureOut">
               <a:rPr lang="en-FI" smtClean="0"/>
-              <a:t>14.1.2023</a:t>
+              <a:t>22.1.2023</a:t>
             </a:fld>
             <a:endParaRPr lang="en-FI"/>
           </a:p>
@@ -667,7 +675,7 @@
           <a:p>
             <a:fld id="{2B57CB39-8800-0C4B-BA3F-6019BF95D546}" type="datetimeFigureOut">
               <a:rPr lang="en-FI" smtClean="0"/>
-              <a:t>14.1.2023</a:t>
+              <a:t>22.1.2023</a:t>
             </a:fld>
             <a:endParaRPr lang="en-FI"/>
           </a:p>
@@ -867,7 +875,7 @@
           <a:p>
             <a:fld id="{2B57CB39-8800-0C4B-BA3F-6019BF95D546}" type="datetimeFigureOut">
               <a:rPr lang="en-FI" smtClean="0"/>
-              <a:t>14.1.2023</a:t>
+              <a:t>22.1.2023</a:t>
             </a:fld>
             <a:endParaRPr lang="en-FI"/>
           </a:p>
@@ -1143,7 +1151,7 @@
           <a:p>
             <a:fld id="{2B57CB39-8800-0C4B-BA3F-6019BF95D546}" type="datetimeFigureOut">
               <a:rPr lang="en-FI" smtClean="0"/>
-              <a:t>14.1.2023</a:t>
+              <a:t>22.1.2023</a:t>
             </a:fld>
             <a:endParaRPr lang="en-FI"/>
           </a:p>
@@ -1411,7 +1419,7 @@
           <a:p>
             <a:fld id="{2B57CB39-8800-0C4B-BA3F-6019BF95D546}" type="datetimeFigureOut">
               <a:rPr lang="en-FI" smtClean="0"/>
-              <a:t>14.1.2023</a:t>
+              <a:t>22.1.2023</a:t>
             </a:fld>
             <a:endParaRPr lang="en-FI"/>
           </a:p>
@@ -1826,7 +1834,7 @@
           <a:p>
             <a:fld id="{2B57CB39-8800-0C4B-BA3F-6019BF95D546}" type="datetimeFigureOut">
               <a:rPr lang="en-FI" smtClean="0"/>
-              <a:t>14.1.2023</a:t>
+              <a:t>22.1.2023</a:t>
             </a:fld>
             <a:endParaRPr lang="en-FI"/>
           </a:p>
@@ -1968,7 +1976,7 @@
           <a:p>
             <a:fld id="{2B57CB39-8800-0C4B-BA3F-6019BF95D546}" type="datetimeFigureOut">
               <a:rPr lang="en-FI" smtClean="0"/>
-              <a:t>14.1.2023</a:t>
+              <a:t>22.1.2023</a:t>
             </a:fld>
             <a:endParaRPr lang="en-FI"/>
           </a:p>
@@ -2081,7 +2089,7 @@
           <a:p>
             <a:fld id="{2B57CB39-8800-0C4B-BA3F-6019BF95D546}" type="datetimeFigureOut">
               <a:rPr lang="en-FI" smtClean="0"/>
-              <a:t>14.1.2023</a:t>
+              <a:t>22.1.2023</a:t>
             </a:fld>
             <a:endParaRPr lang="en-FI"/>
           </a:p>
@@ -2394,7 +2402,7 @@
           <a:p>
             <a:fld id="{2B57CB39-8800-0C4B-BA3F-6019BF95D546}" type="datetimeFigureOut">
               <a:rPr lang="en-FI" smtClean="0"/>
-              <a:t>14.1.2023</a:t>
+              <a:t>22.1.2023</a:t>
             </a:fld>
             <a:endParaRPr lang="en-FI"/>
           </a:p>
@@ -2683,7 +2691,7 @@
           <a:p>
             <a:fld id="{2B57CB39-8800-0C4B-BA3F-6019BF95D546}" type="datetimeFigureOut">
               <a:rPr lang="en-FI" smtClean="0"/>
-              <a:t>14.1.2023</a:t>
+              <a:t>22.1.2023</a:t>
             </a:fld>
             <a:endParaRPr lang="en-FI"/>
           </a:p>
@@ -2926,7 +2934,7 @@
           <a:p>
             <a:fld id="{2B57CB39-8800-0C4B-BA3F-6019BF95D546}" type="datetimeFigureOut">
               <a:rPr lang="en-FI" smtClean="0"/>
-              <a:t>14.1.2023</a:t>
+              <a:t>22.1.2023</a:t>
             </a:fld>
             <a:endParaRPr lang="en-FI"/>
           </a:p>
@@ -4448,6 +4456,1109 @@
       </p:grpSpPr>
       <p:grpSp>
         <p:nvGrpSpPr>
+          <p:cNvPr id="13" name="Group 12">
+            <a:extLst>
+              <a:ext uri="{FF2B5EF4-FFF2-40B4-BE49-F238E27FC236}">
+                <a16:creationId xmlns:a16="http://schemas.microsoft.com/office/drawing/2014/main" id="{9B9DF33C-3AF7-9FFE-3832-90893405A1CB}"/>
+              </a:ext>
+            </a:extLst>
+          </p:cNvPr>
+          <p:cNvGrpSpPr/>
+          <p:nvPr/>
+        </p:nvGrpSpPr>
+        <p:grpSpPr>
+          <a:xfrm>
+            <a:off x="-1988687" y="-1014343"/>
+            <a:ext cx="6495364" cy="6335755"/>
+            <a:chOff x="2805156" y="-293301"/>
+            <a:chExt cx="5321300" cy="5258801"/>
+          </a:xfrm>
+        </p:grpSpPr>
+        <p:pic>
+          <p:nvPicPr>
+            <p:cNvPr id="5" name="Picture 4" descr="Table&#10;&#10;Description automatically generated">
+              <a:extLst>
+                <a:ext uri="{FF2B5EF4-FFF2-40B4-BE49-F238E27FC236}">
+                  <a16:creationId xmlns:a16="http://schemas.microsoft.com/office/drawing/2014/main" id="{23CB6D60-FC96-4C69-AE65-0A738C9A8EB7}"/>
+                </a:ext>
+              </a:extLst>
+            </p:cNvPr>
+            <p:cNvPicPr>
+              <a:picLocks noChangeAspect="1"/>
+            </p:cNvPicPr>
+            <p:nvPr/>
+          </p:nvPicPr>
+          <p:blipFill>
+            <a:blip r:embed="rId2"/>
+            <a:stretch>
+              <a:fillRect/>
+            </a:stretch>
+          </p:blipFill>
+          <p:spPr>
+            <a:xfrm>
+              <a:off x="2805156" y="-293301"/>
+              <a:ext cx="5321300" cy="5245100"/>
+            </a:xfrm>
+            <a:prstGeom prst="rect">
+              <a:avLst/>
+            </a:prstGeom>
+          </p:spPr>
+        </p:pic>
+        <p:sp>
+          <p:nvSpPr>
+            <p:cNvPr id="6" name="Rounded Rectangle 5">
+              <a:extLst>
+                <a:ext uri="{FF2B5EF4-FFF2-40B4-BE49-F238E27FC236}">
+                  <a16:creationId xmlns:a16="http://schemas.microsoft.com/office/drawing/2014/main" id="{5D679A1D-F6F5-CE6A-20C9-D970BD9F6819}"/>
+                </a:ext>
+              </a:extLst>
+            </p:cNvPr>
+            <p:cNvSpPr/>
+            <p:nvPr/>
+          </p:nvSpPr>
+          <p:spPr>
+            <a:xfrm rot="16200000">
+              <a:off x="5261576" y="1866725"/>
+              <a:ext cx="583916" cy="4363591"/>
+            </a:xfrm>
+            <a:prstGeom prst="roundRect">
+              <a:avLst/>
+            </a:prstGeom>
+            <a:solidFill>
+              <a:srgbClr val="F4FAFF">
+                <a:alpha val="54118"/>
+              </a:srgbClr>
+            </a:solidFill>
+            <a:ln w="28575">
+              <a:solidFill>
+                <a:srgbClr val="A8DBFC"/>
+              </a:solidFill>
+            </a:ln>
+          </p:spPr>
+          <p:style>
+            <a:lnRef idx="2">
+              <a:schemeClr val="accent1">
+                <a:shade val="50000"/>
+              </a:schemeClr>
+            </a:lnRef>
+            <a:fillRef idx="1">
+              <a:schemeClr val="accent1"/>
+            </a:fillRef>
+            <a:effectRef idx="0">
+              <a:schemeClr val="accent1"/>
+            </a:effectRef>
+            <a:fontRef idx="minor">
+              <a:schemeClr val="lt1"/>
+            </a:fontRef>
+          </p:style>
+          <p:txBody>
+            <a:bodyPr rtlCol="0" anchor="ctr"/>
+            <a:lstStyle/>
+            <a:p>
+              <a:pPr algn="ctr"/>
+              <a:endParaRPr lang="en-FI"/>
+            </a:p>
+          </p:txBody>
+        </p:sp>
+        <p:sp>
+          <p:nvSpPr>
+            <p:cNvPr id="7" name="Rounded Rectangle 6">
+              <a:extLst>
+                <a:ext uri="{FF2B5EF4-FFF2-40B4-BE49-F238E27FC236}">
+                  <a16:creationId xmlns:a16="http://schemas.microsoft.com/office/drawing/2014/main" id="{F5A1FA46-8E21-021B-5BDB-A5DE68350513}"/>
+                </a:ext>
+              </a:extLst>
+            </p:cNvPr>
+            <p:cNvSpPr/>
+            <p:nvPr/>
+          </p:nvSpPr>
+          <p:spPr>
+            <a:xfrm rot="16200000">
+              <a:off x="5261576" y="2491746"/>
+              <a:ext cx="583916" cy="4363591"/>
+            </a:xfrm>
+            <a:prstGeom prst="roundRect">
+              <a:avLst/>
+            </a:prstGeom>
+            <a:solidFill>
+              <a:srgbClr val="F4FAFF">
+                <a:alpha val="54118"/>
+              </a:srgbClr>
+            </a:solidFill>
+            <a:ln w="28575">
+              <a:solidFill>
+                <a:srgbClr val="A8DBFC"/>
+              </a:solidFill>
+            </a:ln>
+          </p:spPr>
+          <p:style>
+            <a:lnRef idx="2">
+              <a:schemeClr val="accent1">
+                <a:shade val="50000"/>
+              </a:schemeClr>
+            </a:lnRef>
+            <a:fillRef idx="1">
+              <a:schemeClr val="accent1"/>
+            </a:fillRef>
+            <a:effectRef idx="0">
+              <a:schemeClr val="accent1"/>
+            </a:effectRef>
+            <a:fontRef idx="minor">
+              <a:schemeClr val="lt1"/>
+            </a:fontRef>
+          </p:style>
+          <p:txBody>
+            <a:bodyPr rtlCol="0" anchor="ctr"/>
+            <a:lstStyle/>
+            <a:p>
+              <a:pPr algn="ctr"/>
+              <a:endParaRPr lang="en-FI"/>
+            </a:p>
+          </p:txBody>
+        </p:sp>
+        <p:sp>
+          <p:nvSpPr>
+            <p:cNvPr id="8" name="Rounded Rectangle 7">
+              <a:extLst>
+                <a:ext uri="{FF2B5EF4-FFF2-40B4-BE49-F238E27FC236}">
+                  <a16:creationId xmlns:a16="http://schemas.microsoft.com/office/drawing/2014/main" id="{EDC1185B-1F9C-6206-0582-601CD78636A1}"/>
+                </a:ext>
+              </a:extLst>
+            </p:cNvPr>
+            <p:cNvSpPr/>
+            <p:nvPr/>
+          </p:nvSpPr>
+          <p:spPr>
+            <a:xfrm rot="16200000">
+              <a:off x="5341938" y="-2263501"/>
+              <a:ext cx="625020" cy="4565420"/>
+            </a:xfrm>
+            <a:prstGeom prst="roundRect">
+              <a:avLst/>
+            </a:prstGeom>
+            <a:solidFill>
+              <a:srgbClr val="FF0000">
+                <a:alpha val="21176"/>
+              </a:srgbClr>
+            </a:solidFill>
+            <a:ln w="28575">
+              <a:solidFill>
+                <a:srgbClr val="C00000"/>
+              </a:solidFill>
+            </a:ln>
+          </p:spPr>
+          <p:style>
+            <a:lnRef idx="2">
+              <a:schemeClr val="accent1">
+                <a:shade val="50000"/>
+              </a:schemeClr>
+            </a:lnRef>
+            <a:fillRef idx="1">
+              <a:schemeClr val="accent1"/>
+            </a:fillRef>
+            <a:effectRef idx="0">
+              <a:schemeClr val="accent1"/>
+            </a:effectRef>
+            <a:fontRef idx="minor">
+              <a:schemeClr val="lt1"/>
+            </a:fontRef>
+          </p:style>
+          <p:txBody>
+            <a:bodyPr rtlCol="0" anchor="ctr"/>
+            <a:lstStyle/>
+            <a:p>
+              <a:pPr algn="ctr"/>
+              <a:endParaRPr lang="en-FI" dirty="0"/>
+            </a:p>
+          </p:txBody>
+        </p:sp>
+        <p:sp>
+          <p:nvSpPr>
+            <p:cNvPr id="9" name="Rounded Rectangle 8">
+              <a:extLst>
+                <a:ext uri="{FF2B5EF4-FFF2-40B4-BE49-F238E27FC236}">
+                  <a16:creationId xmlns:a16="http://schemas.microsoft.com/office/drawing/2014/main" id="{89656D33-5725-C528-9199-55236660DADE}"/>
+                </a:ext>
+              </a:extLst>
+            </p:cNvPr>
+            <p:cNvSpPr/>
+            <p:nvPr/>
+          </p:nvSpPr>
+          <p:spPr>
+            <a:xfrm rot="16200000">
+              <a:off x="4765219" y="3995833"/>
+              <a:ext cx="1195236" cy="716695"/>
+            </a:xfrm>
+            <a:prstGeom prst="roundRect">
+              <a:avLst/>
+            </a:prstGeom>
+            <a:solidFill>
+              <a:srgbClr val="92D050">
+                <a:alpha val="21176"/>
+              </a:srgbClr>
+            </a:solidFill>
+            <a:ln w="28575">
+              <a:solidFill>
+                <a:srgbClr val="00B050"/>
+              </a:solidFill>
+            </a:ln>
+          </p:spPr>
+          <p:style>
+            <a:lnRef idx="2">
+              <a:schemeClr val="accent1">
+                <a:shade val="50000"/>
+              </a:schemeClr>
+            </a:lnRef>
+            <a:fillRef idx="1">
+              <a:schemeClr val="accent1"/>
+            </a:fillRef>
+            <a:effectRef idx="0">
+              <a:schemeClr val="accent1"/>
+            </a:effectRef>
+            <a:fontRef idx="minor">
+              <a:schemeClr val="lt1"/>
+            </a:fontRef>
+          </p:style>
+          <p:txBody>
+            <a:bodyPr rtlCol="0" anchor="ctr"/>
+            <a:lstStyle/>
+            <a:p>
+              <a:pPr algn="ctr"/>
+              <a:endParaRPr lang="en-FI"/>
+            </a:p>
+          </p:txBody>
+        </p:sp>
+        <p:sp>
+          <p:nvSpPr>
+            <p:cNvPr id="11" name="Rounded Rectangle 10">
+              <a:extLst>
+                <a:ext uri="{FF2B5EF4-FFF2-40B4-BE49-F238E27FC236}">
+                  <a16:creationId xmlns:a16="http://schemas.microsoft.com/office/drawing/2014/main" id="{75638E47-59E3-FFA8-A360-89DD1C21E13C}"/>
+                </a:ext>
+              </a:extLst>
+            </p:cNvPr>
+            <p:cNvSpPr/>
+            <p:nvPr/>
+          </p:nvSpPr>
+          <p:spPr>
+            <a:xfrm rot="16200000">
+              <a:off x="6397141" y="3643505"/>
+              <a:ext cx="1195236" cy="1435051"/>
+            </a:xfrm>
+            <a:prstGeom prst="roundRect">
+              <a:avLst/>
+            </a:prstGeom>
+            <a:solidFill>
+              <a:srgbClr val="92D050">
+                <a:alpha val="21176"/>
+              </a:srgbClr>
+            </a:solidFill>
+            <a:ln w="28575">
+              <a:solidFill>
+                <a:srgbClr val="00B050"/>
+              </a:solidFill>
+            </a:ln>
+          </p:spPr>
+          <p:style>
+            <a:lnRef idx="2">
+              <a:schemeClr val="accent1">
+                <a:shade val="50000"/>
+              </a:schemeClr>
+            </a:lnRef>
+            <a:fillRef idx="1">
+              <a:schemeClr val="accent1"/>
+            </a:fillRef>
+            <a:effectRef idx="0">
+              <a:schemeClr val="accent1"/>
+            </a:effectRef>
+            <a:fontRef idx="minor">
+              <a:schemeClr val="lt1"/>
+            </a:fontRef>
+          </p:style>
+          <p:txBody>
+            <a:bodyPr rtlCol="0" anchor="ctr"/>
+            <a:lstStyle/>
+            <a:p>
+              <a:pPr algn="ctr"/>
+              <a:endParaRPr lang="en-FI"/>
+            </a:p>
+          </p:txBody>
+        </p:sp>
+      </p:grpSp>
+      <p:pic>
+        <p:nvPicPr>
+          <p:cNvPr id="12" name="Picture 11">
+            <a:extLst>
+              <a:ext uri="{FF2B5EF4-FFF2-40B4-BE49-F238E27FC236}">
+                <a16:creationId xmlns:a16="http://schemas.microsoft.com/office/drawing/2014/main" id="{4491970D-9A03-6F80-532E-A06D390D4C33}"/>
+              </a:ext>
+            </a:extLst>
+          </p:cNvPr>
+          <p:cNvPicPr>
+            <a:picLocks noChangeAspect="1"/>
+          </p:cNvPicPr>
+          <p:nvPr/>
+        </p:nvPicPr>
+        <p:blipFill>
+          <a:blip r:embed="rId3"/>
+          <a:stretch>
+            <a:fillRect/>
+          </a:stretch>
+        </p:blipFill>
+        <p:spPr>
+          <a:xfrm>
+            <a:off x="-1999206" y="5370934"/>
+            <a:ext cx="7139850" cy="1336864"/>
+          </a:xfrm>
+          <a:prstGeom prst="rect">
+            <a:avLst/>
+          </a:prstGeom>
+        </p:spPr>
+      </p:pic>
+      <p:sp>
+        <p:nvSpPr>
+          <p:cNvPr id="15" name="Rounded Rectangle 14">
+            <a:extLst>
+              <a:ext uri="{FF2B5EF4-FFF2-40B4-BE49-F238E27FC236}">
+                <a16:creationId xmlns:a16="http://schemas.microsoft.com/office/drawing/2014/main" id="{680F3548-5B3C-BA28-2CFD-61319B48FAF8}"/>
+              </a:ext>
+            </a:extLst>
+          </p:cNvPr>
+          <p:cNvSpPr/>
+          <p:nvPr/>
+        </p:nvSpPr>
+        <p:spPr>
+          <a:xfrm rot="16200000">
+            <a:off x="863385" y="2535374"/>
+            <a:ext cx="1320354" cy="7024493"/>
+          </a:xfrm>
+          <a:prstGeom prst="roundRect">
+            <a:avLst/>
+          </a:prstGeom>
+          <a:solidFill>
+            <a:srgbClr val="92D050">
+              <a:alpha val="21176"/>
+            </a:srgbClr>
+          </a:solidFill>
+          <a:ln w="28575">
+            <a:solidFill>
+              <a:srgbClr val="00B050"/>
+            </a:solidFill>
+          </a:ln>
+        </p:spPr>
+        <p:style>
+          <a:lnRef idx="2">
+            <a:schemeClr val="accent1">
+              <a:shade val="50000"/>
+            </a:schemeClr>
+          </a:lnRef>
+          <a:fillRef idx="1">
+            <a:schemeClr val="accent1"/>
+          </a:fillRef>
+          <a:effectRef idx="0">
+            <a:schemeClr val="accent1"/>
+          </a:effectRef>
+          <a:fontRef idx="minor">
+            <a:schemeClr val="lt1"/>
+          </a:fontRef>
+        </p:style>
+        <p:txBody>
+          <a:bodyPr rtlCol="0" anchor="ctr"/>
+          <a:lstStyle/>
+          <a:p>
+            <a:pPr algn="ctr"/>
+            <a:endParaRPr lang="en-FI"/>
+          </a:p>
+        </p:txBody>
+      </p:sp>
+      <p:sp>
+        <p:nvSpPr>
+          <p:cNvPr id="19" name="Rounded Rectangle 18">
+            <a:extLst>
+              <a:ext uri="{FF2B5EF4-FFF2-40B4-BE49-F238E27FC236}">
+                <a16:creationId xmlns:a16="http://schemas.microsoft.com/office/drawing/2014/main" id="{CC2A8F72-8D56-9CD8-58A2-FF7A079DE740}"/>
+              </a:ext>
+            </a:extLst>
+          </p:cNvPr>
+          <p:cNvSpPr/>
+          <p:nvPr/>
+        </p:nvSpPr>
+        <p:spPr>
+          <a:xfrm rot="16200000">
+            <a:off x="1112749" y="-3440697"/>
+            <a:ext cx="753018" cy="5572712"/>
+          </a:xfrm>
+          <a:prstGeom prst="roundRect">
+            <a:avLst/>
+          </a:prstGeom>
+          <a:solidFill>
+            <a:srgbClr val="FF0000">
+              <a:alpha val="21176"/>
+            </a:srgbClr>
+          </a:solidFill>
+          <a:ln w="28575">
+            <a:solidFill>
+              <a:srgbClr val="C00000"/>
+            </a:solidFill>
+          </a:ln>
+        </p:spPr>
+        <p:style>
+          <a:lnRef idx="2">
+            <a:schemeClr val="accent1">
+              <a:shade val="50000"/>
+            </a:schemeClr>
+          </a:lnRef>
+          <a:fillRef idx="1">
+            <a:schemeClr val="accent1"/>
+          </a:fillRef>
+          <a:effectRef idx="0">
+            <a:schemeClr val="accent1"/>
+          </a:effectRef>
+          <a:fontRef idx="minor">
+            <a:schemeClr val="lt1"/>
+          </a:fontRef>
+        </p:style>
+        <p:txBody>
+          <a:bodyPr rtlCol="0" anchor="ctr"/>
+          <a:lstStyle/>
+          <a:p>
+            <a:pPr algn="ctr"/>
+            <a:endParaRPr lang="en-FI"/>
+          </a:p>
+        </p:txBody>
+      </p:sp>
+      <p:sp>
+        <p:nvSpPr>
+          <p:cNvPr id="28" name="Rounded Rectangle 27">
+            <a:extLst>
+              <a:ext uri="{FF2B5EF4-FFF2-40B4-BE49-F238E27FC236}">
+                <a16:creationId xmlns:a16="http://schemas.microsoft.com/office/drawing/2014/main" id="{A989A8F4-B663-B71A-39C7-0FAA5F8B78EF}"/>
+              </a:ext>
+            </a:extLst>
+          </p:cNvPr>
+          <p:cNvSpPr/>
+          <p:nvPr/>
+        </p:nvSpPr>
+        <p:spPr>
+          <a:xfrm rot="16200000">
+            <a:off x="-1804380" y="-923612"/>
+            <a:ext cx="6564933" cy="6057181"/>
+          </a:xfrm>
+          <a:custGeom>
+            <a:avLst/>
+            <a:gdLst>
+              <a:gd name="connsiteX0" fmla="*/ 0 w 6557597"/>
+              <a:gd name="connsiteY0" fmla="*/ 1092955 h 7654058"/>
+              <a:gd name="connsiteX1" fmla="*/ 1092955 w 6557597"/>
+              <a:gd name="connsiteY1" fmla="*/ 0 h 7654058"/>
+              <a:gd name="connsiteX2" fmla="*/ 5464642 w 6557597"/>
+              <a:gd name="connsiteY2" fmla="*/ 0 h 7654058"/>
+              <a:gd name="connsiteX3" fmla="*/ 6557597 w 6557597"/>
+              <a:gd name="connsiteY3" fmla="*/ 1092955 h 7654058"/>
+              <a:gd name="connsiteX4" fmla="*/ 6557597 w 6557597"/>
+              <a:gd name="connsiteY4" fmla="*/ 6561103 h 7654058"/>
+              <a:gd name="connsiteX5" fmla="*/ 5464642 w 6557597"/>
+              <a:gd name="connsiteY5" fmla="*/ 7654058 h 7654058"/>
+              <a:gd name="connsiteX6" fmla="*/ 1092955 w 6557597"/>
+              <a:gd name="connsiteY6" fmla="*/ 7654058 h 7654058"/>
+              <a:gd name="connsiteX7" fmla="*/ 0 w 6557597"/>
+              <a:gd name="connsiteY7" fmla="*/ 6561103 h 7654058"/>
+              <a:gd name="connsiteX8" fmla="*/ 0 w 6557597"/>
+              <a:gd name="connsiteY8" fmla="*/ 1092955 h 7654058"/>
+              <a:gd name="connsiteX0" fmla="*/ 0 w 6564929"/>
+              <a:gd name="connsiteY0" fmla="*/ 1092955 h 7654058"/>
+              <a:gd name="connsiteX1" fmla="*/ 1092955 w 6564929"/>
+              <a:gd name="connsiteY1" fmla="*/ 0 h 7654058"/>
+              <a:gd name="connsiteX2" fmla="*/ 6060989 w 6564929"/>
+              <a:gd name="connsiteY2" fmla="*/ 0 h 7654058"/>
+              <a:gd name="connsiteX3" fmla="*/ 6557597 w 6564929"/>
+              <a:gd name="connsiteY3" fmla="*/ 1092955 h 7654058"/>
+              <a:gd name="connsiteX4" fmla="*/ 6557597 w 6564929"/>
+              <a:gd name="connsiteY4" fmla="*/ 6561103 h 7654058"/>
+              <a:gd name="connsiteX5" fmla="*/ 5464642 w 6564929"/>
+              <a:gd name="connsiteY5" fmla="*/ 7654058 h 7654058"/>
+              <a:gd name="connsiteX6" fmla="*/ 1092955 w 6564929"/>
+              <a:gd name="connsiteY6" fmla="*/ 7654058 h 7654058"/>
+              <a:gd name="connsiteX7" fmla="*/ 0 w 6564929"/>
+              <a:gd name="connsiteY7" fmla="*/ 6561103 h 7654058"/>
+              <a:gd name="connsiteX8" fmla="*/ 0 w 6564929"/>
+              <a:gd name="connsiteY8" fmla="*/ 1092955 h 7654058"/>
+              <a:gd name="connsiteX0" fmla="*/ 0 w 6564929"/>
+              <a:gd name="connsiteY0" fmla="*/ 1092955 h 7654061"/>
+              <a:gd name="connsiteX1" fmla="*/ 1092955 w 6564929"/>
+              <a:gd name="connsiteY1" fmla="*/ 0 h 7654061"/>
+              <a:gd name="connsiteX2" fmla="*/ 6060989 w 6564929"/>
+              <a:gd name="connsiteY2" fmla="*/ 0 h 7654061"/>
+              <a:gd name="connsiteX3" fmla="*/ 6557597 w 6564929"/>
+              <a:gd name="connsiteY3" fmla="*/ 1092955 h 7654061"/>
+              <a:gd name="connsiteX4" fmla="*/ 6557597 w 6564929"/>
+              <a:gd name="connsiteY4" fmla="*/ 6561103 h 7654061"/>
+              <a:gd name="connsiteX5" fmla="*/ 6041114 w 6564929"/>
+              <a:gd name="connsiteY5" fmla="*/ 7654061 h 7654061"/>
+              <a:gd name="connsiteX6" fmla="*/ 1092955 w 6564929"/>
+              <a:gd name="connsiteY6" fmla="*/ 7654058 h 7654061"/>
+              <a:gd name="connsiteX7" fmla="*/ 0 w 6564929"/>
+              <a:gd name="connsiteY7" fmla="*/ 6561103 h 7654061"/>
+              <a:gd name="connsiteX8" fmla="*/ 0 w 6564929"/>
+              <a:gd name="connsiteY8" fmla="*/ 1092955 h 7654061"/>
+              <a:gd name="connsiteX0" fmla="*/ 4 w 6564933"/>
+              <a:gd name="connsiteY0" fmla="*/ 1092955 h 7654061"/>
+              <a:gd name="connsiteX1" fmla="*/ 1092959 w 6564933"/>
+              <a:gd name="connsiteY1" fmla="*/ 0 h 7654061"/>
+              <a:gd name="connsiteX2" fmla="*/ 6060993 w 6564933"/>
+              <a:gd name="connsiteY2" fmla="*/ 0 h 7654061"/>
+              <a:gd name="connsiteX3" fmla="*/ 6557601 w 6564933"/>
+              <a:gd name="connsiteY3" fmla="*/ 1092955 h 7654061"/>
+              <a:gd name="connsiteX4" fmla="*/ 6557601 w 6564933"/>
+              <a:gd name="connsiteY4" fmla="*/ 6561103 h 7654061"/>
+              <a:gd name="connsiteX5" fmla="*/ 6041118 w 6564933"/>
+              <a:gd name="connsiteY5" fmla="*/ 7654061 h 7654061"/>
+              <a:gd name="connsiteX6" fmla="*/ 596003 w 6564933"/>
+              <a:gd name="connsiteY6" fmla="*/ 7654058 h 7654061"/>
+              <a:gd name="connsiteX7" fmla="*/ 4 w 6564933"/>
+              <a:gd name="connsiteY7" fmla="*/ 6561103 h 7654061"/>
+              <a:gd name="connsiteX8" fmla="*/ 4 w 6564933"/>
+              <a:gd name="connsiteY8" fmla="*/ 1092955 h 7654061"/>
+              <a:gd name="connsiteX0" fmla="*/ 4 w 6564933"/>
+              <a:gd name="connsiteY0" fmla="*/ 1092955 h 7654061"/>
+              <a:gd name="connsiteX1" fmla="*/ 774907 w 6564933"/>
+              <a:gd name="connsiteY1" fmla="*/ 0 h 7654061"/>
+              <a:gd name="connsiteX2" fmla="*/ 6060993 w 6564933"/>
+              <a:gd name="connsiteY2" fmla="*/ 0 h 7654061"/>
+              <a:gd name="connsiteX3" fmla="*/ 6557601 w 6564933"/>
+              <a:gd name="connsiteY3" fmla="*/ 1092955 h 7654061"/>
+              <a:gd name="connsiteX4" fmla="*/ 6557601 w 6564933"/>
+              <a:gd name="connsiteY4" fmla="*/ 6561103 h 7654061"/>
+              <a:gd name="connsiteX5" fmla="*/ 6041118 w 6564933"/>
+              <a:gd name="connsiteY5" fmla="*/ 7654061 h 7654061"/>
+              <a:gd name="connsiteX6" fmla="*/ 596003 w 6564933"/>
+              <a:gd name="connsiteY6" fmla="*/ 7654058 h 7654061"/>
+              <a:gd name="connsiteX7" fmla="*/ 4 w 6564933"/>
+              <a:gd name="connsiteY7" fmla="*/ 6561103 h 7654061"/>
+              <a:gd name="connsiteX8" fmla="*/ 4 w 6564933"/>
+              <a:gd name="connsiteY8" fmla="*/ 1092955 h 7654061"/>
+              <a:gd name="connsiteX0" fmla="*/ 4 w 6564933"/>
+              <a:gd name="connsiteY0" fmla="*/ 1092955 h 7654061"/>
+              <a:gd name="connsiteX1" fmla="*/ 596003 w 6564933"/>
+              <a:gd name="connsiteY1" fmla="*/ 0 h 7654061"/>
+              <a:gd name="connsiteX2" fmla="*/ 6060993 w 6564933"/>
+              <a:gd name="connsiteY2" fmla="*/ 0 h 7654061"/>
+              <a:gd name="connsiteX3" fmla="*/ 6557601 w 6564933"/>
+              <a:gd name="connsiteY3" fmla="*/ 1092955 h 7654061"/>
+              <a:gd name="connsiteX4" fmla="*/ 6557601 w 6564933"/>
+              <a:gd name="connsiteY4" fmla="*/ 6561103 h 7654061"/>
+              <a:gd name="connsiteX5" fmla="*/ 6041118 w 6564933"/>
+              <a:gd name="connsiteY5" fmla="*/ 7654061 h 7654061"/>
+              <a:gd name="connsiteX6" fmla="*/ 596003 w 6564933"/>
+              <a:gd name="connsiteY6" fmla="*/ 7654058 h 7654061"/>
+              <a:gd name="connsiteX7" fmla="*/ 4 w 6564933"/>
+              <a:gd name="connsiteY7" fmla="*/ 6561103 h 7654061"/>
+              <a:gd name="connsiteX8" fmla="*/ 4 w 6564933"/>
+              <a:gd name="connsiteY8" fmla="*/ 1092955 h 7654061"/>
+            </a:gdLst>
+            <a:ahLst/>
+            <a:cxnLst>
+              <a:cxn ang="0">
+                <a:pos x="connsiteX0" y="connsiteY0"/>
+              </a:cxn>
+              <a:cxn ang="0">
+                <a:pos x="connsiteX1" y="connsiteY1"/>
+              </a:cxn>
+              <a:cxn ang="0">
+                <a:pos x="connsiteX2" y="connsiteY2"/>
+              </a:cxn>
+              <a:cxn ang="0">
+                <a:pos x="connsiteX3" y="connsiteY3"/>
+              </a:cxn>
+              <a:cxn ang="0">
+                <a:pos x="connsiteX4" y="connsiteY4"/>
+              </a:cxn>
+              <a:cxn ang="0">
+                <a:pos x="connsiteX5" y="connsiteY5"/>
+              </a:cxn>
+              <a:cxn ang="0">
+                <a:pos x="connsiteX6" y="connsiteY6"/>
+              </a:cxn>
+              <a:cxn ang="0">
+                <a:pos x="connsiteX7" y="connsiteY7"/>
+              </a:cxn>
+              <a:cxn ang="0">
+                <a:pos x="connsiteX8" y="connsiteY8"/>
+              </a:cxn>
+            </a:cxnLst>
+            <a:rect l="l" t="t" r="r" b="b"/>
+            <a:pathLst>
+              <a:path w="6564933" h="7654061">
+                <a:moveTo>
+                  <a:pt x="4" y="1092955"/>
+                </a:moveTo>
+                <a:cubicBezTo>
+                  <a:pt x="4" y="489333"/>
+                  <a:pt x="-7619" y="0"/>
+                  <a:pt x="596003" y="0"/>
+                </a:cubicBezTo>
+                <a:lnTo>
+                  <a:pt x="6060993" y="0"/>
+                </a:lnTo>
+                <a:cubicBezTo>
+                  <a:pt x="6664615" y="0"/>
+                  <a:pt x="6557601" y="489333"/>
+                  <a:pt x="6557601" y="1092955"/>
+                </a:cubicBezTo>
+                <a:lnTo>
+                  <a:pt x="6557601" y="6561103"/>
+                </a:lnTo>
+                <a:cubicBezTo>
+                  <a:pt x="6557601" y="7164725"/>
+                  <a:pt x="6644740" y="7654061"/>
+                  <a:pt x="6041118" y="7654061"/>
+                </a:cubicBezTo>
+                <a:lnTo>
+                  <a:pt x="596003" y="7654058"/>
+                </a:lnTo>
+                <a:cubicBezTo>
+                  <a:pt x="-7619" y="7654058"/>
+                  <a:pt x="4" y="7164725"/>
+                  <a:pt x="4" y="6561103"/>
+                </a:cubicBezTo>
+                <a:lnTo>
+                  <a:pt x="4" y="1092955"/>
+                </a:lnTo>
+                <a:close/>
+              </a:path>
+            </a:pathLst>
+          </a:custGeom>
+          <a:solidFill>
+            <a:srgbClr val="92D050">
+              <a:alpha val="9804"/>
+            </a:srgbClr>
+          </a:solidFill>
+          <a:ln w="28575">
+            <a:solidFill>
+              <a:srgbClr val="00B050"/>
+            </a:solidFill>
+          </a:ln>
+        </p:spPr>
+        <p:style>
+          <a:lnRef idx="2">
+            <a:schemeClr val="accent1">
+              <a:shade val="50000"/>
+            </a:schemeClr>
+          </a:lnRef>
+          <a:fillRef idx="1">
+            <a:schemeClr val="accent1"/>
+          </a:fillRef>
+          <a:effectRef idx="0">
+            <a:schemeClr val="accent1"/>
+          </a:effectRef>
+          <a:fontRef idx="minor">
+            <a:schemeClr val="lt1"/>
+          </a:fontRef>
+        </p:style>
+        <p:txBody>
+          <a:bodyPr rtlCol="0" anchor="ctr"/>
+          <a:lstStyle/>
+          <a:p>
+            <a:pPr algn="ctr"/>
+            <a:endParaRPr lang="en-FI"/>
+          </a:p>
+        </p:txBody>
+      </p:sp>
+      <p:grpSp>
+        <p:nvGrpSpPr>
+          <p:cNvPr id="30" name="Group 29">
+            <a:extLst>
+              <a:ext uri="{FF2B5EF4-FFF2-40B4-BE49-F238E27FC236}">
+                <a16:creationId xmlns:a16="http://schemas.microsoft.com/office/drawing/2014/main" id="{74784CB1-D0B7-52C6-AB13-FB917956AB2D}"/>
+              </a:ext>
+            </a:extLst>
+          </p:cNvPr>
+          <p:cNvGrpSpPr/>
+          <p:nvPr/>
+        </p:nvGrpSpPr>
+        <p:grpSpPr>
+          <a:xfrm>
+            <a:off x="5920026" y="596548"/>
+            <a:ext cx="5295902" cy="4502544"/>
+            <a:chOff x="4045204" y="940043"/>
+            <a:chExt cx="5295902" cy="4502544"/>
+          </a:xfrm>
+        </p:grpSpPr>
+        <p:pic>
+          <p:nvPicPr>
+            <p:cNvPr id="14" name="Picture 13">
+              <a:extLst>
+                <a:ext uri="{FF2B5EF4-FFF2-40B4-BE49-F238E27FC236}">
+                  <a16:creationId xmlns:a16="http://schemas.microsoft.com/office/drawing/2014/main" id="{79F6203B-9A32-3CA8-44C3-9786852E51B4}"/>
+                </a:ext>
+              </a:extLst>
+            </p:cNvPr>
+            <p:cNvPicPr>
+              <a:picLocks noChangeAspect="1"/>
+            </p:cNvPicPr>
+            <p:nvPr/>
+          </p:nvPicPr>
+          <p:blipFill>
+            <a:blip r:embed="rId4"/>
+            <a:stretch>
+              <a:fillRect/>
+            </a:stretch>
+          </p:blipFill>
+          <p:spPr>
+            <a:xfrm>
+              <a:off x="5810503" y="940043"/>
+              <a:ext cx="3530600" cy="3276600"/>
+            </a:xfrm>
+            <a:prstGeom prst="rect">
+              <a:avLst/>
+            </a:prstGeom>
+          </p:spPr>
+        </p:pic>
+        <p:sp>
+          <p:nvSpPr>
+            <p:cNvPr id="16" name="Rounded Rectangle 15">
+              <a:extLst>
+                <a:ext uri="{FF2B5EF4-FFF2-40B4-BE49-F238E27FC236}">
+                  <a16:creationId xmlns:a16="http://schemas.microsoft.com/office/drawing/2014/main" id="{565EE332-7AFE-14BD-0328-C71DD79224FC}"/>
+                </a:ext>
+              </a:extLst>
+            </p:cNvPr>
+            <p:cNvSpPr/>
+            <p:nvPr/>
+          </p:nvSpPr>
+          <p:spPr>
+            <a:xfrm rot="16200000">
+              <a:off x="7301690" y="2192970"/>
+              <a:ext cx="656506" cy="3067877"/>
+            </a:xfrm>
+            <a:prstGeom prst="roundRect">
+              <a:avLst/>
+            </a:prstGeom>
+            <a:solidFill>
+              <a:srgbClr val="92D050">
+                <a:alpha val="21176"/>
+              </a:srgbClr>
+            </a:solidFill>
+            <a:ln w="28575">
+              <a:solidFill>
+                <a:srgbClr val="00B050"/>
+              </a:solidFill>
+            </a:ln>
+          </p:spPr>
+          <p:style>
+            <a:lnRef idx="2">
+              <a:schemeClr val="accent1">
+                <a:shade val="50000"/>
+              </a:schemeClr>
+            </a:lnRef>
+            <a:fillRef idx="1">
+              <a:schemeClr val="accent1"/>
+            </a:fillRef>
+            <a:effectRef idx="0">
+              <a:schemeClr val="accent1"/>
+            </a:effectRef>
+            <a:fontRef idx="minor">
+              <a:schemeClr val="lt1"/>
+            </a:fontRef>
+          </p:style>
+          <p:txBody>
+            <a:bodyPr rtlCol="0" anchor="ctr"/>
+            <a:lstStyle/>
+            <a:p>
+              <a:pPr algn="ctr"/>
+              <a:endParaRPr lang="en-FI"/>
+            </a:p>
+          </p:txBody>
+        </p:sp>
+        <p:sp>
+          <p:nvSpPr>
+            <p:cNvPr id="17" name="Rounded Rectangle 16">
+              <a:extLst>
+                <a:ext uri="{FF2B5EF4-FFF2-40B4-BE49-F238E27FC236}">
+                  <a16:creationId xmlns:a16="http://schemas.microsoft.com/office/drawing/2014/main" id="{DFF4E934-29CF-567C-8D75-2172D5A0CCC2}"/>
+                </a:ext>
+              </a:extLst>
+            </p:cNvPr>
+            <p:cNvSpPr/>
+            <p:nvPr/>
+          </p:nvSpPr>
+          <p:spPr>
+            <a:xfrm rot="16200000">
+              <a:off x="7342046" y="-206219"/>
+              <a:ext cx="753018" cy="3245102"/>
+            </a:xfrm>
+            <a:prstGeom prst="roundRect">
+              <a:avLst/>
+            </a:prstGeom>
+            <a:solidFill>
+              <a:srgbClr val="FF0000">
+                <a:alpha val="21176"/>
+              </a:srgbClr>
+            </a:solidFill>
+            <a:ln w="28575">
+              <a:solidFill>
+                <a:srgbClr val="C00000"/>
+              </a:solidFill>
+            </a:ln>
+          </p:spPr>
+          <p:style>
+            <a:lnRef idx="2">
+              <a:schemeClr val="accent1">
+                <a:shade val="50000"/>
+              </a:schemeClr>
+            </a:lnRef>
+            <a:fillRef idx="1">
+              <a:schemeClr val="accent1"/>
+            </a:fillRef>
+            <a:effectRef idx="0">
+              <a:schemeClr val="accent1"/>
+            </a:effectRef>
+            <a:fontRef idx="minor">
+              <a:schemeClr val="lt1"/>
+            </a:fontRef>
+          </p:style>
+          <p:txBody>
+            <a:bodyPr rtlCol="0" anchor="ctr"/>
+            <a:lstStyle/>
+            <a:p>
+              <a:pPr algn="ctr"/>
+              <a:endParaRPr lang="en-FI"/>
+            </a:p>
+          </p:txBody>
+        </p:sp>
+        <p:sp>
+          <p:nvSpPr>
+            <p:cNvPr id="18" name="Rounded Rectangle 17">
+              <a:extLst>
+                <a:ext uri="{FF2B5EF4-FFF2-40B4-BE49-F238E27FC236}">
+                  <a16:creationId xmlns:a16="http://schemas.microsoft.com/office/drawing/2014/main" id="{A789373A-2B69-76D7-C440-F6B3A6E062E4}"/>
+                </a:ext>
+              </a:extLst>
+            </p:cNvPr>
+            <p:cNvSpPr/>
+            <p:nvPr/>
+          </p:nvSpPr>
+          <p:spPr>
+            <a:xfrm rot="16200000">
+              <a:off x="7342045" y="-206220"/>
+              <a:ext cx="753018" cy="3245102"/>
+            </a:xfrm>
+            <a:prstGeom prst="roundRect">
+              <a:avLst/>
+            </a:prstGeom>
+            <a:solidFill>
+              <a:srgbClr val="FF0000">
+                <a:alpha val="21176"/>
+              </a:srgbClr>
+            </a:solidFill>
+            <a:ln w="28575">
+              <a:solidFill>
+                <a:srgbClr val="C00000"/>
+              </a:solidFill>
+            </a:ln>
+          </p:spPr>
+          <p:style>
+            <a:lnRef idx="2">
+              <a:schemeClr val="accent1">
+                <a:shade val="50000"/>
+              </a:schemeClr>
+            </a:lnRef>
+            <a:fillRef idx="1">
+              <a:schemeClr val="accent1"/>
+            </a:fillRef>
+            <a:effectRef idx="0">
+              <a:schemeClr val="accent1"/>
+            </a:effectRef>
+            <a:fontRef idx="minor">
+              <a:schemeClr val="lt1"/>
+            </a:fontRef>
+          </p:style>
+          <p:txBody>
+            <a:bodyPr rtlCol="0" anchor="ctr"/>
+            <a:lstStyle/>
+            <a:p>
+              <a:pPr algn="ctr"/>
+              <a:endParaRPr lang="en-FI"/>
+            </a:p>
+          </p:txBody>
+        </p:sp>
+        <p:sp>
+          <p:nvSpPr>
+            <p:cNvPr id="29" name="Rounded Rectangle 28">
+              <a:extLst>
+                <a:ext uri="{FF2B5EF4-FFF2-40B4-BE49-F238E27FC236}">
+                  <a16:creationId xmlns:a16="http://schemas.microsoft.com/office/drawing/2014/main" id="{1A14831C-D276-7B2F-2914-B4F41E021565}"/>
+                </a:ext>
+              </a:extLst>
+            </p:cNvPr>
+            <p:cNvSpPr/>
+            <p:nvPr/>
+          </p:nvSpPr>
+          <p:spPr>
+            <a:xfrm rot="16200000">
+              <a:off x="4140411" y="2007195"/>
+              <a:ext cx="3340185" cy="3530599"/>
+            </a:xfrm>
+            <a:prstGeom prst="roundRect">
+              <a:avLst/>
+            </a:prstGeom>
+            <a:solidFill>
+              <a:srgbClr val="92D050">
+                <a:alpha val="21176"/>
+              </a:srgbClr>
+            </a:solidFill>
+            <a:ln w="28575">
+              <a:solidFill>
+                <a:srgbClr val="00B050"/>
+              </a:solidFill>
+            </a:ln>
+          </p:spPr>
+          <p:style>
+            <a:lnRef idx="2">
+              <a:schemeClr val="accent1">
+                <a:shade val="50000"/>
+              </a:schemeClr>
+            </a:lnRef>
+            <a:fillRef idx="1">
+              <a:schemeClr val="accent1"/>
+            </a:fillRef>
+            <a:effectRef idx="0">
+              <a:schemeClr val="accent1"/>
+            </a:effectRef>
+            <a:fontRef idx="minor">
+              <a:schemeClr val="lt1"/>
+            </a:fontRef>
+          </p:style>
+          <p:txBody>
+            <a:bodyPr rtlCol="0" anchor="ctr"/>
+            <a:lstStyle/>
+            <a:p>
+              <a:pPr algn="ctr"/>
+              <a:endParaRPr lang="en-FI"/>
+            </a:p>
+          </p:txBody>
+        </p:sp>
+      </p:grpSp>
+      <p:cxnSp>
+        <p:nvCxnSpPr>
+          <p:cNvPr id="24" name="Straight Arrow Connector 23">
+            <a:extLst>
+              <a:ext uri="{FF2B5EF4-FFF2-40B4-BE49-F238E27FC236}">
+                <a16:creationId xmlns:a16="http://schemas.microsoft.com/office/drawing/2014/main" id="{4F531833-25C5-3EEB-F7A3-2CAA137BF89F}"/>
+              </a:ext>
+            </a:extLst>
+          </p:cNvPr>
+          <p:cNvCxnSpPr>
+            <a:cxnSpLocks/>
+          </p:cNvCxnSpPr>
+          <p:nvPr/>
+        </p:nvCxnSpPr>
+        <p:spPr>
+          <a:xfrm flipV="1">
+            <a:off x="4282663" y="3827712"/>
+            <a:ext cx="3770563" cy="1477192"/>
+          </a:xfrm>
+          <a:prstGeom prst="straightConnector1">
+            <a:avLst/>
+          </a:prstGeom>
+          <a:ln w="38100">
+            <a:solidFill>
+              <a:srgbClr val="C00000"/>
+            </a:solidFill>
+            <a:tailEnd type="triangle"/>
+          </a:ln>
+        </p:spPr>
+        <p:style>
+          <a:lnRef idx="1">
+            <a:schemeClr val="accent1"/>
+          </a:lnRef>
+          <a:fillRef idx="0">
+            <a:schemeClr val="accent1"/>
+          </a:fillRef>
+          <a:effectRef idx="0">
+            <a:schemeClr val="accent1"/>
+          </a:effectRef>
+          <a:fontRef idx="minor">
+            <a:schemeClr val="tx1"/>
+          </a:fontRef>
+        </p:style>
+      </p:cxnSp>
+      <p:cxnSp>
+        <p:nvCxnSpPr>
+          <p:cNvPr id="21" name="Straight Arrow Connector 20">
+            <a:extLst>
+              <a:ext uri="{FF2B5EF4-FFF2-40B4-BE49-F238E27FC236}">
+                <a16:creationId xmlns:a16="http://schemas.microsoft.com/office/drawing/2014/main" id="{5AD83B4F-303C-A35A-78E1-C1E2CD1CBA7C}"/>
+              </a:ext>
+            </a:extLst>
+          </p:cNvPr>
+          <p:cNvCxnSpPr>
+            <a:cxnSpLocks/>
+          </p:cNvCxnSpPr>
+          <p:nvPr/>
+        </p:nvCxnSpPr>
+        <p:spPr>
+          <a:xfrm>
+            <a:off x="4459417" y="-1030851"/>
+            <a:ext cx="3703330" cy="1596774"/>
+          </a:xfrm>
+          <a:prstGeom prst="straightConnector1">
+            <a:avLst/>
+          </a:prstGeom>
+          <a:ln w="38100">
+            <a:solidFill>
+              <a:srgbClr val="C00000"/>
+            </a:solidFill>
+            <a:tailEnd type="triangle"/>
+          </a:ln>
+        </p:spPr>
+        <p:style>
+          <a:lnRef idx="1">
+            <a:schemeClr val="accent1"/>
+          </a:lnRef>
+          <a:fillRef idx="0">
+            <a:schemeClr val="accent1"/>
+          </a:fillRef>
+          <a:effectRef idx="0">
+            <a:schemeClr val="accent1"/>
+          </a:effectRef>
+          <a:fontRef idx="minor">
+            <a:schemeClr val="tx1"/>
+          </a:fontRef>
+        </p:style>
+      </p:cxnSp>
+    </p:spTree>
+    <p:extLst>
+      <p:ext uri="{BB962C8B-B14F-4D97-AF65-F5344CB8AC3E}">
+        <p14:creationId xmlns:p14="http://schemas.microsoft.com/office/powerpoint/2010/main" val="1368034192"/>
+      </p:ext>
+    </p:extLst>
+  </p:cSld>
+  <p:clrMapOvr>
+    <a:masterClrMapping/>
+  </p:clrMapOvr>
+</p:sld>
+</file>
+
+<file path=ppt/slides/slide3.xml><?xml version="1.0" encoding="utf-8"?>
+<p:sld xmlns:a="http://schemas.openxmlformats.org/drawingml/2006/main" xmlns:r="http://schemas.openxmlformats.org/officeDocument/2006/relationships" xmlns:p="http://schemas.openxmlformats.org/presentationml/2006/main">
+  <p:cSld>
+    <p:spTree>
+      <p:nvGrpSpPr>
+        <p:cNvPr id="1" name=""/>
+        <p:cNvGrpSpPr/>
+        <p:nvPr/>
+      </p:nvGrpSpPr>
+      <p:grpSpPr>
+        <a:xfrm>
+          <a:off x="0" y="0"/>
+          <a:ext cx="0" cy="0"/>
+          <a:chOff x="0" y="0"/>
+          <a:chExt cx="0" cy="0"/>
+        </a:xfrm>
+      </p:grpSpPr>
+      <p:grpSp>
+        <p:nvGrpSpPr>
           <p:cNvPr id="30" name="Group 29">
             <a:extLst>
               <a:ext uri="{FF2B5EF4-FFF2-40B4-BE49-F238E27FC236}">
@@ -5476,6 +6587,7517 @@
 </p:sld>
 </file>
 
+<file path=ppt/slides/slide4.xml><?xml version="1.0" encoding="utf-8"?>
+<p:sld xmlns:a="http://schemas.openxmlformats.org/drawingml/2006/main" xmlns:r="http://schemas.openxmlformats.org/officeDocument/2006/relationships" xmlns:p="http://schemas.openxmlformats.org/presentationml/2006/main">
+  <p:cSld>
+    <p:spTree>
+      <p:nvGrpSpPr>
+        <p:cNvPr id="1" name=""/>
+        <p:cNvGrpSpPr/>
+        <p:nvPr/>
+      </p:nvGrpSpPr>
+      <p:grpSpPr>
+        <a:xfrm>
+          <a:off x="0" y="0"/>
+          <a:ext cx="0" cy="0"/>
+          <a:chOff x="0" y="0"/>
+          <a:chExt cx="0" cy="0"/>
+        </a:xfrm>
+      </p:grpSpPr>
+      <p:pic>
+        <p:nvPicPr>
+          <p:cNvPr id="3" name="Picture 2">
+            <a:extLst>
+              <a:ext uri="{FF2B5EF4-FFF2-40B4-BE49-F238E27FC236}">
+                <a16:creationId xmlns:a16="http://schemas.microsoft.com/office/drawing/2014/main" id="{C85D6C77-A095-7CC1-08EC-B5175CC3D53C}"/>
+              </a:ext>
+            </a:extLst>
+          </p:cNvPr>
+          <p:cNvPicPr>
+            <a:picLocks noChangeAspect="1"/>
+          </p:cNvPicPr>
+          <p:nvPr/>
+        </p:nvPicPr>
+        <p:blipFill>
+          <a:blip r:embed="rId2"/>
+          <a:stretch>
+            <a:fillRect/>
+          </a:stretch>
+        </p:blipFill>
+        <p:spPr>
+          <a:xfrm>
+            <a:off x="3742974" y="1940169"/>
+            <a:ext cx="3908883" cy="3540369"/>
+          </a:xfrm>
+          <a:prstGeom prst="rect">
+            <a:avLst/>
+          </a:prstGeom>
+        </p:spPr>
+      </p:pic>
+      <p:pic>
+        <p:nvPicPr>
+          <p:cNvPr id="4" name="Picture 3">
+            <a:extLst>
+              <a:ext uri="{FF2B5EF4-FFF2-40B4-BE49-F238E27FC236}">
+                <a16:creationId xmlns:a16="http://schemas.microsoft.com/office/drawing/2014/main" id="{B1DB3CC2-07BC-F6E9-CE3D-24AD27F42C3D}"/>
+              </a:ext>
+            </a:extLst>
+          </p:cNvPr>
+          <p:cNvPicPr>
+            <a:picLocks noChangeAspect="1"/>
+          </p:cNvPicPr>
+          <p:nvPr/>
+        </p:nvPicPr>
+        <p:blipFill>
+          <a:blip r:embed="rId3"/>
+          <a:stretch>
+            <a:fillRect/>
+          </a:stretch>
+        </p:blipFill>
+        <p:spPr>
+          <a:xfrm>
+            <a:off x="1811216" y="1129451"/>
+            <a:ext cx="7772400" cy="652457"/>
+          </a:xfrm>
+          <a:prstGeom prst="rect">
+            <a:avLst/>
+          </a:prstGeom>
+        </p:spPr>
+      </p:pic>
+      <p:sp>
+        <p:nvSpPr>
+          <p:cNvPr id="5" name="Rounded Rectangle 27">
+            <a:extLst>
+              <a:ext uri="{FF2B5EF4-FFF2-40B4-BE49-F238E27FC236}">
+                <a16:creationId xmlns:a16="http://schemas.microsoft.com/office/drawing/2014/main" id="{07257131-49CB-8348-9CC5-2244057B83D5}"/>
+              </a:ext>
+            </a:extLst>
+          </p:cNvPr>
+          <p:cNvSpPr/>
+          <p:nvPr/>
+        </p:nvSpPr>
+        <p:spPr>
+          <a:xfrm rot="16200000">
+            <a:off x="4514703" y="1151581"/>
+            <a:ext cx="652456" cy="608199"/>
+          </a:xfrm>
+          <a:custGeom>
+            <a:avLst/>
+            <a:gdLst>
+              <a:gd name="connsiteX0" fmla="*/ 0 w 6557597"/>
+              <a:gd name="connsiteY0" fmla="*/ 1092955 h 7654058"/>
+              <a:gd name="connsiteX1" fmla="*/ 1092955 w 6557597"/>
+              <a:gd name="connsiteY1" fmla="*/ 0 h 7654058"/>
+              <a:gd name="connsiteX2" fmla="*/ 5464642 w 6557597"/>
+              <a:gd name="connsiteY2" fmla="*/ 0 h 7654058"/>
+              <a:gd name="connsiteX3" fmla="*/ 6557597 w 6557597"/>
+              <a:gd name="connsiteY3" fmla="*/ 1092955 h 7654058"/>
+              <a:gd name="connsiteX4" fmla="*/ 6557597 w 6557597"/>
+              <a:gd name="connsiteY4" fmla="*/ 6561103 h 7654058"/>
+              <a:gd name="connsiteX5" fmla="*/ 5464642 w 6557597"/>
+              <a:gd name="connsiteY5" fmla="*/ 7654058 h 7654058"/>
+              <a:gd name="connsiteX6" fmla="*/ 1092955 w 6557597"/>
+              <a:gd name="connsiteY6" fmla="*/ 7654058 h 7654058"/>
+              <a:gd name="connsiteX7" fmla="*/ 0 w 6557597"/>
+              <a:gd name="connsiteY7" fmla="*/ 6561103 h 7654058"/>
+              <a:gd name="connsiteX8" fmla="*/ 0 w 6557597"/>
+              <a:gd name="connsiteY8" fmla="*/ 1092955 h 7654058"/>
+              <a:gd name="connsiteX0" fmla="*/ 0 w 6564929"/>
+              <a:gd name="connsiteY0" fmla="*/ 1092955 h 7654058"/>
+              <a:gd name="connsiteX1" fmla="*/ 1092955 w 6564929"/>
+              <a:gd name="connsiteY1" fmla="*/ 0 h 7654058"/>
+              <a:gd name="connsiteX2" fmla="*/ 6060989 w 6564929"/>
+              <a:gd name="connsiteY2" fmla="*/ 0 h 7654058"/>
+              <a:gd name="connsiteX3" fmla="*/ 6557597 w 6564929"/>
+              <a:gd name="connsiteY3" fmla="*/ 1092955 h 7654058"/>
+              <a:gd name="connsiteX4" fmla="*/ 6557597 w 6564929"/>
+              <a:gd name="connsiteY4" fmla="*/ 6561103 h 7654058"/>
+              <a:gd name="connsiteX5" fmla="*/ 5464642 w 6564929"/>
+              <a:gd name="connsiteY5" fmla="*/ 7654058 h 7654058"/>
+              <a:gd name="connsiteX6" fmla="*/ 1092955 w 6564929"/>
+              <a:gd name="connsiteY6" fmla="*/ 7654058 h 7654058"/>
+              <a:gd name="connsiteX7" fmla="*/ 0 w 6564929"/>
+              <a:gd name="connsiteY7" fmla="*/ 6561103 h 7654058"/>
+              <a:gd name="connsiteX8" fmla="*/ 0 w 6564929"/>
+              <a:gd name="connsiteY8" fmla="*/ 1092955 h 7654058"/>
+              <a:gd name="connsiteX0" fmla="*/ 0 w 6564929"/>
+              <a:gd name="connsiteY0" fmla="*/ 1092955 h 7654061"/>
+              <a:gd name="connsiteX1" fmla="*/ 1092955 w 6564929"/>
+              <a:gd name="connsiteY1" fmla="*/ 0 h 7654061"/>
+              <a:gd name="connsiteX2" fmla="*/ 6060989 w 6564929"/>
+              <a:gd name="connsiteY2" fmla="*/ 0 h 7654061"/>
+              <a:gd name="connsiteX3" fmla="*/ 6557597 w 6564929"/>
+              <a:gd name="connsiteY3" fmla="*/ 1092955 h 7654061"/>
+              <a:gd name="connsiteX4" fmla="*/ 6557597 w 6564929"/>
+              <a:gd name="connsiteY4" fmla="*/ 6561103 h 7654061"/>
+              <a:gd name="connsiteX5" fmla="*/ 6041114 w 6564929"/>
+              <a:gd name="connsiteY5" fmla="*/ 7654061 h 7654061"/>
+              <a:gd name="connsiteX6" fmla="*/ 1092955 w 6564929"/>
+              <a:gd name="connsiteY6" fmla="*/ 7654058 h 7654061"/>
+              <a:gd name="connsiteX7" fmla="*/ 0 w 6564929"/>
+              <a:gd name="connsiteY7" fmla="*/ 6561103 h 7654061"/>
+              <a:gd name="connsiteX8" fmla="*/ 0 w 6564929"/>
+              <a:gd name="connsiteY8" fmla="*/ 1092955 h 7654061"/>
+              <a:gd name="connsiteX0" fmla="*/ 4 w 6564933"/>
+              <a:gd name="connsiteY0" fmla="*/ 1092955 h 7654061"/>
+              <a:gd name="connsiteX1" fmla="*/ 1092959 w 6564933"/>
+              <a:gd name="connsiteY1" fmla="*/ 0 h 7654061"/>
+              <a:gd name="connsiteX2" fmla="*/ 6060993 w 6564933"/>
+              <a:gd name="connsiteY2" fmla="*/ 0 h 7654061"/>
+              <a:gd name="connsiteX3" fmla="*/ 6557601 w 6564933"/>
+              <a:gd name="connsiteY3" fmla="*/ 1092955 h 7654061"/>
+              <a:gd name="connsiteX4" fmla="*/ 6557601 w 6564933"/>
+              <a:gd name="connsiteY4" fmla="*/ 6561103 h 7654061"/>
+              <a:gd name="connsiteX5" fmla="*/ 6041118 w 6564933"/>
+              <a:gd name="connsiteY5" fmla="*/ 7654061 h 7654061"/>
+              <a:gd name="connsiteX6" fmla="*/ 596003 w 6564933"/>
+              <a:gd name="connsiteY6" fmla="*/ 7654058 h 7654061"/>
+              <a:gd name="connsiteX7" fmla="*/ 4 w 6564933"/>
+              <a:gd name="connsiteY7" fmla="*/ 6561103 h 7654061"/>
+              <a:gd name="connsiteX8" fmla="*/ 4 w 6564933"/>
+              <a:gd name="connsiteY8" fmla="*/ 1092955 h 7654061"/>
+              <a:gd name="connsiteX0" fmla="*/ 4 w 6564933"/>
+              <a:gd name="connsiteY0" fmla="*/ 1092955 h 7654061"/>
+              <a:gd name="connsiteX1" fmla="*/ 774907 w 6564933"/>
+              <a:gd name="connsiteY1" fmla="*/ 0 h 7654061"/>
+              <a:gd name="connsiteX2" fmla="*/ 6060993 w 6564933"/>
+              <a:gd name="connsiteY2" fmla="*/ 0 h 7654061"/>
+              <a:gd name="connsiteX3" fmla="*/ 6557601 w 6564933"/>
+              <a:gd name="connsiteY3" fmla="*/ 1092955 h 7654061"/>
+              <a:gd name="connsiteX4" fmla="*/ 6557601 w 6564933"/>
+              <a:gd name="connsiteY4" fmla="*/ 6561103 h 7654061"/>
+              <a:gd name="connsiteX5" fmla="*/ 6041118 w 6564933"/>
+              <a:gd name="connsiteY5" fmla="*/ 7654061 h 7654061"/>
+              <a:gd name="connsiteX6" fmla="*/ 596003 w 6564933"/>
+              <a:gd name="connsiteY6" fmla="*/ 7654058 h 7654061"/>
+              <a:gd name="connsiteX7" fmla="*/ 4 w 6564933"/>
+              <a:gd name="connsiteY7" fmla="*/ 6561103 h 7654061"/>
+              <a:gd name="connsiteX8" fmla="*/ 4 w 6564933"/>
+              <a:gd name="connsiteY8" fmla="*/ 1092955 h 7654061"/>
+              <a:gd name="connsiteX0" fmla="*/ 4 w 6564933"/>
+              <a:gd name="connsiteY0" fmla="*/ 1092955 h 7654061"/>
+              <a:gd name="connsiteX1" fmla="*/ 596003 w 6564933"/>
+              <a:gd name="connsiteY1" fmla="*/ 0 h 7654061"/>
+              <a:gd name="connsiteX2" fmla="*/ 6060993 w 6564933"/>
+              <a:gd name="connsiteY2" fmla="*/ 0 h 7654061"/>
+              <a:gd name="connsiteX3" fmla="*/ 6557601 w 6564933"/>
+              <a:gd name="connsiteY3" fmla="*/ 1092955 h 7654061"/>
+              <a:gd name="connsiteX4" fmla="*/ 6557601 w 6564933"/>
+              <a:gd name="connsiteY4" fmla="*/ 6561103 h 7654061"/>
+              <a:gd name="connsiteX5" fmla="*/ 6041118 w 6564933"/>
+              <a:gd name="connsiteY5" fmla="*/ 7654061 h 7654061"/>
+              <a:gd name="connsiteX6" fmla="*/ 596003 w 6564933"/>
+              <a:gd name="connsiteY6" fmla="*/ 7654058 h 7654061"/>
+              <a:gd name="connsiteX7" fmla="*/ 4 w 6564933"/>
+              <a:gd name="connsiteY7" fmla="*/ 6561103 h 7654061"/>
+              <a:gd name="connsiteX8" fmla="*/ 4 w 6564933"/>
+              <a:gd name="connsiteY8" fmla="*/ 1092955 h 7654061"/>
+            </a:gdLst>
+            <a:ahLst/>
+            <a:cxnLst>
+              <a:cxn ang="0">
+                <a:pos x="connsiteX0" y="connsiteY0"/>
+              </a:cxn>
+              <a:cxn ang="0">
+                <a:pos x="connsiteX1" y="connsiteY1"/>
+              </a:cxn>
+              <a:cxn ang="0">
+                <a:pos x="connsiteX2" y="connsiteY2"/>
+              </a:cxn>
+              <a:cxn ang="0">
+                <a:pos x="connsiteX3" y="connsiteY3"/>
+              </a:cxn>
+              <a:cxn ang="0">
+                <a:pos x="connsiteX4" y="connsiteY4"/>
+              </a:cxn>
+              <a:cxn ang="0">
+                <a:pos x="connsiteX5" y="connsiteY5"/>
+              </a:cxn>
+              <a:cxn ang="0">
+                <a:pos x="connsiteX6" y="connsiteY6"/>
+              </a:cxn>
+              <a:cxn ang="0">
+                <a:pos x="connsiteX7" y="connsiteY7"/>
+              </a:cxn>
+              <a:cxn ang="0">
+                <a:pos x="connsiteX8" y="connsiteY8"/>
+              </a:cxn>
+            </a:cxnLst>
+            <a:rect l="l" t="t" r="r" b="b"/>
+            <a:pathLst>
+              <a:path w="6564933" h="7654061">
+                <a:moveTo>
+                  <a:pt x="4" y="1092955"/>
+                </a:moveTo>
+                <a:cubicBezTo>
+                  <a:pt x="4" y="489333"/>
+                  <a:pt x="-7619" y="0"/>
+                  <a:pt x="596003" y="0"/>
+                </a:cubicBezTo>
+                <a:lnTo>
+                  <a:pt x="6060993" y="0"/>
+                </a:lnTo>
+                <a:cubicBezTo>
+                  <a:pt x="6664615" y="0"/>
+                  <a:pt x="6557601" y="489333"/>
+                  <a:pt x="6557601" y="1092955"/>
+                </a:cubicBezTo>
+                <a:lnTo>
+                  <a:pt x="6557601" y="6561103"/>
+                </a:lnTo>
+                <a:cubicBezTo>
+                  <a:pt x="6557601" y="7164725"/>
+                  <a:pt x="6644740" y="7654061"/>
+                  <a:pt x="6041118" y="7654061"/>
+                </a:cubicBezTo>
+                <a:lnTo>
+                  <a:pt x="596003" y="7654058"/>
+                </a:lnTo>
+                <a:cubicBezTo>
+                  <a:pt x="-7619" y="7654058"/>
+                  <a:pt x="4" y="7164725"/>
+                  <a:pt x="4" y="6561103"/>
+                </a:cubicBezTo>
+                <a:lnTo>
+                  <a:pt x="4" y="1092955"/>
+                </a:lnTo>
+                <a:close/>
+              </a:path>
+            </a:pathLst>
+          </a:custGeom>
+          <a:solidFill>
+            <a:srgbClr val="92D050">
+              <a:alpha val="9804"/>
+            </a:srgbClr>
+          </a:solidFill>
+          <a:ln w="28575">
+            <a:solidFill>
+              <a:srgbClr val="00B050"/>
+            </a:solidFill>
+          </a:ln>
+        </p:spPr>
+        <p:style>
+          <a:lnRef idx="2">
+            <a:schemeClr val="accent1">
+              <a:shade val="50000"/>
+            </a:schemeClr>
+          </a:lnRef>
+          <a:fillRef idx="1">
+            <a:schemeClr val="accent1"/>
+          </a:fillRef>
+          <a:effectRef idx="0">
+            <a:schemeClr val="accent1"/>
+          </a:effectRef>
+          <a:fontRef idx="minor">
+            <a:schemeClr val="lt1"/>
+          </a:fontRef>
+        </p:style>
+        <p:txBody>
+          <a:bodyPr rtlCol="0" anchor="ctr"/>
+          <a:lstStyle/>
+          <a:p>
+            <a:pPr algn="ctr"/>
+            <a:endParaRPr lang="en-FI"/>
+          </a:p>
+        </p:txBody>
+      </p:sp>
+      <p:sp>
+        <p:nvSpPr>
+          <p:cNvPr id="6" name="Rounded Rectangle 27">
+            <a:extLst>
+              <a:ext uri="{FF2B5EF4-FFF2-40B4-BE49-F238E27FC236}">
+                <a16:creationId xmlns:a16="http://schemas.microsoft.com/office/drawing/2014/main" id="{3662D082-28D3-CDBB-5EC6-6DFD1F375D7C}"/>
+              </a:ext>
+            </a:extLst>
+          </p:cNvPr>
+          <p:cNvSpPr/>
+          <p:nvPr/>
+        </p:nvSpPr>
+        <p:spPr>
+          <a:xfrm rot="16200000">
+            <a:off x="4079283" y="2262904"/>
+            <a:ext cx="762000" cy="761298"/>
+          </a:xfrm>
+          <a:custGeom>
+            <a:avLst/>
+            <a:gdLst>
+              <a:gd name="connsiteX0" fmla="*/ 0 w 6557597"/>
+              <a:gd name="connsiteY0" fmla="*/ 1092955 h 7654058"/>
+              <a:gd name="connsiteX1" fmla="*/ 1092955 w 6557597"/>
+              <a:gd name="connsiteY1" fmla="*/ 0 h 7654058"/>
+              <a:gd name="connsiteX2" fmla="*/ 5464642 w 6557597"/>
+              <a:gd name="connsiteY2" fmla="*/ 0 h 7654058"/>
+              <a:gd name="connsiteX3" fmla="*/ 6557597 w 6557597"/>
+              <a:gd name="connsiteY3" fmla="*/ 1092955 h 7654058"/>
+              <a:gd name="connsiteX4" fmla="*/ 6557597 w 6557597"/>
+              <a:gd name="connsiteY4" fmla="*/ 6561103 h 7654058"/>
+              <a:gd name="connsiteX5" fmla="*/ 5464642 w 6557597"/>
+              <a:gd name="connsiteY5" fmla="*/ 7654058 h 7654058"/>
+              <a:gd name="connsiteX6" fmla="*/ 1092955 w 6557597"/>
+              <a:gd name="connsiteY6" fmla="*/ 7654058 h 7654058"/>
+              <a:gd name="connsiteX7" fmla="*/ 0 w 6557597"/>
+              <a:gd name="connsiteY7" fmla="*/ 6561103 h 7654058"/>
+              <a:gd name="connsiteX8" fmla="*/ 0 w 6557597"/>
+              <a:gd name="connsiteY8" fmla="*/ 1092955 h 7654058"/>
+              <a:gd name="connsiteX0" fmla="*/ 0 w 6564929"/>
+              <a:gd name="connsiteY0" fmla="*/ 1092955 h 7654058"/>
+              <a:gd name="connsiteX1" fmla="*/ 1092955 w 6564929"/>
+              <a:gd name="connsiteY1" fmla="*/ 0 h 7654058"/>
+              <a:gd name="connsiteX2" fmla="*/ 6060989 w 6564929"/>
+              <a:gd name="connsiteY2" fmla="*/ 0 h 7654058"/>
+              <a:gd name="connsiteX3" fmla="*/ 6557597 w 6564929"/>
+              <a:gd name="connsiteY3" fmla="*/ 1092955 h 7654058"/>
+              <a:gd name="connsiteX4" fmla="*/ 6557597 w 6564929"/>
+              <a:gd name="connsiteY4" fmla="*/ 6561103 h 7654058"/>
+              <a:gd name="connsiteX5" fmla="*/ 5464642 w 6564929"/>
+              <a:gd name="connsiteY5" fmla="*/ 7654058 h 7654058"/>
+              <a:gd name="connsiteX6" fmla="*/ 1092955 w 6564929"/>
+              <a:gd name="connsiteY6" fmla="*/ 7654058 h 7654058"/>
+              <a:gd name="connsiteX7" fmla="*/ 0 w 6564929"/>
+              <a:gd name="connsiteY7" fmla="*/ 6561103 h 7654058"/>
+              <a:gd name="connsiteX8" fmla="*/ 0 w 6564929"/>
+              <a:gd name="connsiteY8" fmla="*/ 1092955 h 7654058"/>
+              <a:gd name="connsiteX0" fmla="*/ 0 w 6564929"/>
+              <a:gd name="connsiteY0" fmla="*/ 1092955 h 7654061"/>
+              <a:gd name="connsiteX1" fmla="*/ 1092955 w 6564929"/>
+              <a:gd name="connsiteY1" fmla="*/ 0 h 7654061"/>
+              <a:gd name="connsiteX2" fmla="*/ 6060989 w 6564929"/>
+              <a:gd name="connsiteY2" fmla="*/ 0 h 7654061"/>
+              <a:gd name="connsiteX3" fmla="*/ 6557597 w 6564929"/>
+              <a:gd name="connsiteY3" fmla="*/ 1092955 h 7654061"/>
+              <a:gd name="connsiteX4" fmla="*/ 6557597 w 6564929"/>
+              <a:gd name="connsiteY4" fmla="*/ 6561103 h 7654061"/>
+              <a:gd name="connsiteX5" fmla="*/ 6041114 w 6564929"/>
+              <a:gd name="connsiteY5" fmla="*/ 7654061 h 7654061"/>
+              <a:gd name="connsiteX6" fmla="*/ 1092955 w 6564929"/>
+              <a:gd name="connsiteY6" fmla="*/ 7654058 h 7654061"/>
+              <a:gd name="connsiteX7" fmla="*/ 0 w 6564929"/>
+              <a:gd name="connsiteY7" fmla="*/ 6561103 h 7654061"/>
+              <a:gd name="connsiteX8" fmla="*/ 0 w 6564929"/>
+              <a:gd name="connsiteY8" fmla="*/ 1092955 h 7654061"/>
+              <a:gd name="connsiteX0" fmla="*/ 4 w 6564933"/>
+              <a:gd name="connsiteY0" fmla="*/ 1092955 h 7654061"/>
+              <a:gd name="connsiteX1" fmla="*/ 1092959 w 6564933"/>
+              <a:gd name="connsiteY1" fmla="*/ 0 h 7654061"/>
+              <a:gd name="connsiteX2" fmla="*/ 6060993 w 6564933"/>
+              <a:gd name="connsiteY2" fmla="*/ 0 h 7654061"/>
+              <a:gd name="connsiteX3" fmla="*/ 6557601 w 6564933"/>
+              <a:gd name="connsiteY3" fmla="*/ 1092955 h 7654061"/>
+              <a:gd name="connsiteX4" fmla="*/ 6557601 w 6564933"/>
+              <a:gd name="connsiteY4" fmla="*/ 6561103 h 7654061"/>
+              <a:gd name="connsiteX5" fmla="*/ 6041118 w 6564933"/>
+              <a:gd name="connsiteY5" fmla="*/ 7654061 h 7654061"/>
+              <a:gd name="connsiteX6" fmla="*/ 596003 w 6564933"/>
+              <a:gd name="connsiteY6" fmla="*/ 7654058 h 7654061"/>
+              <a:gd name="connsiteX7" fmla="*/ 4 w 6564933"/>
+              <a:gd name="connsiteY7" fmla="*/ 6561103 h 7654061"/>
+              <a:gd name="connsiteX8" fmla="*/ 4 w 6564933"/>
+              <a:gd name="connsiteY8" fmla="*/ 1092955 h 7654061"/>
+              <a:gd name="connsiteX0" fmla="*/ 4 w 6564933"/>
+              <a:gd name="connsiteY0" fmla="*/ 1092955 h 7654061"/>
+              <a:gd name="connsiteX1" fmla="*/ 774907 w 6564933"/>
+              <a:gd name="connsiteY1" fmla="*/ 0 h 7654061"/>
+              <a:gd name="connsiteX2" fmla="*/ 6060993 w 6564933"/>
+              <a:gd name="connsiteY2" fmla="*/ 0 h 7654061"/>
+              <a:gd name="connsiteX3" fmla="*/ 6557601 w 6564933"/>
+              <a:gd name="connsiteY3" fmla="*/ 1092955 h 7654061"/>
+              <a:gd name="connsiteX4" fmla="*/ 6557601 w 6564933"/>
+              <a:gd name="connsiteY4" fmla="*/ 6561103 h 7654061"/>
+              <a:gd name="connsiteX5" fmla="*/ 6041118 w 6564933"/>
+              <a:gd name="connsiteY5" fmla="*/ 7654061 h 7654061"/>
+              <a:gd name="connsiteX6" fmla="*/ 596003 w 6564933"/>
+              <a:gd name="connsiteY6" fmla="*/ 7654058 h 7654061"/>
+              <a:gd name="connsiteX7" fmla="*/ 4 w 6564933"/>
+              <a:gd name="connsiteY7" fmla="*/ 6561103 h 7654061"/>
+              <a:gd name="connsiteX8" fmla="*/ 4 w 6564933"/>
+              <a:gd name="connsiteY8" fmla="*/ 1092955 h 7654061"/>
+              <a:gd name="connsiteX0" fmla="*/ 4 w 6564933"/>
+              <a:gd name="connsiteY0" fmla="*/ 1092955 h 7654061"/>
+              <a:gd name="connsiteX1" fmla="*/ 596003 w 6564933"/>
+              <a:gd name="connsiteY1" fmla="*/ 0 h 7654061"/>
+              <a:gd name="connsiteX2" fmla="*/ 6060993 w 6564933"/>
+              <a:gd name="connsiteY2" fmla="*/ 0 h 7654061"/>
+              <a:gd name="connsiteX3" fmla="*/ 6557601 w 6564933"/>
+              <a:gd name="connsiteY3" fmla="*/ 1092955 h 7654061"/>
+              <a:gd name="connsiteX4" fmla="*/ 6557601 w 6564933"/>
+              <a:gd name="connsiteY4" fmla="*/ 6561103 h 7654061"/>
+              <a:gd name="connsiteX5" fmla="*/ 6041118 w 6564933"/>
+              <a:gd name="connsiteY5" fmla="*/ 7654061 h 7654061"/>
+              <a:gd name="connsiteX6" fmla="*/ 596003 w 6564933"/>
+              <a:gd name="connsiteY6" fmla="*/ 7654058 h 7654061"/>
+              <a:gd name="connsiteX7" fmla="*/ 4 w 6564933"/>
+              <a:gd name="connsiteY7" fmla="*/ 6561103 h 7654061"/>
+              <a:gd name="connsiteX8" fmla="*/ 4 w 6564933"/>
+              <a:gd name="connsiteY8" fmla="*/ 1092955 h 7654061"/>
+            </a:gdLst>
+            <a:ahLst/>
+            <a:cxnLst>
+              <a:cxn ang="0">
+                <a:pos x="connsiteX0" y="connsiteY0"/>
+              </a:cxn>
+              <a:cxn ang="0">
+                <a:pos x="connsiteX1" y="connsiteY1"/>
+              </a:cxn>
+              <a:cxn ang="0">
+                <a:pos x="connsiteX2" y="connsiteY2"/>
+              </a:cxn>
+              <a:cxn ang="0">
+                <a:pos x="connsiteX3" y="connsiteY3"/>
+              </a:cxn>
+              <a:cxn ang="0">
+                <a:pos x="connsiteX4" y="connsiteY4"/>
+              </a:cxn>
+              <a:cxn ang="0">
+                <a:pos x="connsiteX5" y="connsiteY5"/>
+              </a:cxn>
+              <a:cxn ang="0">
+                <a:pos x="connsiteX6" y="connsiteY6"/>
+              </a:cxn>
+              <a:cxn ang="0">
+                <a:pos x="connsiteX7" y="connsiteY7"/>
+              </a:cxn>
+              <a:cxn ang="0">
+                <a:pos x="connsiteX8" y="connsiteY8"/>
+              </a:cxn>
+            </a:cxnLst>
+            <a:rect l="l" t="t" r="r" b="b"/>
+            <a:pathLst>
+              <a:path w="6564933" h="7654061">
+                <a:moveTo>
+                  <a:pt x="4" y="1092955"/>
+                </a:moveTo>
+                <a:cubicBezTo>
+                  <a:pt x="4" y="489333"/>
+                  <a:pt x="-7619" y="0"/>
+                  <a:pt x="596003" y="0"/>
+                </a:cubicBezTo>
+                <a:lnTo>
+                  <a:pt x="6060993" y="0"/>
+                </a:lnTo>
+                <a:cubicBezTo>
+                  <a:pt x="6664615" y="0"/>
+                  <a:pt x="6557601" y="489333"/>
+                  <a:pt x="6557601" y="1092955"/>
+                </a:cubicBezTo>
+                <a:lnTo>
+                  <a:pt x="6557601" y="6561103"/>
+                </a:lnTo>
+                <a:cubicBezTo>
+                  <a:pt x="6557601" y="7164725"/>
+                  <a:pt x="6644740" y="7654061"/>
+                  <a:pt x="6041118" y="7654061"/>
+                </a:cubicBezTo>
+                <a:lnTo>
+                  <a:pt x="596003" y="7654058"/>
+                </a:lnTo>
+                <a:cubicBezTo>
+                  <a:pt x="-7619" y="7654058"/>
+                  <a:pt x="4" y="7164725"/>
+                  <a:pt x="4" y="6561103"/>
+                </a:cubicBezTo>
+                <a:lnTo>
+                  <a:pt x="4" y="1092955"/>
+                </a:lnTo>
+                <a:close/>
+              </a:path>
+            </a:pathLst>
+          </a:custGeom>
+          <a:solidFill>
+            <a:srgbClr val="92D050">
+              <a:alpha val="9804"/>
+            </a:srgbClr>
+          </a:solidFill>
+          <a:ln w="28575">
+            <a:solidFill>
+              <a:srgbClr val="00B050"/>
+            </a:solidFill>
+          </a:ln>
+        </p:spPr>
+        <p:style>
+          <a:lnRef idx="2">
+            <a:schemeClr val="accent1">
+              <a:shade val="50000"/>
+            </a:schemeClr>
+          </a:lnRef>
+          <a:fillRef idx="1">
+            <a:schemeClr val="accent1"/>
+          </a:fillRef>
+          <a:effectRef idx="0">
+            <a:schemeClr val="accent1"/>
+          </a:effectRef>
+          <a:fontRef idx="minor">
+            <a:schemeClr val="lt1"/>
+          </a:fontRef>
+        </p:style>
+        <p:txBody>
+          <a:bodyPr rtlCol="0" anchor="ctr"/>
+          <a:lstStyle/>
+          <a:p>
+            <a:pPr algn="ctr"/>
+            <a:endParaRPr lang="en-FI"/>
+          </a:p>
+        </p:txBody>
+      </p:sp>
+      <p:sp>
+        <p:nvSpPr>
+          <p:cNvPr id="8" name="Rounded Rectangle 27">
+            <a:extLst>
+              <a:ext uri="{FF2B5EF4-FFF2-40B4-BE49-F238E27FC236}">
+                <a16:creationId xmlns:a16="http://schemas.microsoft.com/office/drawing/2014/main" id="{786439E4-3CB2-A7BF-F5C6-8291D4A21E9D}"/>
+              </a:ext>
+            </a:extLst>
+          </p:cNvPr>
+          <p:cNvSpPr/>
+          <p:nvPr/>
+        </p:nvSpPr>
+        <p:spPr>
+          <a:xfrm rot="16200000">
+            <a:off x="6271498" y="2262904"/>
+            <a:ext cx="762000" cy="761298"/>
+          </a:xfrm>
+          <a:custGeom>
+            <a:avLst/>
+            <a:gdLst>
+              <a:gd name="connsiteX0" fmla="*/ 0 w 6557597"/>
+              <a:gd name="connsiteY0" fmla="*/ 1092955 h 7654058"/>
+              <a:gd name="connsiteX1" fmla="*/ 1092955 w 6557597"/>
+              <a:gd name="connsiteY1" fmla="*/ 0 h 7654058"/>
+              <a:gd name="connsiteX2" fmla="*/ 5464642 w 6557597"/>
+              <a:gd name="connsiteY2" fmla="*/ 0 h 7654058"/>
+              <a:gd name="connsiteX3" fmla="*/ 6557597 w 6557597"/>
+              <a:gd name="connsiteY3" fmla="*/ 1092955 h 7654058"/>
+              <a:gd name="connsiteX4" fmla="*/ 6557597 w 6557597"/>
+              <a:gd name="connsiteY4" fmla="*/ 6561103 h 7654058"/>
+              <a:gd name="connsiteX5" fmla="*/ 5464642 w 6557597"/>
+              <a:gd name="connsiteY5" fmla="*/ 7654058 h 7654058"/>
+              <a:gd name="connsiteX6" fmla="*/ 1092955 w 6557597"/>
+              <a:gd name="connsiteY6" fmla="*/ 7654058 h 7654058"/>
+              <a:gd name="connsiteX7" fmla="*/ 0 w 6557597"/>
+              <a:gd name="connsiteY7" fmla="*/ 6561103 h 7654058"/>
+              <a:gd name="connsiteX8" fmla="*/ 0 w 6557597"/>
+              <a:gd name="connsiteY8" fmla="*/ 1092955 h 7654058"/>
+              <a:gd name="connsiteX0" fmla="*/ 0 w 6564929"/>
+              <a:gd name="connsiteY0" fmla="*/ 1092955 h 7654058"/>
+              <a:gd name="connsiteX1" fmla="*/ 1092955 w 6564929"/>
+              <a:gd name="connsiteY1" fmla="*/ 0 h 7654058"/>
+              <a:gd name="connsiteX2" fmla="*/ 6060989 w 6564929"/>
+              <a:gd name="connsiteY2" fmla="*/ 0 h 7654058"/>
+              <a:gd name="connsiteX3" fmla="*/ 6557597 w 6564929"/>
+              <a:gd name="connsiteY3" fmla="*/ 1092955 h 7654058"/>
+              <a:gd name="connsiteX4" fmla="*/ 6557597 w 6564929"/>
+              <a:gd name="connsiteY4" fmla="*/ 6561103 h 7654058"/>
+              <a:gd name="connsiteX5" fmla="*/ 5464642 w 6564929"/>
+              <a:gd name="connsiteY5" fmla="*/ 7654058 h 7654058"/>
+              <a:gd name="connsiteX6" fmla="*/ 1092955 w 6564929"/>
+              <a:gd name="connsiteY6" fmla="*/ 7654058 h 7654058"/>
+              <a:gd name="connsiteX7" fmla="*/ 0 w 6564929"/>
+              <a:gd name="connsiteY7" fmla="*/ 6561103 h 7654058"/>
+              <a:gd name="connsiteX8" fmla="*/ 0 w 6564929"/>
+              <a:gd name="connsiteY8" fmla="*/ 1092955 h 7654058"/>
+              <a:gd name="connsiteX0" fmla="*/ 0 w 6564929"/>
+              <a:gd name="connsiteY0" fmla="*/ 1092955 h 7654061"/>
+              <a:gd name="connsiteX1" fmla="*/ 1092955 w 6564929"/>
+              <a:gd name="connsiteY1" fmla="*/ 0 h 7654061"/>
+              <a:gd name="connsiteX2" fmla="*/ 6060989 w 6564929"/>
+              <a:gd name="connsiteY2" fmla="*/ 0 h 7654061"/>
+              <a:gd name="connsiteX3" fmla="*/ 6557597 w 6564929"/>
+              <a:gd name="connsiteY3" fmla="*/ 1092955 h 7654061"/>
+              <a:gd name="connsiteX4" fmla="*/ 6557597 w 6564929"/>
+              <a:gd name="connsiteY4" fmla="*/ 6561103 h 7654061"/>
+              <a:gd name="connsiteX5" fmla="*/ 6041114 w 6564929"/>
+              <a:gd name="connsiteY5" fmla="*/ 7654061 h 7654061"/>
+              <a:gd name="connsiteX6" fmla="*/ 1092955 w 6564929"/>
+              <a:gd name="connsiteY6" fmla="*/ 7654058 h 7654061"/>
+              <a:gd name="connsiteX7" fmla="*/ 0 w 6564929"/>
+              <a:gd name="connsiteY7" fmla="*/ 6561103 h 7654061"/>
+              <a:gd name="connsiteX8" fmla="*/ 0 w 6564929"/>
+              <a:gd name="connsiteY8" fmla="*/ 1092955 h 7654061"/>
+              <a:gd name="connsiteX0" fmla="*/ 4 w 6564933"/>
+              <a:gd name="connsiteY0" fmla="*/ 1092955 h 7654061"/>
+              <a:gd name="connsiteX1" fmla="*/ 1092959 w 6564933"/>
+              <a:gd name="connsiteY1" fmla="*/ 0 h 7654061"/>
+              <a:gd name="connsiteX2" fmla="*/ 6060993 w 6564933"/>
+              <a:gd name="connsiteY2" fmla="*/ 0 h 7654061"/>
+              <a:gd name="connsiteX3" fmla="*/ 6557601 w 6564933"/>
+              <a:gd name="connsiteY3" fmla="*/ 1092955 h 7654061"/>
+              <a:gd name="connsiteX4" fmla="*/ 6557601 w 6564933"/>
+              <a:gd name="connsiteY4" fmla="*/ 6561103 h 7654061"/>
+              <a:gd name="connsiteX5" fmla="*/ 6041118 w 6564933"/>
+              <a:gd name="connsiteY5" fmla="*/ 7654061 h 7654061"/>
+              <a:gd name="connsiteX6" fmla="*/ 596003 w 6564933"/>
+              <a:gd name="connsiteY6" fmla="*/ 7654058 h 7654061"/>
+              <a:gd name="connsiteX7" fmla="*/ 4 w 6564933"/>
+              <a:gd name="connsiteY7" fmla="*/ 6561103 h 7654061"/>
+              <a:gd name="connsiteX8" fmla="*/ 4 w 6564933"/>
+              <a:gd name="connsiteY8" fmla="*/ 1092955 h 7654061"/>
+              <a:gd name="connsiteX0" fmla="*/ 4 w 6564933"/>
+              <a:gd name="connsiteY0" fmla="*/ 1092955 h 7654061"/>
+              <a:gd name="connsiteX1" fmla="*/ 774907 w 6564933"/>
+              <a:gd name="connsiteY1" fmla="*/ 0 h 7654061"/>
+              <a:gd name="connsiteX2" fmla="*/ 6060993 w 6564933"/>
+              <a:gd name="connsiteY2" fmla="*/ 0 h 7654061"/>
+              <a:gd name="connsiteX3" fmla="*/ 6557601 w 6564933"/>
+              <a:gd name="connsiteY3" fmla="*/ 1092955 h 7654061"/>
+              <a:gd name="connsiteX4" fmla="*/ 6557601 w 6564933"/>
+              <a:gd name="connsiteY4" fmla="*/ 6561103 h 7654061"/>
+              <a:gd name="connsiteX5" fmla="*/ 6041118 w 6564933"/>
+              <a:gd name="connsiteY5" fmla="*/ 7654061 h 7654061"/>
+              <a:gd name="connsiteX6" fmla="*/ 596003 w 6564933"/>
+              <a:gd name="connsiteY6" fmla="*/ 7654058 h 7654061"/>
+              <a:gd name="connsiteX7" fmla="*/ 4 w 6564933"/>
+              <a:gd name="connsiteY7" fmla="*/ 6561103 h 7654061"/>
+              <a:gd name="connsiteX8" fmla="*/ 4 w 6564933"/>
+              <a:gd name="connsiteY8" fmla="*/ 1092955 h 7654061"/>
+              <a:gd name="connsiteX0" fmla="*/ 4 w 6564933"/>
+              <a:gd name="connsiteY0" fmla="*/ 1092955 h 7654061"/>
+              <a:gd name="connsiteX1" fmla="*/ 596003 w 6564933"/>
+              <a:gd name="connsiteY1" fmla="*/ 0 h 7654061"/>
+              <a:gd name="connsiteX2" fmla="*/ 6060993 w 6564933"/>
+              <a:gd name="connsiteY2" fmla="*/ 0 h 7654061"/>
+              <a:gd name="connsiteX3" fmla="*/ 6557601 w 6564933"/>
+              <a:gd name="connsiteY3" fmla="*/ 1092955 h 7654061"/>
+              <a:gd name="connsiteX4" fmla="*/ 6557601 w 6564933"/>
+              <a:gd name="connsiteY4" fmla="*/ 6561103 h 7654061"/>
+              <a:gd name="connsiteX5" fmla="*/ 6041118 w 6564933"/>
+              <a:gd name="connsiteY5" fmla="*/ 7654061 h 7654061"/>
+              <a:gd name="connsiteX6" fmla="*/ 596003 w 6564933"/>
+              <a:gd name="connsiteY6" fmla="*/ 7654058 h 7654061"/>
+              <a:gd name="connsiteX7" fmla="*/ 4 w 6564933"/>
+              <a:gd name="connsiteY7" fmla="*/ 6561103 h 7654061"/>
+              <a:gd name="connsiteX8" fmla="*/ 4 w 6564933"/>
+              <a:gd name="connsiteY8" fmla="*/ 1092955 h 7654061"/>
+            </a:gdLst>
+            <a:ahLst/>
+            <a:cxnLst>
+              <a:cxn ang="0">
+                <a:pos x="connsiteX0" y="connsiteY0"/>
+              </a:cxn>
+              <a:cxn ang="0">
+                <a:pos x="connsiteX1" y="connsiteY1"/>
+              </a:cxn>
+              <a:cxn ang="0">
+                <a:pos x="connsiteX2" y="connsiteY2"/>
+              </a:cxn>
+              <a:cxn ang="0">
+                <a:pos x="connsiteX3" y="connsiteY3"/>
+              </a:cxn>
+              <a:cxn ang="0">
+                <a:pos x="connsiteX4" y="connsiteY4"/>
+              </a:cxn>
+              <a:cxn ang="0">
+                <a:pos x="connsiteX5" y="connsiteY5"/>
+              </a:cxn>
+              <a:cxn ang="0">
+                <a:pos x="connsiteX6" y="connsiteY6"/>
+              </a:cxn>
+              <a:cxn ang="0">
+                <a:pos x="connsiteX7" y="connsiteY7"/>
+              </a:cxn>
+              <a:cxn ang="0">
+                <a:pos x="connsiteX8" y="connsiteY8"/>
+              </a:cxn>
+            </a:cxnLst>
+            <a:rect l="l" t="t" r="r" b="b"/>
+            <a:pathLst>
+              <a:path w="6564933" h="7654061">
+                <a:moveTo>
+                  <a:pt x="4" y="1092955"/>
+                </a:moveTo>
+                <a:cubicBezTo>
+                  <a:pt x="4" y="489333"/>
+                  <a:pt x="-7619" y="0"/>
+                  <a:pt x="596003" y="0"/>
+                </a:cubicBezTo>
+                <a:lnTo>
+                  <a:pt x="6060993" y="0"/>
+                </a:lnTo>
+                <a:cubicBezTo>
+                  <a:pt x="6664615" y="0"/>
+                  <a:pt x="6557601" y="489333"/>
+                  <a:pt x="6557601" y="1092955"/>
+                </a:cubicBezTo>
+                <a:lnTo>
+                  <a:pt x="6557601" y="6561103"/>
+                </a:lnTo>
+                <a:cubicBezTo>
+                  <a:pt x="6557601" y="7164725"/>
+                  <a:pt x="6644740" y="7654061"/>
+                  <a:pt x="6041118" y="7654061"/>
+                </a:cubicBezTo>
+                <a:lnTo>
+                  <a:pt x="596003" y="7654058"/>
+                </a:lnTo>
+                <a:cubicBezTo>
+                  <a:pt x="-7619" y="7654058"/>
+                  <a:pt x="4" y="7164725"/>
+                  <a:pt x="4" y="6561103"/>
+                </a:cubicBezTo>
+                <a:lnTo>
+                  <a:pt x="4" y="1092955"/>
+                </a:lnTo>
+                <a:close/>
+              </a:path>
+            </a:pathLst>
+          </a:custGeom>
+          <a:solidFill>
+            <a:srgbClr val="92D050">
+              <a:alpha val="9804"/>
+            </a:srgbClr>
+          </a:solidFill>
+          <a:ln w="28575">
+            <a:solidFill>
+              <a:srgbClr val="00B050"/>
+            </a:solidFill>
+          </a:ln>
+        </p:spPr>
+        <p:style>
+          <a:lnRef idx="2">
+            <a:schemeClr val="accent1">
+              <a:shade val="50000"/>
+            </a:schemeClr>
+          </a:lnRef>
+          <a:fillRef idx="1">
+            <a:schemeClr val="accent1"/>
+          </a:fillRef>
+          <a:effectRef idx="0">
+            <a:schemeClr val="accent1"/>
+          </a:effectRef>
+          <a:fontRef idx="minor">
+            <a:schemeClr val="lt1"/>
+          </a:fontRef>
+        </p:style>
+        <p:txBody>
+          <a:bodyPr rtlCol="0" anchor="ctr"/>
+          <a:lstStyle/>
+          <a:p>
+            <a:pPr algn="ctr"/>
+            <a:endParaRPr lang="en-FI"/>
+          </a:p>
+        </p:txBody>
+      </p:sp>
+      <p:sp>
+        <p:nvSpPr>
+          <p:cNvPr id="11" name="Rounded Rectangle 27">
+            <a:extLst>
+              <a:ext uri="{FF2B5EF4-FFF2-40B4-BE49-F238E27FC236}">
+                <a16:creationId xmlns:a16="http://schemas.microsoft.com/office/drawing/2014/main" id="{3ED05B69-B184-DFC8-3585-5AD2239E6900}"/>
+              </a:ext>
+            </a:extLst>
+          </p:cNvPr>
+          <p:cNvSpPr/>
+          <p:nvPr/>
+        </p:nvSpPr>
+        <p:spPr>
+          <a:xfrm rot="16200000">
+            <a:off x="5206366" y="1151580"/>
+            <a:ext cx="652456" cy="608199"/>
+          </a:xfrm>
+          <a:custGeom>
+            <a:avLst/>
+            <a:gdLst>
+              <a:gd name="connsiteX0" fmla="*/ 0 w 6557597"/>
+              <a:gd name="connsiteY0" fmla="*/ 1092955 h 7654058"/>
+              <a:gd name="connsiteX1" fmla="*/ 1092955 w 6557597"/>
+              <a:gd name="connsiteY1" fmla="*/ 0 h 7654058"/>
+              <a:gd name="connsiteX2" fmla="*/ 5464642 w 6557597"/>
+              <a:gd name="connsiteY2" fmla="*/ 0 h 7654058"/>
+              <a:gd name="connsiteX3" fmla="*/ 6557597 w 6557597"/>
+              <a:gd name="connsiteY3" fmla="*/ 1092955 h 7654058"/>
+              <a:gd name="connsiteX4" fmla="*/ 6557597 w 6557597"/>
+              <a:gd name="connsiteY4" fmla="*/ 6561103 h 7654058"/>
+              <a:gd name="connsiteX5" fmla="*/ 5464642 w 6557597"/>
+              <a:gd name="connsiteY5" fmla="*/ 7654058 h 7654058"/>
+              <a:gd name="connsiteX6" fmla="*/ 1092955 w 6557597"/>
+              <a:gd name="connsiteY6" fmla="*/ 7654058 h 7654058"/>
+              <a:gd name="connsiteX7" fmla="*/ 0 w 6557597"/>
+              <a:gd name="connsiteY7" fmla="*/ 6561103 h 7654058"/>
+              <a:gd name="connsiteX8" fmla="*/ 0 w 6557597"/>
+              <a:gd name="connsiteY8" fmla="*/ 1092955 h 7654058"/>
+              <a:gd name="connsiteX0" fmla="*/ 0 w 6564929"/>
+              <a:gd name="connsiteY0" fmla="*/ 1092955 h 7654058"/>
+              <a:gd name="connsiteX1" fmla="*/ 1092955 w 6564929"/>
+              <a:gd name="connsiteY1" fmla="*/ 0 h 7654058"/>
+              <a:gd name="connsiteX2" fmla="*/ 6060989 w 6564929"/>
+              <a:gd name="connsiteY2" fmla="*/ 0 h 7654058"/>
+              <a:gd name="connsiteX3" fmla="*/ 6557597 w 6564929"/>
+              <a:gd name="connsiteY3" fmla="*/ 1092955 h 7654058"/>
+              <a:gd name="connsiteX4" fmla="*/ 6557597 w 6564929"/>
+              <a:gd name="connsiteY4" fmla="*/ 6561103 h 7654058"/>
+              <a:gd name="connsiteX5" fmla="*/ 5464642 w 6564929"/>
+              <a:gd name="connsiteY5" fmla="*/ 7654058 h 7654058"/>
+              <a:gd name="connsiteX6" fmla="*/ 1092955 w 6564929"/>
+              <a:gd name="connsiteY6" fmla="*/ 7654058 h 7654058"/>
+              <a:gd name="connsiteX7" fmla="*/ 0 w 6564929"/>
+              <a:gd name="connsiteY7" fmla="*/ 6561103 h 7654058"/>
+              <a:gd name="connsiteX8" fmla="*/ 0 w 6564929"/>
+              <a:gd name="connsiteY8" fmla="*/ 1092955 h 7654058"/>
+              <a:gd name="connsiteX0" fmla="*/ 0 w 6564929"/>
+              <a:gd name="connsiteY0" fmla="*/ 1092955 h 7654061"/>
+              <a:gd name="connsiteX1" fmla="*/ 1092955 w 6564929"/>
+              <a:gd name="connsiteY1" fmla="*/ 0 h 7654061"/>
+              <a:gd name="connsiteX2" fmla="*/ 6060989 w 6564929"/>
+              <a:gd name="connsiteY2" fmla="*/ 0 h 7654061"/>
+              <a:gd name="connsiteX3" fmla="*/ 6557597 w 6564929"/>
+              <a:gd name="connsiteY3" fmla="*/ 1092955 h 7654061"/>
+              <a:gd name="connsiteX4" fmla="*/ 6557597 w 6564929"/>
+              <a:gd name="connsiteY4" fmla="*/ 6561103 h 7654061"/>
+              <a:gd name="connsiteX5" fmla="*/ 6041114 w 6564929"/>
+              <a:gd name="connsiteY5" fmla="*/ 7654061 h 7654061"/>
+              <a:gd name="connsiteX6" fmla="*/ 1092955 w 6564929"/>
+              <a:gd name="connsiteY6" fmla="*/ 7654058 h 7654061"/>
+              <a:gd name="connsiteX7" fmla="*/ 0 w 6564929"/>
+              <a:gd name="connsiteY7" fmla="*/ 6561103 h 7654061"/>
+              <a:gd name="connsiteX8" fmla="*/ 0 w 6564929"/>
+              <a:gd name="connsiteY8" fmla="*/ 1092955 h 7654061"/>
+              <a:gd name="connsiteX0" fmla="*/ 4 w 6564933"/>
+              <a:gd name="connsiteY0" fmla="*/ 1092955 h 7654061"/>
+              <a:gd name="connsiteX1" fmla="*/ 1092959 w 6564933"/>
+              <a:gd name="connsiteY1" fmla="*/ 0 h 7654061"/>
+              <a:gd name="connsiteX2" fmla="*/ 6060993 w 6564933"/>
+              <a:gd name="connsiteY2" fmla="*/ 0 h 7654061"/>
+              <a:gd name="connsiteX3" fmla="*/ 6557601 w 6564933"/>
+              <a:gd name="connsiteY3" fmla="*/ 1092955 h 7654061"/>
+              <a:gd name="connsiteX4" fmla="*/ 6557601 w 6564933"/>
+              <a:gd name="connsiteY4" fmla="*/ 6561103 h 7654061"/>
+              <a:gd name="connsiteX5" fmla="*/ 6041118 w 6564933"/>
+              <a:gd name="connsiteY5" fmla="*/ 7654061 h 7654061"/>
+              <a:gd name="connsiteX6" fmla="*/ 596003 w 6564933"/>
+              <a:gd name="connsiteY6" fmla="*/ 7654058 h 7654061"/>
+              <a:gd name="connsiteX7" fmla="*/ 4 w 6564933"/>
+              <a:gd name="connsiteY7" fmla="*/ 6561103 h 7654061"/>
+              <a:gd name="connsiteX8" fmla="*/ 4 w 6564933"/>
+              <a:gd name="connsiteY8" fmla="*/ 1092955 h 7654061"/>
+              <a:gd name="connsiteX0" fmla="*/ 4 w 6564933"/>
+              <a:gd name="connsiteY0" fmla="*/ 1092955 h 7654061"/>
+              <a:gd name="connsiteX1" fmla="*/ 774907 w 6564933"/>
+              <a:gd name="connsiteY1" fmla="*/ 0 h 7654061"/>
+              <a:gd name="connsiteX2" fmla="*/ 6060993 w 6564933"/>
+              <a:gd name="connsiteY2" fmla="*/ 0 h 7654061"/>
+              <a:gd name="connsiteX3" fmla="*/ 6557601 w 6564933"/>
+              <a:gd name="connsiteY3" fmla="*/ 1092955 h 7654061"/>
+              <a:gd name="connsiteX4" fmla="*/ 6557601 w 6564933"/>
+              <a:gd name="connsiteY4" fmla="*/ 6561103 h 7654061"/>
+              <a:gd name="connsiteX5" fmla="*/ 6041118 w 6564933"/>
+              <a:gd name="connsiteY5" fmla="*/ 7654061 h 7654061"/>
+              <a:gd name="connsiteX6" fmla="*/ 596003 w 6564933"/>
+              <a:gd name="connsiteY6" fmla="*/ 7654058 h 7654061"/>
+              <a:gd name="connsiteX7" fmla="*/ 4 w 6564933"/>
+              <a:gd name="connsiteY7" fmla="*/ 6561103 h 7654061"/>
+              <a:gd name="connsiteX8" fmla="*/ 4 w 6564933"/>
+              <a:gd name="connsiteY8" fmla="*/ 1092955 h 7654061"/>
+              <a:gd name="connsiteX0" fmla="*/ 4 w 6564933"/>
+              <a:gd name="connsiteY0" fmla="*/ 1092955 h 7654061"/>
+              <a:gd name="connsiteX1" fmla="*/ 596003 w 6564933"/>
+              <a:gd name="connsiteY1" fmla="*/ 0 h 7654061"/>
+              <a:gd name="connsiteX2" fmla="*/ 6060993 w 6564933"/>
+              <a:gd name="connsiteY2" fmla="*/ 0 h 7654061"/>
+              <a:gd name="connsiteX3" fmla="*/ 6557601 w 6564933"/>
+              <a:gd name="connsiteY3" fmla="*/ 1092955 h 7654061"/>
+              <a:gd name="connsiteX4" fmla="*/ 6557601 w 6564933"/>
+              <a:gd name="connsiteY4" fmla="*/ 6561103 h 7654061"/>
+              <a:gd name="connsiteX5" fmla="*/ 6041118 w 6564933"/>
+              <a:gd name="connsiteY5" fmla="*/ 7654061 h 7654061"/>
+              <a:gd name="connsiteX6" fmla="*/ 596003 w 6564933"/>
+              <a:gd name="connsiteY6" fmla="*/ 7654058 h 7654061"/>
+              <a:gd name="connsiteX7" fmla="*/ 4 w 6564933"/>
+              <a:gd name="connsiteY7" fmla="*/ 6561103 h 7654061"/>
+              <a:gd name="connsiteX8" fmla="*/ 4 w 6564933"/>
+              <a:gd name="connsiteY8" fmla="*/ 1092955 h 7654061"/>
+            </a:gdLst>
+            <a:ahLst/>
+            <a:cxnLst>
+              <a:cxn ang="0">
+                <a:pos x="connsiteX0" y="connsiteY0"/>
+              </a:cxn>
+              <a:cxn ang="0">
+                <a:pos x="connsiteX1" y="connsiteY1"/>
+              </a:cxn>
+              <a:cxn ang="0">
+                <a:pos x="connsiteX2" y="connsiteY2"/>
+              </a:cxn>
+              <a:cxn ang="0">
+                <a:pos x="connsiteX3" y="connsiteY3"/>
+              </a:cxn>
+              <a:cxn ang="0">
+                <a:pos x="connsiteX4" y="connsiteY4"/>
+              </a:cxn>
+              <a:cxn ang="0">
+                <a:pos x="connsiteX5" y="connsiteY5"/>
+              </a:cxn>
+              <a:cxn ang="0">
+                <a:pos x="connsiteX6" y="connsiteY6"/>
+              </a:cxn>
+              <a:cxn ang="0">
+                <a:pos x="connsiteX7" y="connsiteY7"/>
+              </a:cxn>
+              <a:cxn ang="0">
+                <a:pos x="connsiteX8" y="connsiteY8"/>
+              </a:cxn>
+            </a:cxnLst>
+            <a:rect l="l" t="t" r="r" b="b"/>
+            <a:pathLst>
+              <a:path w="6564933" h="7654061">
+                <a:moveTo>
+                  <a:pt x="4" y="1092955"/>
+                </a:moveTo>
+                <a:cubicBezTo>
+                  <a:pt x="4" y="489333"/>
+                  <a:pt x="-7619" y="0"/>
+                  <a:pt x="596003" y="0"/>
+                </a:cubicBezTo>
+                <a:lnTo>
+                  <a:pt x="6060993" y="0"/>
+                </a:lnTo>
+                <a:cubicBezTo>
+                  <a:pt x="6664615" y="0"/>
+                  <a:pt x="6557601" y="489333"/>
+                  <a:pt x="6557601" y="1092955"/>
+                </a:cubicBezTo>
+                <a:lnTo>
+                  <a:pt x="6557601" y="6561103"/>
+                </a:lnTo>
+                <a:cubicBezTo>
+                  <a:pt x="6557601" y="7164725"/>
+                  <a:pt x="6644740" y="7654061"/>
+                  <a:pt x="6041118" y="7654061"/>
+                </a:cubicBezTo>
+                <a:lnTo>
+                  <a:pt x="596003" y="7654058"/>
+                </a:lnTo>
+                <a:cubicBezTo>
+                  <a:pt x="-7619" y="7654058"/>
+                  <a:pt x="4" y="7164725"/>
+                  <a:pt x="4" y="6561103"/>
+                </a:cubicBezTo>
+                <a:lnTo>
+                  <a:pt x="4" y="1092955"/>
+                </a:lnTo>
+                <a:close/>
+              </a:path>
+            </a:pathLst>
+          </a:custGeom>
+          <a:solidFill>
+            <a:srgbClr val="92D050">
+              <a:alpha val="9804"/>
+            </a:srgbClr>
+          </a:solidFill>
+          <a:ln w="28575">
+            <a:solidFill>
+              <a:srgbClr val="00B050"/>
+            </a:solidFill>
+          </a:ln>
+        </p:spPr>
+        <p:style>
+          <a:lnRef idx="2">
+            <a:schemeClr val="accent1">
+              <a:shade val="50000"/>
+            </a:schemeClr>
+          </a:lnRef>
+          <a:fillRef idx="1">
+            <a:schemeClr val="accent1"/>
+          </a:fillRef>
+          <a:effectRef idx="0">
+            <a:schemeClr val="accent1"/>
+          </a:effectRef>
+          <a:fontRef idx="minor">
+            <a:schemeClr val="lt1"/>
+          </a:fontRef>
+        </p:style>
+        <p:txBody>
+          <a:bodyPr rtlCol="0" anchor="ctr"/>
+          <a:lstStyle/>
+          <a:p>
+            <a:pPr algn="ctr"/>
+            <a:endParaRPr lang="en-FI"/>
+          </a:p>
+        </p:txBody>
+      </p:sp>
+      <p:sp>
+        <p:nvSpPr>
+          <p:cNvPr id="12" name="Rounded Rectangle 11">
+            <a:extLst>
+              <a:ext uri="{FF2B5EF4-FFF2-40B4-BE49-F238E27FC236}">
+                <a16:creationId xmlns:a16="http://schemas.microsoft.com/office/drawing/2014/main" id="{BFACDA89-FB2E-A95F-7938-1CE7673387A2}"/>
+              </a:ext>
+            </a:extLst>
+          </p:cNvPr>
+          <p:cNvSpPr/>
+          <p:nvPr/>
+        </p:nvSpPr>
+        <p:spPr>
+          <a:xfrm rot="16200000">
+            <a:off x="6238696" y="804136"/>
+            <a:ext cx="652457" cy="1289535"/>
+          </a:xfrm>
+          <a:prstGeom prst="roundRect">
+            <a:avLst/>
+          </a:prstGeom>
+          <a:solidFill>
+            <a:srgbClr val="FF0000">
+              <a:alpha val="21176"/>
+            </a:srgbClr>
+          </a:solidFill>
+          <a:ln w="28575">
+            <a:solidFill>
+              <a:srgbClr val="C00000"/>
+            </a:solidFill>
+          </a:ln>
+        </p:spPr>
+        <p:style>
+          <a:lnRef idx="2">
+            <a:schemeClr val="accent1">
+              <a:shade val="50000"/>
+            </a:schemeClr>
+          </a:lnRef>
+          <a:fillRef idx="1">
+            <a:schemeClr val="accent1"/>
+          </a:fillRef>
+          <a:effectRef idx="0">
+            <a:schemeClr val="accent1"/>
+          </a:effectRef>
+          <a:fontRef idx="minor">
+            <a:schemeClr val="lt1"/>
+          </a:fontRef>
+        </p:style>
+        <p:txBody>
+          <a:bodyPr rtlCol="0" anchor="ctr"/>
+          <a:lstStyle/>
+          <a:p>
+            <a:pPr algn="ctr"/>
+            <a:endParaRPr lang="en-FI"/>
+          </a:p>
+        </p:txBody>
+      </p:sp>
+      <p:sp>
+        <p:nvSpPr>
+          <p:cNvPr id="13" name="Rounded Rectangle 12">
+            <a:extLst>
+              <a:ext uri="{FF2B5EF4-FFF2-40B4-BE49-F238E27FC236}">
+                <a16:creationId xmlns:a16="http://schemas.microsoft.com/office/drawing/2014/main" id="{299D6436-4F5B-0F6F-5C28-676843E20F7A}"/>
+              </a:ext>
+            </a:extLst>
+          </p:cNvPr>
+          <p:cNvSpPr/>
+          <p:nvPr/>
+        </p:nvSpPr>
+        <p:spPr>
+          <a:xfrm rot="13439705">
+            <a:off x="6022468" y="2849866"/>
+            <a:ext cx="174378" cy="760018"/>
+          </a:xfrm>
+          <a:prstGeom prst="roundRect">
+            <a:avLst/>
+          </a:prstGeom>
+          <a:solidFill>
+            <a:srgbClr val="FF0000">
+              <a:alpha val="21176"/>
+            </a:srgbClr>
+          </a:solidFill>
+          <a:ln w="28575">
+            <a:solidFill>
+              <a:srgbClr val="C00000"/>
+            </a:solidFill>
+          </a:ln>
+        </p:spPr>
+        <p:style>
+          <a:lnRef idx="2">
+            <a:schemeClr val="accent1">
+              <a:shade val="50000"/>
+            </a:schemeClr>
+          </a:lnRef>
+          <a:fillRef idx="1">
+            <a:schemeClr val="accent1"/>
+          </a:fillRef>
+          <a:effectRef idx="0">
+            <a:schemeClr val="accent1"/>
+          </a:effectRef>
+          <a:fontRef idx="minor">
+            <a:schemeClr val="lt1"/>
+          </a:fontRef>
+        </p:style>
+        <p:txBody>
+          <a:bodyPr rtlCol="0" anchor="ctr"/>
+          <a:lstStyle/>
+          <a:p>
+            <a:pPr algn="ctr"/>
+            <a:endParaRPr lang="en-FI"/>
+          </a:p>
+        </p:txBody>
+      </p:sp>
+      <p:sp>
+        <p:nvSpPr>
+          <p:cNvPr id="15" name="Rounded Rectangle 14">
+            <a:extLst>
+              <a:ext uri="{FF2B5EF4-FFF2-40B4-BE49-F238E27FC236}">
+                <a16:creationId xmlns:a16="http://schemas.microsoft.com/office/drawing/2014/main" id="{2D5B2B84-C568-0645-9865-2373F3521B48}"/>
+              </a:ext>
+            </a:extLst>
+          </p:cNvPr>
+          <p:cNvSpPr/>
+          <p:nvPr/>
+        </p:nvSpPr>
+        <p:spPr>
+          <a:xfrm rot="8193347">
+            <a:off x="4945163" y="2869034"/>
+            <a:ext cx="174378" cy="760018"/>
+          </a:xfrm>
+          <a:prstGeom prst="roundRect">
+            <a:avLst/>
+          </a:prstGeom>
+          <a:solidFill>
+            <a:srgbClr val="FF0000">
+              <a:alpha val="21176"/>
+            </a:srgbClr>
+          </a:solidFill>
+          <a:ln w="28575">
+            <a:solidFill>
+              <a:srgbClr val="C00000"/>
+            </a:solidFill>
+          </a:ln>
+        </p:spPr>
+        <p:style>
+          <a:lnRef idx="2">
+            <a:schemeClr val="accent1">
+              <a:shade val="50000"/>
+            </a:schemeClr>
+          </a:lnRef>
+          <a:fillRef idx="1">
+            <a:schemeClr val="accent1"/>
+          </a:fillRef>
+          <a:effectRef idx="0">
+            <a:schemeClr val="accent1"/>
+          </a:effectRef>
+          <a:fontRef idx="minor">
+            <a:schemeClr val="lt1"/>
+          </a:fontRef>
+        </p:style>
+        <p:txBody>
+          <a:bodyPr rtlCol="0" anchor="ctr"/>
+          <a:lstStyle/>
+          <a:p>
+            <a:pPr algn="ctr"/>
+            <a:endParaRPr lang="en-FI"/>
+          </a:p>
+        </p:txBody>
+      </p:sp>
+      <p:sp>
+        <p:nvSpPr>
+          <p:cNvPr id="19" name="Rounded Rectangle 18">
+            <a:extLst>
+              <a:ext uri="{FF2B5EF4-FFF2-40B4-BE49-F238E27FC236}">
+                <a16:creationId xmlns:a16="http://schemas.microsoft.com/office/drawing/2014/main" id="{9FB31AC4-8087-EC60-F03E-1868821EA9F5}"/>
+              </a:ext>
+            </a:extLst>
+          </p:cNvPr>
+          <p:cNvSpPr/>
+          <p:nvPr/>
+        </p:nvSpPr>
+        <p:spPr>
+          <a:xfrm rot="16200000">
+            <a:off x="5238194" y="3486658"/>
+            <a:ext cx="667880" cy="653354"/>
+          </a:xfrm>
+          <a:prstGeom prst="roundRect">
+            <a:avLst/>
+          </a:prstGeom>
+          <a:solidFill>
+            <a:srgbClr val="FF0000">
+              <a:alpha val="21176"/>
+            </a:srgbClr>
+          </a:solidFill>
+          <a:ln w="28575">
+            <a:solidFill>
+              <a:srgbClr val="C00000"/>
+            </a:solidFill>
+          </a:ln>
+        </p:spPr>
+        <p:style>
+          <a:lnRef idx="2">
+            <a:schemeClr val="accent1">
+              <a:shade val="50000"/>
+            </a:schemeClr>
+          </a:lnRef>
+          <a:fillRef idx="1">
+            <a:schemeClr val="accent1"/>
+          </a:fillRef>
+          <a:effectRef idx="0">
+            <a:schemeClr val="accent1"/>
+          </a:effectRef>
+          <a:fontRef idx="minor">
+            <a:schemeClr val="lt1"/>
+          </a:fontRef>
+        </p:style>
+        <p:txBody>
+          <a:bodyPr rtlCol="0" anchor="ctr"/>
+          <a:lstStyle/>
+          <a:p>
+            <a:pPr algn="ctr"/>
+            <a:endParaRPr lang="en-FI"/>
+          </a:p>
+        </p:txBody>
+      </p:sp>
+      <p:sp>
+        <p:nvSpPr>
+          <p:cNvPr id="22" name="Rounded Rectangle 21">
+            <a:extLst>
+              <a:ext uri="{FF2B5EF4-FFF2-40B4-BE49-F238E27FC236}">
+                <a16:creationId xmlns:a16="http://schemas.microsoft.com/office/drawing/2014/main" id="{2BBF5017-CC2C-4A96-985E-0F86EE59C0D9}"/>
+              </a:ext>
+            </a:extLst>
+          </p:cNvPr>
+          <p:cNvSpPr/>
+          <p:nvPr/>
+        </p:nvSpPr>
+        <p:spPr>
+          <a:xfrm rot="16200000">
+            <a:off x="3889590" y="4386902"/>
+            <a:ext cx="762001" cy="874290"/>
+          </a:xfrm>
+          <a:prstGeom prst="roundRect">
+            <a:avLst/>
+          </a:prstGeom>
+          <a:solidFill>
+            <a:srgbClr val="FFC000">
+              <a:alpha val="52157"/>
+            </a:srgbClr>
+          </a:solidFill>
+          <a:ln w="28575">
+            <a:solidFill>
+              <a:schemeClr val="accent4">
+                <a:lumMod val="75000"/>
+              </a:schemeClr>
+            </a:solidFill>
+          </a:ln>
+        </p:spPr>
+        <p:style>
+          <a:lnRef idx="2">
+            <a:schemeClr val="accent1">
+              <a:shade val="50000"/>
+            </a:schemeClr>
+          </a:lnRef>
+          <a:fillRef idx="1">
+            <a:schemeClr val="accent1"/>
+          </a:fillRef>
+          <a:effectRef idx="0">
+            <a:schemeClr val="accent1"/>
+          </a:effectRef>
+          <a:fontRef idx="minor">
+            <a:schemeClr val="lt1"/>
+          </a:fontRef>
+        </p:style>
+        <p:txBody>
+          <a:bodyPr rtlCol="0" anchor="ctr"/>
+          <a:lstStyle/>
+          <a:p>
+            <a:pPr algn="ctr"/>
+            <a:endParaRPr lang="en-FI"/>
+          </a:p>
+        </p:txBody>
+      </p:sp>
+      <p:sp>
+        <p:nvSpPr>
+          <p:cNvPr id="23" name="Rounded Rectangle 22">
+            <a:extLst>
+              <a:ext uri="{FF2B5EF4-FFF2-40B4-BE49-F238E27FC236}">
+                <a16:creationId xmlns:a16="http://schemas.microsoft.com/office/drawing/2014/main" id="{5936C436-2F74-EAE4-5E12-3115745AD2E3}"/>
+              </a:ext>
+            </a:extLst>
+          </p:cNvPr>
+          <p:cNvSpPr/>
+          <p:nvPr/>
+        </p:nvSpPr>
+        <p:spPr>
+          <a:xfrm rot="16200000">
+            <a:off x="7416144" y="932811"/>
+            <a:ext cx="614907" cy="1008186"/>
+          </a:xfrm>
+          <a:prstGeom prst="roundRect">
+            <a:avLst/>
+          </a:prstGeom>
+          <a:solidFill>
+            <a:srgbClr val="FFC000">
+              <a:alpha val="52157"/>
+            </a:srgbClr>
+          </a:solidFill>
+          <a:ln w="28575">
+            <a:solidFill>
+              <a:schemeClr val="accent4">
+                <a:lumMod val="75000"/>
+              </a:schemeClr>
+            </a:solidFill>
+          </a:ln>
+        </p:spPr>
+        <p:style>
+          <a:lnRef idx="2">
+            <a:schemeClr val="accent1">
+              <a:shade val="50000"/>
+            </a:schemeClr>
+          </a:lnRef>
+          <a:fillRef idx="1">
+            <a:schemeClr val="accent1"/>
+          </a:fillRef>
+          <a:effectRef idx="0">
+            <a:schemeClr val="accent1"/>
+          </a:effectRef>
+          <a:fontRef idx="minor">
+            <a:schemeClr val="lt1"/>
+          </a:fontRef>
+        </p:style>
+        <p:txBody>
+          <a:bodyPr rtlCol="0" anchor="ctr"/>
+          <a:lstStyle/>
+          <a:p>
+            <a:pPr algn="ctr"/>
+            <a:endParaRPr lang="en-FI"/>
+          </a:p>
+        </p:txBody>
+      </p:sp>
+      <p:sp>
+        <p:nvSpPr>
+          <p:cNvPr id="24" name="Rounded Rectangle 23">
+            <a:extLst>
+              <a:ext uri="{FF2B5EF4-FFF2-40B4-BE49-F238E27FC236}">
+                <a16:creationId xmlns:a16="http://schemas.microsoft.com/office/drawing/2014/main" id="{FDC5D155-C928-066B-04E6-73089024223A}"/>
+              </a:ext>
+            </a:extLst>
+          </p:cNvPr>
+          <p:cNvSpPr/>
+          <p:nvPr/>
+        </p:nvSpPr>
+        <p:spPr>
+          <a:xfrm rot="19416035">
+            <a:off x="4576442" y="4217348"/>
+            <a:ext cx="762001" cy="144462"/>
+          </a:xfrm>
+          <a:prstGeom prst="roundRect">
+            <a:avLst/>
+          </a:prstGeom>
+          <a:solidFill>
+            <a:srgbClr val="FFC000">
+              <a:alpha val="52157"/>
+            </a:srgbClr>
+          </a:solidFill>
+          <a:ln w="28575">
+            <a:solidFill>
+              <a:schemeClr val="accent4">
+                <a:lumMod val="75000"/>
+              </a:schemeClr>
+            </a:solidFill>
+          </a:ln>
+        </p:spPr>
+        <p:style>
+          <a:lnRef idx="2">
+            <a:schemeClr val="accent1">
+              <a:shade val="50000"/>
+            </a:schemeClr>
+          </a:lnRef>
+          <a:fillRef idx="1">
+            <a:schemeClr val="accent1"/>
+          </a:fillRef>
+          <a:effectRef idx="0">
+            <a:schemeClr val="accent1"/>
+          </a:effectRef>
+          <a:fontRef idx="minor">
+            <a:schemeClr val="lt1"/>
+          </a:fontRef>
+        </p:style>
+        <p:txBody>
+          <a:bodyPr rtlCol="0" anchor="ctr"/>
+          <a:lstStyle/>
+          <a:p>
+            <a:pPr algn="ctr"/>
+            <a:endParaRPr lang="en-FI"/>
+          </a:p>
+        </p:txBody>
+      </p:sp>
+      <p:sp>
+        <p:nvSpPr>
+          <p:cNvPr id="26" name="Rounded Rectangle 25">
+            <a:extLst>
+              <a:ext uri="{FF2B5EF4-FFF2-40B4-BE49-F238E27FC236}">
+                <a16:creationId xmlns:a16="http://schemas.microsoft.com/office/drawing/2014/main" id="{B4AD9395-AB82-637D-B8B8-D03A07885E1A}"/>
+              </a:ext>
+            </a:extLst>
+          </p:cNvPr>
+          <p:cNvSpPr/>
+          <p:nvPr/>
+        </p:nvSpPr>
+        <p:spPr>
+          <a:xfrm rot="16200000">
+            <a:off x="6828692" y="4586192"/>
+            <a:ext cx="762001" cy="874290"/>
+          </a:xfrm>
+          <a:prstGeom prst="roundRect">
+            <a:avLst/>
+          </a:prstGeom>
+          <a:solidFill>
+            <a:schemeClr val="accent1">
+              <a:lumMod val="40000"/>
+              <a:lumOff val="60000"/>
+              <a:alpha val="52157"/>
+            </a:schemeClr>
+          </a:solidFill>
+          <a:ln w="28575">
+            <a:solidFill>
+              <a:schemeClr val="accent1">
+                <a:lumMod val="60000"/>
+                <a:lumOff val="40000"/>
+              </a:schemeClr>
+            </a:solidFill>
+          </a:ln>
+        </p:spPr>
+        <p:style>
+          <a:lnRef idx="2">
+            <a:schemeClr val="accent1">
+              <a:shade val="50000"/>
+            </a:schemeClr>
+          </a:lnRef>
+          <a:fillRef idx="1">
+            <a:schemeClr val="accent1"/>
+          </a:fillRef>
+          <a:effectRef idx="0">
+            <a:schemeClr val="accent1"/>
+          </a:effectRef>
+          <a:fontRef idx="minor">
+            <a:schemeClr val="lt1"/>
+          </a:fontRef>
+        </p:style>
+        <p:txBody>
+          <a:bodyPr rtlCol="0" anchor="ctr"/>
+          <a:lstStyle/>
+          <a:p>
+            <a:pPr algn="ctr"/>
+            <a:endParaRPr lang="en-FI"/>
+          </a:p>
+        </p:txBody>
+      </p:sp>
+      <p:sp>
+        <p:nvSpPr>
+          <p:cNvPr id="28" name="Rounded Rectangle 27">
+            <a:extLst>
+              <a:ext uri="{FF2B5EF4-FFF2-40B4-BE49-F238E27FC236}">
+                <a16:creationId xmlns:a16="http://schemas.microsoft.com/office/drawing/2014/main" id="{CC980B66-10BE-0789-49E0-9E9BAF8D968F}"/>
+              </a:ext>
+            </a:extLst>
+          </p:cNvPr>
+          <p:cNvSpPr/>
+          <p:nvPr/>
+        </p:nvSpPr>
+        <p:spPr>
+          <a:xfrm rot="16200000">
+            <a:off x="8598201" y="758941"/>
+            <a:ext cx="614908" cy="1355926"/>
+          </a:xfrm>
+          <a:prstGeom prst="roundRect">
+            <a:avLst/>
+          </a:prstGeom>
+          <a:solidFill>
+            <a:schemeClr val="accent1">
+              <a:lumMod val="40000"/>
+              <a:lumOff val="60000"/>
+              <a:alpha val="52157"/>
+            </a:schemeClr>
+          </a:solidFill>
+          <a:ln w="28575">
+            <a:solidFill>
+              <a:schemeClr val="accent1">
+                <a:lumMod val="60000"/>
+                <a:lumOff val="40000"/>
+              </a:schemeClr>
+            </a:solidFill>
+          </a:ln>
+        </p:spPr>
+        <p:style>
+          <a:lnRef idx="2">
+            <a:schemeClr val="accent1">
+              <a:shade val="50000"/>
+            </a:schemeClr>
+          </a:lnRef>
+          <a:fillRef idx="1">
+            <a:schemeClr val="accent1"/>
+          </a:fillRef>
+          <a:effectRef idx="0">
+            <a:schemeClr val="accent1"/>
+          </a:effectRef>
+          <a:fontRef idx="minor">
+            <a:schemeClr val="lt1"/>
+          </a:fontRef>
+        </p:style>
+        <p:txBody>
+          <a:bodyPr rtlCol="0" anchor="ctr"/>
+          <a:lstStyle/>
+          <a:p>
+            <a:pPr algn="ctr"/>
+            <a:endParaRPr lang="en-FI"/>
+          </a:p>
+        </p:txBody>
+      </p:sp>
+      <p:sp>
+        <p:nvSpPr>
+          <p:cNvPr id="31" name="Rounded Rectangle 30">
+            <a:extLst>
+              <a:ext uri="{FF2B5EF4-FFF2-40B4-BE49-F238E27FC236}">
+                <a16:creationId xmlns:a16="http://schemas.microsoft.com/office/drawing/2014/main" id="{7B3E2E7A-5446-78F9-F917-986C7F231D08}"/>
+              </a:ext>
+            </a:extLst>
+          </p:cNvPr>
+          <p:cNvSpPr/>
+          <p:nvPr/>
+        </p:nvSpPr>
+        <p:spPr>
+          <a:xfrm rot="20836428">
+            <a:off x="6833312" y="3032050"/>
+            <a:ext cx="120671" cy="1483540"/>
+          </a:xfrm>
+          <a:prstGeom prst="roundRect">
+            <a:avLst/>
+          </a:prstGeom>
+          <a:solidFill>
+            <a:schemeClr val="accent1">
+              <a:lumMod val="40000"/>
+              <a:lumOff val="60000"/>
+              <a:alpha val="52157"/>
+            </a:schemeClr>
+          </a:solidFill>
+          <a:ln w="28575">
+            <a:solidFill>
+              <a:schemeClr val="accent1">
+                <a:lumMod val="60000"/>
+                <a:lumOff val="40000"/>
+              </a:schemeClr>
+            </a:solidFill>
+          </a:ln>
+        </p:spPr>
+        <p:style>
+          <a:lnRef idx="2">
+            <a:schemeClr val="accent1">
+              <a:shade val="50000"/>
+            </a:schemeClr>
+          </a:lnRef>
+          <a:fillRef idx="1">
+            <a:schemeClr val="accent1"/>
+          </a:fillRef>
+          <a:effectRef idx="0">
+            <a:schemeClr val="accent1"/>
+          </a:effectRef>
+          <a:fontRef idx="minor">
+            <a:schemeClr val="lt1"/>
+          </a:fontRef>
+        </p:style>
+        <p:txBody>
+          <a:bodyPr rtlCol="0" anchor="ctr"/>
+          <a:lstStyle/>
+          <a:p>
+            <a:pPr algn="ctr"/>
+            <a:endParaRPr lang="en-FI"/>
+          </a:p>
+        </p:txBody>
+      </p:sp>
+      <p:sp>
+        <p:nvSpPr>
+          <p:cNvPr id="32" name="Rounded Rectangle 31">
+            <a:extLst>
+              <a:ext uri="{FF2B5EF4-FFF2-40B4-BE49-F238E27FC236}">
+                <a16:creationId xmlns:a16="http://schemas.microsoft.com/office/drawing/2014/main" id="{1D7EF0FD-6BBB-6BB3-A786-09BC6DE8217F}"/>
+              </a:ext>
+            </a:extLst>
+          </p:cNvPr>
+          <p:cNvSpPr/>
+          <p:nvPr/>
+        </p:nvSpPr>
+        <p:spPr>
+          <a:xfrm rot="18344352">
+            <a:off x="6327698" y="3882570"/>
+            <a:ext cx="101208" cy="1108643"/>
+          </a:xfrm>
+          <a:prstGeom prst="roundRect">
+            <a:avLst/>
+          </a:prstGeom>
+          <a:solidFill>
+            <a:schemeClr val="accent1">
+              <a:lumMod val="40000"/>
+              <a:lumOff val="60000"/>
+              <a:alpha val="52157"/>
+            </a:schemeClr>
+          </a:solidFill>
+          <a:ln w="28575">
+            <a:solidFill>
+              <a:schemeClr val="accent1">
+                <a:lumMod val="60000"/>
+                <a:lumOff val="40000"/>
+              </a:schemeClr>
+            </a:solidFill>
+          </a:ln>
+        </p:spPr>
+        <p:style>
+          <a:lnRef idx="2">
+            <a:schemeClr val="accent1">
+              <a:shade val="50000"/>
+            </a:schemeClr>
+          </a:lnRef>
+          <a:fillRef idx="1">
+            <a:schemeClr val="accent1"/>
+          </a:fillRef>
+          <a:effectRef idx="0">
+            <a:schemeClr val="accent1"/>
+          </a:effectRef>
+          <a:fontRef idx="minor">
+            <a:schemeClr val="lt1"/>
+          </a:fontRef>
+        </p:style>
+        <p:txBody>
+          <a:bodyPr rtlCol="0" anchor="ctr"/>
+          <a:lstStyle/>
+          <a:p>
+            <a:pPr algn="ctr"/>
+            <a:endParaRPr lang="en-FI"/>
+          </a:p>
+        </p:txBody>
+      </p:sp>
+    </p:spTree>
+    <p:extLst>
+      <p:ext uri="{BB962C8B-B14F-4D97-AF65-F5344CB8AC3E}">
+        <p14:creationId xmlns:p14="http://schemas.microsoft.com/office/powerpoint/2010/main" val="2699360856"/>
+      </p:ext>
+    </p:extLst>
+  </p:cSld>
+  <p:clrMapOvr>
+    <a:masterClrMapping/>
+  </p:clrMapOvr>
+</p:sld>
+</file>
+
+<file path=ppt/slides/slide5.xml><?xml version="1.0" encoding="utf-8"?>
+<p:sld xmlns:a="http://schemas.openxmlformats.org/drawingml/2006/main" xmlns:r="http://schemas.openxmlformats.org/officeDocument/2006/relationships" xmlns:p="http://schemas.openxmlformats.org/presentationml/2006/main">
+  <p:cSld>
+    <p:spTree>
+      <p:nvGrpSpPr>
+        <p:cNvPr id="1" name=""/>
+        <p:cNvGrpSpPr/>
+        <p:nvPr/>
+      </p:nvGrpSpPr>
+      <p:grpSpPr>
+        <a:xfrm>
+          <a:off x="0" y="0"/>
+          <a:ext cx="0" cy="0"/>
+          <a:chOff x="0" y="0"/>
+          <a:chExt cx="0" cy="0"/>
+        </a:xfrm>
+      </p:grpSpPr>
+      <p:sp>
+        <p:nvSpPr>
+          <p:cNvPr id="62" name="Rounded Rectangle 61">
+            <a:extLst>
+              <a:ext uri="{FF2B5EF4-FFF2-40B4-BE49-F238E27FC236}">
+                <a16:creationId xmlns:a16="http://schemas.microsoft.com/office/drawing/2014/main" id="{BF3B5EBA-9EEB-4E3F-D941-CBBDE52C44F1}"/>
+              </a:ext>
+            </a:extLst>
+          </p:cNvPr>
+          <p:cNvSpPr/>
+          <p:nvPr/>
+        </p:nvSpPr>
+        <p:spPr>
+          <a:xfrm rot="16200000">
+            <a:off x="1087934" y="492860"/>
+            <a:ext cx="1193179" cy="5872280"/>
+          </a:xfrm>
+          <a:prstGeom prst="roundRect">
+            <a:avLst/>
+          </a:prstGeom>
+          <a:solidFill>
+            <a:srgbClr val="92D050">
+              <a:alpha val="21176"/>
+            </a:srgbClr>
+          </a:solidFill>
+          <a:ln w="28575">
+            <a:solidFill>
+              <a:srgbClr val="00B050"/>
+            </a:solidFill>
+          </a:ln>
+        </p:spPr>
+        <p:style>
+          <a:lnRef idx="2">
+            <a:schemeClr val="accent1">
+              <a:shade val="50000"/>
+            </a:schemeClr>
+          </a:lnRef>
+          <a:fillRef idx="1">
+            <a:schemeClr val="accent1"/>
+          </a:fillRef>
+          <a:effectRef idx="0">
+            <a:schemeClr val="accent1"/>
+          </a:effectRef>
+          <a:fontRef idx="minor">
+            <a:schemeClr val="lt1"/>
+          </a:fontRef>
+        </p:style>
+        <p:txBody>
+          <a:bodyPr rtlCol="0" anchor="ctr"/>
+          <a:lstStyle/>
+          <a:p>
+            <a:pPr algn="ctr"/>
+            <a:endParaRPr lang="en-FI" dirty="0"/>
+          </a:p>
+        </p:txBody>
+      </p:sp>
+      <p:sp>
+        <p:nvSpPr>
+          <p:cNvPr id="58" name="Rounded Rectangle 57">
+            <a:extLst>
+              <a:ext uri="{FF2B5EF4-FFF2-40B4-BE49-F238E27FC236}">
+                <a16:creationId xmlns:a16="http://schemas.microsoft.com/office/drawing/2014/main" id="{29D4018A-4A57-BF64-791F-3C0E65479148}"/>
+              </a:ext>
+            </a:extLst>
+          </p:cNvPr>
+          <p:cNvSpPr/>
+          <p:nvPr/>
+        </p:nvSpPr>
+        <p:spPr>
+          <a:xfrm rot="16200000">
+            <a:off x="1015389" y="-3386223"/>
+            <a:ext cx="1338271" cy="5872280"/>
+          </a:xfrm>
+          <a:prstGeom prst="roundRect">
+            <a:avLst/>
+          </a:prstGeom>
+          <a:solidFill>
+            <a:srgbClr val="92D050">
+              <a:alpha val="21176"/>
+            </a:srgbClr>
+          </a:solidFill>
+          <a:ln w="28575">
+            <a:solidFill>
+              <a:srgbClr val="00B050"/>
+            </a:solidFill>
+          </a:ln>
+        </p:spPr>
+        <p:style>
+          <a:lnRef idx="2">
+            <a:schemeClr val="accent1">
+              <a:shade val="50000"/>
+            </a:schemeClr>
+          </a:lnRef>
+          <a:fillRef idx="1">
+            <a:schemeClr val="accent1"/>
+          </a:fillRef>
+          <a:effectRef idx="0">
+            <a:schemeClr val="accent1"/>
+          </a:effectRef>
+          <a:fontRef idx="minor">
+            <a:schemeClr val="lt1"/>
+          </a:fontRef>
+        </p:style>
+        <p:txBody>
+          <a:bodyPr rtlCol="0" anchor="ctr"/>
+          <a:lstStyle/>
+          <a:p>
+            <a:pPr algn="ctr"/>
+            <a:endParaRPr lang="en-FI" dirty="0"/>
+          </a:p>
+        </p:txBody>
+      </p:sp>
+      <p:sp>
+        <p:nvSpPr>
+          <p:cNvPr id="59" name="Rounded Rectangle 58">
+            <a:extLst>
+              <a:ext uri="{FF2B5EF4-FFF2-40B4-BE49-F238E27FC236}">
+                <a16:creationId xmlns:a16="http://schemas.microsoft.com/office/drawing/2014/main" id="{F607135C-3A5A-A265-1EC3-9E396903FCE2}"/>
+              </a:ext>
+            </a:extLst>
+          </p:cNvPr>
+          <p:cNvSpPr/>
+          <p:nvPr/>
+        </p:nvSpPr>
+        <p:spPr>
+          <a:xfrm rot="16200000">
+            <a:off x="1087934" y="-929974"/>
+            <a:ext cx="1193179" cy="5872280"/>
+          </a:xfrm>
+          <a:prstGeom prst="roundRect">
+            <a:avLst/>
+          </a:prstGeom>
+          <a:solidFill>
+            <a:srgbClr val="92D050">
+              <a:alpha val="21176"/>
+            </a:srgbClr>
+          </a:solidFill>
+          <a:ln w="28575">
+            <a:solidFill>
+              <a:srgbClr val="00B050"/>
+            </a:solidFill>
+          </a:ln>
+        </p:spPr>
+        <p:style>
+          <a:lnRef idx="2">
+            <a:schemeClr val="accent1">
+              <a:shade val="50000"/>
+            </a:schemeClr>
+          </a:lnRef>
+          <a:fillRef idx="1">
+            <a:schemeClr val="accent1"/>
+          </a:fillRef>
+          <a:effectRef idx="0">
+            <a:schemeClr val="accent1"/>
+          </a:effectRef>
+          <a:fontRef idx="minor">
+            <a:schemeClr val="lt1"/>
+          </a:fontRef>
+        </p:style>
+        <p:txBody>
+          <a:bodyPr rtlCol="0" anchor="ctr"/>
+          <a:lstStyle/>
+          <a:p>
+            <a:pPr algn="ctr"/>
+            <a:endParaRPr lang="en-FI" dirty="0"/>
+          </a:p>
+        </p:txBody>
+      </p:sp>
+      <p:pic>
+        <p:nvPicPr>
+          <p:cNvPr id="2" name="Picture 1">
+            <a:extLst>
+              <a:ext uri="{FF2B5EF4-FFF2-40B4-BE49-F238E27FC236}">
+                <a16:creationId xmlns:a16="http://schemas.microsoft.com/office/drawing/2014/main" id="{197C6905-4773-BFC8-9323-CEBA60AF740B}"/>
+              </a:ext>
+            </a:extLst>
+          </p:cNvPr>
+          <p:cNvPicPr>
+            <a:picLocks noChangeAspect="1"/>
+          </p:cNvPicPr>
+          <p:nvPr/>
+        </p:nvPicPr>
+        <p:blipFill rotWithShape="1">
+          <a:blip r:embed="rId2">
+            <a:grayscl/>
+            <a:extLst>
+              <a:ext uri="{BEBA8EAE-BF5A-486C-A8C5-ECC9F3942E4B}">
+                <a14:imgProps xmlns:a14="http://schemas.microsoft.com/office/drawing/2010/main">
+                  <a14:imgLayer r:embed="rId3">
+                    <a14:imgEffect>
+                      <a14:brightnessContrast bright="20000" contrast="40000"/>
+                    </a14:imgEffect>
+                  </a14:imgLayer>
+                </a14:imgProps>
+              </a:ext>
+            </a:extLst>
+          </a:blip>
+          <a:srcRect r="5443"/>
+          <a:stretch/>
+        </p:blipFill>
+        <p:spPr>
+          <a:xfrm>
+            <a:off x="1978755" y="-3598009"/>
+            <a:ext cx="2641909" cy="1943100"/>
+          </a:xfrm>
+          <a:prstGeom prst="rect">
+            <a:avLst/>
+          </a:prstGeom>
+        </p:spPr>
+      </p:pic>
+      <mc:AlternateContent xmlns:mc="http://schemas.openxmlformats.org/markup-compatibility/2006">
+        <mc:Choice xmlns:a14="http://schemas.microsoft.com/office/drawing/2010/main" Requires="a14">
+          <p:sp>
+            <p:nvSpPr>
+              <p:cNvPr id="7" name="TextBox 6">
+                <a:extLst>
+                  <a:ext uri="{FF2B5EF4-FFF2-40B4-BE49-F238E27FC236}">
+                    <a16:creationId xmlns:a16="http://schemas.microsoft.com/office/drawing/2014/main" id="{F3ABD804-F5F5-E611-7B14-B05BC54B306E}"/>
+                  </a:ext>
+                </a:extLst>
+              </p:cNvPr>
+              <p:cNvSpPr txBox="1"/>
+              <p:nvPr/>
+            </p:nvSpPr>
+            <p:spPr>
+              <a:xfrm>
+                <a:off x="797026" y="-5888829"/>
+                <a:ext cx="3826367" cy="1025345"/>
+              </a:xfrm>
+              <a:prstGeom prst="rect">
+                <a:avLst/>
+              </a:prstGeom>
+              <a:noFill/>
+            </p:spPr>
+            <p:txBody>
+              <a:bodyPr wrap="none" lIns="0" tIns="0" rIns="0" bIns="0" rtlCol="0">
+                <a:spAutoFit/>
+              </a:bodyPr>
+              <a:lstStyle/>
+              <a:p>
+                <a14:m>
+                  <m:oMathPara xmlns:m="http://schemas.openxmlformats.org/officeDocument/2006/math">
+                    <m:oMathParaPr>
+                      <m:jc m:val="centerGroup"/>
+                    </m:oMathParaPr>
+                    <m:oMath xmlns:m="http://schemas.openxmlformats.org/officeDocument/2006/math">
+                      <m:r>
+                        <a:rPr lang="en-US" sz="3200" b="0" i="1" smtClean="0">
+                          <a:latin typeface="Cambria Math" panose="02040503050406030204" pitchFamily="18" charset="0"/>
+                        </a:rPr>
+                        <m:t>𝑃</m:t>
+                      </m:r>
+                      <m:d>
+                        <m:dPr>
+                          <m:ctrlPr>
+                            <a:rPr lang="en-US" sz="3200" b="0" i="1" smtClean="0">
+                              <a:latin typeface="Cambria Math" panose="02040503050406030204" pitchFamily="18" charset="0"/>
+                            </a:rPr>
+                          </m:ctrlPr>
+                        </m:dPr>
+                        <m:e>
+                          <m:r>
+                            <a:rPr lang="en-US" sz="3200" b="0" i="1" smtClean="0">
+                              <a:latin typeface="Cambria Math" panose="02040503050406030204" pitchFamily="18" charset="0"/>
+                            </a:rPr>
+                            <m:t>𝑎</m:t>
+                          </m:r>
+                          <m:r>
+                            <a:rPr lang="en-US" sz="3200" b="0" i="1" smtClean="0">
+                              <a:latin typeface="Cambria Math" panose="02040503050406030204" pitchFamily="18" charset="0"/>
+                            </a:rPr>
+                            <m:t>,</m:t>
+                          </m:r>
+                          <m:r>
+                            <a:rPr lang="en-US" sz="3200" b="0" i="1" smtClean="0">
+                              <a:latin typeface="Cambria Math" panose="02040503050406030204" pitchFamily="18" charset="0"/>
+                            </a:rPr>
+                            <m:t>𝑏</m:t>
+                          </m:r>
+                        </m:e>
+                        <m:e>
+                          <m:r>
+                            <a:rPr lang="en-US" sz="3200" b="0" i="1" smtClean="0">
+                              <a:latin typeface="Cambria Math" panose="02040503050406030204" pitchFamily="18" charset="0"/>
+                            </a:rPr>
+                            <m:t>𝑐</m:t>
+                          </m:r>
+                        </m:e>
+                      </m:d>
+                      <m:r>
+                        <a:rPr lang="en-US" sz="3200" b="0" i="1" smtClean="0">
+                          <a:latin typeface="Cambria Math" panose="02040503050406030204" pitchFamily="18" charset="0"/>
+                        </a:rPr>
+                        <m:t>=</m:t>
+                      </m:r>
+                      <m:f>
+                        <m:fPr>
+                          <m:ctrlPr>
+                            <a:rPr lang="en-US" sz="3200" b="0" i="1" smtClean="0">
+                              <a:latin typeface="Cambria Math" panose="02040503050406030204" pitchFamily="18" charset="0"/>
+                            </a:rPr>
+                          </m:ctrlPr>
+                        </m:fPr>
+                        <m:num>
+                          <m:r>
+                            <a:rPr lang="en-US" sz="3200" b="1" i="1" smtClean="0">
+                              <a:solidFill>
+                                <a:srgbClr val="C00000"/>
+                              </a:solidFill>
+                              <a:latin typeface="Cambria Math" panose="02040503050406030204" pitchFamily="18" charset="0"/>
+                            </a:rPr>
+                            <m:t>𝑷</m:t>
+                          </m:r>
+                          <m:r>
+                            <a:rPr lang="en-US" sz="3200" b="1" i="1" smtClean="0">
+                              <a:solidFill>
+                                <a:srgbClr val="C00000"/>
+                              </a:solidFill>
+                              <a:latin typeface="Cambria Math" panose="02040503050406030204" pitchFamily="18" charset="0"/>
+                            </a:rPr>
+                            <m:t>(</m:t>
+                          </m:r>
+                          <m:r>
+                            <a:rPr lang="en-US" sz="3200" b="1" i="1" smtClean="0">
+                              <a:solidFill>
+                                <a:srgbClr val="C00000"/>
+                              </a:solidFill>
+                              <a:latin typeface="Cambria Math" panose="02040503050406030204" pitchFamily="18" charset="0"/>
+                            </a:rPr>
+                            <m:t>𝒂</m:t>
+                          </m:r>
+                          <m:r>
+                            <a:rPr lang="en-US" sz="3200" b="1" i="1" smtClean="0">
+                              <a:solidFill>
+                                <a:srgbClr val="C00000"/>
+                              </a:solidFill>
+                              <a:latin typeface="Cambria Math" panose="02040503050406030204" pitchFamily="18" charset="0"/>
+                            </a:rPr>
+                            <m:t>,</m:t>
+                          </m:r>
+                          <m:r>
+                            <a:rPr lang="en-US" sz="3200" b="1" i="1" smtClean="0">
+                              <a:solidFill>
+                                <a:srgbClr val="C00000"/>
+                              </a:solidFill>
+                              <a:latin typeface="Cambria Math" panose="02040503050406030204" pitchFamily="18" charset="0"/>
+                            </a:rPr>
+                            <m:t>𝒃</m:t>
+                          </m:r>
+                          <m:r>
+                            <a:rPr lang="en-US" sz="3200" b="1" i="1" smtClean="0">
+                              <a:solidFill>
+                                <a:srgbClr val="C00000"/>
+                              </a:solidFill>
+                              <a:latin typeface="Cambria Math" panose="02040503050406030204" pitchFamily="18" charset="0"/>
+                            </a:rPr>
+                            <m:t>,</m:t>
+                          </m:r>
+                          <m:r>
+                            <a:rPr lang="en-US" sz="3200" b="1" i="1" smtClean="0">
+                              <a:solidFill>
+                                <a:srgbClr val="C00000"/>
+                              </a:solidFill>
+                              <a:latin typeface="Cambria Math" panose="02040503050406030204" pitchFamily="18" charset="0"/>
+                            </a:rPr>
+                            <m:t>𝒄</m:t>
+                          </m:r>
+                          <m:r>
+                            <a:rPr lang="en-US" sz="3200" b="1" i="1" smtClean="0">
+                              <a:solidFill>
+                                <a:srgbClr val="C00000"/>
+                              </a:solidFill>
+                              <a:latin typeface="Cambria Math" panose="02040503050406030204" pitchFamily="18" charset="0"/>
+                            </a:rPr>
+                            <m:t>)</m:t>
+                          </m:r>
+                        </m:num>
+                        <m:den>
+                          <m:r>
+                            <a:rPr lang="en-US" sz="3200" b="0" i="1" smtClean="0">
+                              <a:latin typeface="Cambria Math" panose="02040503050406030204" pitchFamily="18" charset="0"/>
+                            </a:rPr>
+                            <m:t>𝑝</m:t>
+                          </m:r>
+                          <m:r>
+                            <a:rPr lang="en-US" sz="3200" b="0" i="1" smtClean="0">
+                              <a:latin typeface="Cambria Math" panose="02040503050406030204" pitchFamily="18" charset="0"/>
+                            </a:rPr>
+                            <m:t>(</m:t>
+                          </m:r>
+                          <m:r>
+                            <a:rPr lang="en-US" sz="3200" b="0" i="1" smtClean="0">
+                              <a:latin typeface="Cambria Math" panose="02040503050406030204" pitchFamily="18" charset="0"/>
+                            </a:rPr>
+                            <m:t>𝑐</m:t>
+                          </m:r>
+                          <m:r>
+                            <a:rPr lang="en-US" sz="3200" b="0" i="1" smtClean="0">
+                              <a:latin typeface="Cambria Math" panose="02040503050406030204" pitchFamily="18" charset="0"/>
+                            </a:rPr>
+                            <m:t>)</m:t>
+                          </m:r>
+                        </m:den>
+                      </m:f>
+                    </m:oMath>
+                  </m:oMathPara>
+                </a14:m>
+                <a:endParaRPr lang="en-FI" sz="3200" dirty="0"/>
+              </a:p>
+            </p:txBody>
+          </p:sp>
+        </mc:Choice>
+        <mc:Fallback>
+          <p:sp>
+            <p:nvSpPr>
+              <p:cNvPr id="7" name="TextBox 6">
+                <a:extLst>
+                  <a:ext uri="{FF2B5EF4-FFF2-40B4-BE49-F238E27FC236}">
+                    <a16:creationId xmlns:a16="http://schemas.microsoft.com/office/drawing/2014/main" id="{F3ABD804-F5F5-E611-7B14-B05BC54B306E}"/>
+                  </a:ext>
+                </a:extLst>
+              </p:cNvPr>
+              <p:cNvSpPr txBox="1">
+                <a:spLocks noRot="1" noChangeAspect="1" noMove="1" noResize="1" noEditPoints="1" noAdjustHandles="1" noChangeArrowheads="1" noChangeShapeType="1" noTextEdit="1"/>
+              </p:cNvSpPr>
+              <p:nvPr/>
+            </p:nvSpPr>
+            <p:spPr>
+              <a:xfrm>
+                <a:off x="797026" y="-5888829"/>
+                <a:ext cx="3826367" cy="1025345"/>
+              </a:xfrm>
+              <a:prstGeom prst="rect">
+                <a:avLst/>
+              </a:prstGeom>
+              <a:blipFill>
+                <a:blip r:embed="rId4"/>
+                <a:stretch>
+                  <a:fillRect l="-1656" t="-3704" r="-3311" b="-17284"/>
+                </a:stretch>
+              </a:blipFill>
+            </p:spPr>
+            <p:txBody>
+              <a:bodyPr/>
+              <a:lstStyle/>
+              <a:p>
+                <a:r>
+                  <a:rPr lang="en-FI">
+                    <a:noFill/>
+                  </a:rPr>
+                  <a:t> </a:t>
+                </a:r>
+              </a:p>
+            </p:txBody>
+          </p:sp>
+        </mc:Fallback>
+      </mc:AlternateContent>
+      <mc:AlternateContent xmlns:mc="http://schemas.openxmlformats.org/markup-compatibility/2006">
+        <mc:Choice xmlns:a14="http://schemas.microsoft.com/office/drawing/2010/main" Requires="a14">
+          <p:sp>
+            <p:nvSpPr>
+              <p:cNvPr id="9" name="TextBox 8">
+                <a:extLst>
+                  <a:ext uri="{FF2B5EF4-FFF2-40B4-BE49-F238E27FC236}">
+                    <a16:creationId xmlns:a16="http://schemas.microsoft.com/office/drawing/2014/main" id="{AB5F2243-207A-94DF-42F6-F556E133B6A5}"/>
+                  </a:ext>
+                </a:extLst>
+              </p:cNvPr>
+              <p:cNvSpPr txBox="1"/>
+              <p:nvPr/>
+            </p:nvSpPr>
+            <p:spPr>
+              <a:xfrm>
+                <a:off x="-4399732" y="-4411354"/>
+                <a:ext cx="1530675" cy="492443"/>
+              </a:xfrm>
+              <a:prstGeom prst="rect">
+                <a:avLst/>
+              </a:prstGeom>
+              <a:noFill/>
+            </p:spPr>
+            <p:txBody>
+              <a:bodyPr wrap="none" lIns="0" tIns="0" rIns="0" bIns="0" rtlCol="0">
+                <a:spAutoFit/>
+              </a:bodyPr>
+              <a:lstStyle/>
+              <a:p>
+                <a14:m>
+                  <m:oMathPara xmlns:m="http://schemas.openxmlformats.org/officeDocument/2006/math">
+                    <m:oMathParaPr>
+                      <m:jc m:val="centerGroup"/>
+                    </m:oMathParaPr>
+                    <m:oMath xmlns:m="http://schemas.openxmlformats.org/officeDocument/2006/math">
+                      <m:r>
+                        <a:rPr lang="en-US" sz="3200" i="1" smtClean="0">
+                          <a:latin typeface="Cambria Math" panose="02040503050406030204" pitchFamily="18" charset="0"/>
+                        </a:rPr>
+                        <m:t>𝐴</m:t>
+                      </m:r>
+                      <m:r>
+                        <a:rPr lang="en-US" sz="3200" i="1" smtClean="0">
+                          <a:latin typeface="Cambria Math" panose="02040503050406030204" pitchFamily="18" charset="0"/>
+                        </a:rPr>
+                        <m:t>⫫</m:t>
+                      </m:r>
+                      <m:r>
+                        <a:rPr lang="en-US" sz="3200" b="0" i="1" smtClean="0">
+                          <a:latin typeface="Cambria Math" panose="02040503050406030204" pitchFamily="18" charset="0"/>
+                        </a:rPr>
+                        <m:t>𝐵</m:t>
+                      </m:r>
+                      <m:r>
+                        <a:rPr lang="en-US" sz="3200" b="0" i="1" smtClean="0">
+                          <a:latin typeface="Cambria Math" panose="02040503050406030204" pitchFamily="18" charset="0"/>
+                        </a:rPr>
+                        <m:t>|</m:t>
+                      </m:r>
+                      <m:r>
+                        <a:rPr lang="en-US" sz="3200" b="0" i="1" smtClean="0">
+                          <a:latin typeface="Cambria Math" panose="02040503050406030204" pitchFamily="18" charset="0"/>
+                        </a:rPr>
+                        <m:t>𝐶</m:t>
+                      </m:r>
+                    </m:oMath>
+                  </m:oMathPara>
+                </a14:m>
+                <a:endParaRPr lang="en-FI" sz="3200" dirty="0"/>
+              </a:p>
+            </p:txBody>
+          </p:sp>
+        </mc:Choice>
+        <mc:Fallback>
+          <p:sp>
+            <p:nvSpPr>
+              <p:cNvPr id="9" name="TextBox 8">
+                <a:extLst>
+                  <a:ext uri="{FF2B5EF4-FFF2-40B4-BE49-F238E27FC236}">
+                    <a16:creationId xmlns:a16="http://schemas.microsoft.com/office/drawing/2014/main" id="{AB5F2243-207A-94DF-42F6-F556E133B6A5}"/>
+                  </a:ext>
+                </a:extLst>
+              </p:cNvPr>
+              <p:cNvSpPr txBox="1">
+                <a:spLocks noRot="1" noChangeAspect="1" noMove="1" noResize="1" noEditPoints="1" noAdjustHandles="1" noChangeArrowheads="1" noChangeShapeType="1" noTextEdit="1"/>
+              </p:cNvSpPr>
+              <p:nvPr/>
+            </p:nvSpPr>
+            <p:spPr>
+              <a:xfrm>
+                <a:off x="-4399732" y="-4411354"/>
+                <a:ext cx="1530675" cy="492443"/>
+              </a:xfrm>
+              <a:prstGeom prst="rect">
+                <a:avLst/>
+              </a:prstGeom>
+              <a:blipFill>
+                <a:blip r:embed="rId5"/>
+                <a:stretch>
+                  <a:fillRect l="-5785" r="-4959" b="-32500"/>
+                </a:stretch>
+              </a:blipFill>
+            </p:spPr>
+            <p:txBody>
+              <a:bodyPr/>
+              <a:lstStyle/>
+              <a:p>
+                <a:r>
+                  <a:rPr lang="en-FI">
+                    <a:noFill/>
+                  </a:rPr>
+                  <a:t> </a:t>
+                </a:r>
+              </a:p>
+            </p:txBody>
+          </p:sp>
+        </mc:Fallback>
+      </mc:AlternateContent>
+      <p:sp>
+        <p:nvSpPr>
+          <p:cNvPr id="14" name="Rounded Rectangle 13">
+            <a:extLst>
+              <a:ext uri="{FF2B5EF4-FFF2-40B4-BE49-F238E27FC236}">
+                <a16:creationId xmlns:a16="http://schemas.microsoft.com/office/drawing/2014/main" id="{C9B15CFB-5031-2914-3DB2-0CAAAFDB3699}"/>
+              </a:ext>
+            </a:extLst>
+          </p:cNvPr>
+          <p:cNvSpPr/>
+          <p:nvPr/>
+        </p:nvSpPr>
+        <p:spPr>
+          <a:xfrm rot="16200000">
+            <a:off x="2297665" y="-3872513"/>
+            <a:ext cx="2048495" cy="2597502"/>
+          </a:xfrm>
+          <a:prstGeom prst="roundRect">
+            <a:avLst/>
+          </a:prstGeom>
+          <a:solidFill>
+            <a:srgbClr val="92D050">
+              <a:alpha val="21176"/>
+            </a:srgbClr>
+          </a:solidFill>
+          <a:ln w="28575">
+            <a:solidFill>
+              <a:srgbClr val="00B050"/>
+            </a:solidFill>
+          </a:ln>
+        </p:spPr>
+        <p:style>
+          <a:lnRef idx="2">
+            <a:schemeClr val="accent1">
+              <a:shade val="50000"/>
+            </a:schemeClr>
+          </a:lnRef>
+          <a:fillRef idx="1">
+            <a:schemeClr val="accent1"/>
+          </a:fillRef>
+          <a:effectRef idx="0">
+            <a:schemeClr val="accent1"/>
+          </a:effectRef>
+          <a:fontRef idx="minor">
+            <a:schemeClr val="lt1"/>
+          </a:fontRef>
+        </p:style>
+        <p:txBody>
+          <a:bodyPr rtlCol="0" anchor="ctr"/>
+          <a:lstStyle/>
+          <a:p>
+            <a:pPr algn="ctr"/>
+            <a:endParaRPr lang="en-FI" dirty="0"/>
+          </a:p>
+        </p:txBody>
+      </p:sp>
+      <mc:AlternateContent xmlns:mc="http://schemas.openxmlformats.org/markup-compatibility/2006">
+        <mc:Choice xmlns:a14="http://schemas.microsoft.com/office/drawing/2010/main" Requires="a14">
+          <p:sp>
+            <p:nvSpPr>
+              <p:cNvPr id="17" name="TextBox 16">
+                <a:extLst>
+                  <a:ext uri="{FF2B5EF4-FFF2-40B4-BE49-F238E27FC236}">
+                    <a16:creationId xmlns:a16="http://schemas.microsoft.com/office/drawing/2014/main" id="{D5C5449B-E522-4793-BC39-26F9F5AAA36C}"/>
+                  </a:ext>
+                </a:extLst>
+              </p:cNvPr>
+              <p:cNvSpPr txBox="1"/>
+              <p:nvPr/>
+            </p:nvSpPr>
+            <p:spPr>
+              <a:xfrm>
+                <a:off x="-4562212" y="-3844942"/>
+                <a:ext cx="1693155" cy="369332"/>
+              </a:xfrm>
+              <a:prstGeom prst="rect">
+                <a:avLst/>
+              </a:prstGeom>
+              <a:noFill/>
+            </p:spPr>
+            <p:txBody>
+              <a:bodyPr wrap="square">
+                <a:spAutoFit/>
+              </a:bodyPr>
+              <a:lstStyle/>
+              <a:p>
+                <a:pPr/>
+                <a14:m>
+                  <m:oMathPara xmlns:m="http://schemas.openxmlformats.org/officeDocument/2006/math">
+                    <m:oMathParaPr>
+                      <m:jc m:val="centerGroup"/>
+                    </m:oMathParaPr>
+                    <m:oMath xmlns:m="http://schemas.openxmlformats.org/officeDocument/2006/math">
+                      <m:r>
+                        <m:rPr>
+                          <m:sty m:val="p"/>
+                        </m:rPr>
+                        <a:rPr lang="en-US" sz="1800" b="0" i="0" smtClean="0">
+                          <a:solidFill>
+                            <a:schemeClr val="accent6">
+                              <a:lumMod val="75000"/>
+                            </a:schemeClr>
+                          </a:solidFill>
+                          <a:latin typeface="Cambria Math" panose="02040503050406030204" pitchFamily="18" charset="0"/>
+                        </a:rPr>
+                        <m:t>Ture</m:t>
+                      </m:r>
+                      <m:r>
+                        <a:rPr lang="en-US" sz="1800" b="0" i="0" smtClean="0">
+                          <a:latin typeface="Cambria Math" panose="02040503050406030204" pitchFamily="18" charset="0"/>
+                        </a:rPr>
+                        <m:t> </m:t>
+                      </m:r>
+                      <m:r>
+                        <m:rPr>
+                          <m:sty m:val="p"/>
+                        </m:rPr>
+                        <a:rPr lang="en-US" sz="1800" b="0" i="0" smtClean="0">
+                          <a:latin typeface="Cambria Math" panose="02040503050406030204" pitchFamily="18" charset="0"/>
+                        </a:rPr>
+                        <m:t>or</m:t>
+                      </m:r>
+                      <m:r>
+                        <a:rPr lang="en-US" sz="1800" b="0" i="0" smtClean="0">
+                          <a:latin typeface="Cambria Math" panose="02040503050406030204" pitchFamily="18" charset="0"/>
+                        </a:rPr>
+                        <m:t> </m:t>
+                      </m:r>
+                      <m:r>
+                        <m:rPr>
+                          <m:sty m:val="p"/>
+                        </m:rPr>
+                        <a:rPr lang="en-US" sz="1800" b="0" i="0" smtClean="0">
+                          <a:solidFill>
+                            <a:srgbClr val="C00000"/>
+                          </a:solidFill>
+                          <a:latin typeface="Cambria Math" panose="02040503050406030204" pitchFamily="18" charset="0"/>
+                        </a:rPr>
+                        <m:t>False</m:t>
+                      </m:r>
+                    </m:oMath>
+                  </m:oMathPara>
+                </a14:m>
+                <a:endParaRPr lang="en-FI" dirty="0"/>
+              </a:p>
+            </p:txBody>
+          </p:sp>
+        </mc:Choice>
+        <mc:Fallback>
+          <p:sp>
+            <p:nvSpPr>
+              <p:cNvPr id="17" name="TextBox 16">
+                <a:extLst>
+                  <a:ext uri="{FF2B5EF4-FFF2-40B4-BE49-F238E27FC236}">
+                    <a16:creationId xmlns:a16="http://schemas.microsoft.com/office/drawing/2014/main" id="{D5C5449B-E522-4793-BC39-26F9F5AAA36C}"/>
+                  </a:ext>
+                </a:extLst>
+              </p:cNvPr>
+              <p:cNvSpPr txBox="1">
+                <a:spLocks noRot="1" noChangeAspect="1" noMove="1" noResize="1" noEditPoints="1" noAdjustHandles="1" noChangeArrowheads="1" noChangeShapeType="1" noTextEdit="1"/>
+              </p:cNvSpPr>
+              <p:nvPr/>
+            </p:nvSpPr>
+            <p:spPr>
+              <a:xfrm>
+                <a:off x="-4562212" y="-3844942"/>
+                <a:ext cx="1693155" cy="369332"/>
+              </a:xfrm>
+              <a:prstGeom prst="rect">
+                <a:avLst/>
+              </a:prstGeom>
+              <a:blipFill>
+                <a:blip r:embed="rId6"/>
+                <a:stretch>
+                  <a:fillRect b="-16667"/>
+                </a:stretch>
+              </a:blipFill>
+            </p:spPr>
+            <p:txBody>
+              <a:bodyPr/>
+              <a:lstStyle/>
+              <a:p>
+                <a:r>
+                  <a:rPr lang="en-FI">
+                    <a:noFill/>
+                  </a:rPr>
+                  <a:t> </a:t>
+                </a:r>
+              </a:p>
+            </p:txBody>
+          </p:sp>
+        </mc:Fallback>
+      </mc:AlternateContent>
+      <p:sp>
+        <p:nvSpPr>
+          <p:cNvPr id="18" name="Rounded Rectangle 17">
+            <a:extLst>
+              <a:ext uri="{FF2B5EF4-FFF2-40B4-BE49-F238E27FC236}">
+                <a16:creationId xmlns:a16="http://schemas.microsoft.com/office/drawing/2014/main" id="{DD5649FE-3ACD-4FBD-F9DC-BF16F4CBD395}"/>
+              </a:ext>
+            </a:extLst>
+          </p:cNvPr>
+          <p:cNvSpPr/>
+          <p:nvPr/>
+        </p:nvSpPr>
+        <p:spPr>
+          <a:xfrm rot="16200000">
+            <a:off x="-3899565" y="-4930470"/>
+            <a:ext cx="492445" cy="1530676"/>
+          </a:xfrm>
+          <a:prstGeom prst="roundRect">
+            <a:avLst/>
+          </a:prstGeom>
+          <a:solidFill>
+            <a:srgbClr val="92D050">
+              <a:alpha val="21176"/>
+            </a:srgbClr>
+          </a:solidFill>
+          <a:ln w="28575">
+            <a:solidFill>
+              <a:srgbClr val="00B050"/>
+            </a:solidFill>
+          </a:ln>
+        </p:spPr>
+        <p:style>
+          <a:lnRef idx="2">
+            <a:schemeClr val="accent1">
+              <a:shade val="50000"/>
+            </a:schemeClr>
+          </a:lnRef>
+          <a:fillRef idx="1">
+            <a:schemeClr val="accent1"/>
+          </a:fillRef>
+          <a:effectRef idx="0">
+            <a:schemeClr val="accent1"/>
+          </a:effectRef>
+          <a:fontRef idx="minor">
+            <a:schemeClr val="lt1"/>
+          </a:fontRef>
+        </p:style>
+        <p:txBody>
+          <a:bodyPr rtlCol="0" anchor="ctr"/>
+          <a:lstStyle/>
+          <a:p>
+            <a:pPr algn="ctr"/>
+            <a:endParaRPr lang="en-FI" dirty="0"/>
+          </a:p>
+        </p:txBody>
+      </p:sp>
+      <mc:AlternateContent xmlns:mc="http://schemas.openxmlformats.org/markup-compatibility/2006">
+        <mc:Choice xmlns:a14="http://schemas.microsoft.com/office/drawing/2010/main" Requires="a14">
+          <p:sp>
+            <p:nvSpPr>
+              <p:cNvPr id="20" name="TextBox 19">
+                <a:extLst>
+                  <a:ext uri="{FF2B5EF4-FFF2-40B4-BE49-F238E27FC236}">
+                    <a16:creationId xmlns:a16="http://schemas.microsoft.com/office/drawing/2014/main" id="{586C6EEC-DE14-CB17-6DD6-99D53E24B481}"/>
+                  </a:ext>
+                </a:extLst>
+              </p:cNvPr>
+              <p:cNvSpPr txBox="1"/>
+              <p:nvPr/>
+            </p:nvSpPr>
+            <p:spPr>
+              <a:xfrm>
+                <a:off x="-2872834" y="-5819214"/>
+                <a:ext cx="1693155" cy="766235"/>
+              </a:xfrm>
+              <a:prstGeom prst="rect">
+                <a:avLst/>
+              </a:prstGeom>
+              <a:noFill/>
+            </p:spPr>
+            <p:txBody>
+              <a:bodyPr wrap="square">
+                <a:spAutoFit/>
+              </a:bodyPr>
+              <a:lstStyle/>
+              <a:p>
+                <a:pPr/>
+                <a14:m>
+                  <m:oMathPara xmlns:m="http://schemas.openxmlformats.org/officeDocument/2006/math">
+                    <m:oMathParaPr>
+                      <m:jc m:val="centerGroup"/>
+                    </m:oMathParaPr>
+                    <m:oMath xmlns:m="http://schemas.openxmlformats.org/officeDocument/2006/math">
+                      <m:groupChr>
+                        <m:groupChrPr>
+                          <m:chr m:val="→"/>
+                          <m:vertJc m:val="bot"/>
+                          <m:ctrlPr>
+                            <a:rPr lang="en-US" sz="3200" b="1" i="1" smtClean="0">
+                              <a:solidFill>
+                                <a:schemeClr val="accent1"/>
+                              </a:solidFill>
+                              <a:latin typeface="Cambria Math" panose="02040503050406030204" pitchFamily="18" charset="0"/>
+                            </a:rPr>
+                          </m:ctrlPr>
+                        </m:groupChrPr>
+                        <m:e>
+                          <m:r>
+                            <m:rPr>
+                              <m:brk m:alnAt="2"/>
+                            </m:rPr>
+                            <a:rPr lang="en-US" sz="3200" b="1" i="1" smtClean="0">
+                              <a:solidFill>
+                                <a:schemeClr val="accent1"/>
+                              </a:solidFill>
+                              <a:latin typeface="Cambria Math" panose="02040503050406030204" pitchFamily="18" charset="0"/>
+                            </a:rPr>
+                            <m:t>𝑺𝒕𝒆𝒑</m:t>
+                          </m:r>
+                          <m:r>
+                            <a:rPr lang="en-US" sz="3200" b="1" i="1" smtClean="0">
+                              <a:solidFill>
+                                <a:schemeClr val="accent1"/>
+                              </a:solidFill>
+                              <a:latin typeface="Cambria Math" panose="02040503050406030204" pitchFamily="18" charset="0"/>
+                            </a:rPr>
+                            <m:t> </m:t>
+                          </m:r>
+                          <m:r>
+                            <a:rPr lang="en-US" sz="3200" b="1" i="1" smtClean="0">
+                              <a:solidFill>
+                                <a:schemeClr val="accent1"/>
+                              </a:solidFill>
+                              <a:latin typeface="Cambria Math" panose="02040503050406030204" pitchFamily="18" charset="0"/>
+                            </a:rPr>
+                            <m:t>𝟏</m:t>
+                          </m:r>
+                        </m:e>
+                      </m:groupChr>
+                    </m:oMath>
+                  </m:oMathPara>
+                </a14:m>
+                <a:endParaRPr lang="en-FI" sz="3200" b="1" dirty="0">
+                  <a:solidFill>
+                    <a:schemeClr val="accent1"/>
+                  </a:solidFill>
+                </a:endParaRPr>
+              </a:p>
+            </p:txBody>
+          </p:sp>
+        </mc:Choice>
+        <mc:Fallback>
+          <p:sp>
+            <p:nvSpPr>
+              <p:cNvPr id="20" name="TextBox 19">
+                <a:extLst>
+                  <a:ext uri="{FF2B5EF4-FFF2-40B4-BE49-F238E27FC236}">
+                    <a16:creationId xmlns:a16="http://schemas.microsoft.com/office/drawing/2014/main" id="{586C6EEC-DE14-CB17-6DD6-99D53E24B481}"/>
+                  </a:ext>
+                </a:extLst>
+              </p:cNvPr>
+              <p:cNvSpPr txBox="1">
+                <a:spLocks noRot="1" noChangeAspect="1" noMove="1" noResize="1" noEditPoints="1" noAdjustHandles="1" noChangeArrowheads="1" noChangeShapeType="1" noTextEdit="1"/>
+              </p:cNvSpPr>
+              <p:nvPr/>
+            </p:nvSpPr>
+            <p:spPr>
+              <a:xfrm>
+                <a:off x="-2872834" y="-5819214"/>
+                <a:ext cx="1693155" cy="766235"/>
+              </a:xfrm>
+              <a:prstGeom prst="rect">
+                <a:avLst/>
+              </a:prstGeom>
+              <a:blipFill>
+                <a:blip r:embed="rId7"/>
+                <a:stretch>
+                  <a:fillRect t="-1613"/>
+                </a:stretch>
+              </a:blipFill>
+            </p:spPr>
+            <p:txBody>
+              <a:bodyPr/>
+              <a:lstStyle/>
+              <a:p>
+                <a:r>
+                  <a:rPr lang="en-FI">
+                    <a:noFill/>
+                  </a:rPr>
+                  <a:t> </a:t>
+                </a:r>
+              </a:p>
+            </p:txBody>
+          </p:sp>
+        </mc:Fallback>
+      </mc:AlternateContent>
+      <mc:AlternateContent xmlns:mc="http://schemas.openxmlformats.org/markup-compatibility/2006">
+        <mc:Choice xmlns:a14="http://schemas.microsoft.com/office/drawing/2010/main" Requires="a14">
+          <p:sp>
+            <p:nvSpPr>
+              <p:cNvPr id="21" name="TextBox 20">
+                <a:extLst>
+                  <a:ext uri="{FF2B5EF4-FFF2-40B4-BE49-F238E27FC236}">
+                    <a16:creationId xmlns:a16="http://schemas.microsoft.com/office/drawing/2014/main" id="{19B761CD-4C25-69B8-2F16-1A095C71316C}"/>
+                  </a:ext>
+                </a:extLst>
+              </p:cNvPr>
+              <p:cNvSpPr txBox="1"/>
+              <p:nvPr/>
+            </p:nvSpPr>
+            <p:spPr>
+              <a:xfrm>
+                <a:off x="-1341299" y="-5622491"/>
+                <a:ext cx="1530675" cy="492443"/>
+              </a:xfrm>
+              <a:prstGeom prst="rect">
+                <a:avLst/>
+              </a:prstGeom>
+              <a:noFill/>
+            </p:spPr>
+            <p:txBody>
+              <a:bodyPr wrap="none" lIns="0" tIns="0" rIns="0" bIns="0" rtlCol="0">
+                <a:spAutoFit/>
+              </a:bodyPr>
+              <a:lstStyle/>
+              <a:p>
+                <a14:m>
+                  <m:oMathPara xmlns:m="http://schemas.openxmlformats.org/officeDocument/2006/math">
+                    <m:oMathParaPr>
+                      <m:jc m:val="centerGroup"/>
+                    </m:oMathParaPr>
+                    <m:oMath xmlns:m="http://schemas.openxmlformats.org/officeDocument/2006/math">
+                      <m:r>
+                        <a:rPr lang="en-US" sz="3200" i="1" smtClean="0">
+                          <a:latin typeface="Cambria Math" panose="02040503050406030204" pitchFamily="18" charset="0"/>
+                        </a:rPr>
+                        <m:t>𝐴</m:t>
+                      </m:r>
+                      <m:r>
+                        <a:rPr lang="en-US" sz="3200" i="1" smtClean="0">
+                          <a:latin typeface="Cambria Math" panose="02040503050406030204" pitchFamily="18" charset="0"/>
+                        </a:rPr>
+                        <m:t>⫫</m:t>
+                      </m:r>
+                      <m:r>
+                        <a:rPr lang="en-US" sz="3200" b="0" i="1" smtClean="0">
+                          <a:latin typeface="Cambria Math" panose="02040503050406030204" pitchFamily="18" charset="0"/>
+                        </a:rPr>
+                        <m:t>𝐵</m:t>
+                      </m:r>
+                      <m:r>
+                        <a:rPr lang="en-US" sz="3200" b="0" i="1" smtClean="0">
+                          <a:latin typeface="Cambria Math" panose="02040503050406030204" pitchFamily="18" charset="0"/>
+                        </a:rPr>
+                        <m:t>|</m:t>
+                      </m:r>
+                      <m:r>
+                        <a:rPr lang="en-US" sz="3200" b="0" i="1" smtClean="0">
+                          <a:latin typeface="Cambria Math" panose="02040503050406030204" pitchFamily="18" charset="0"/>
+                        </a:rPr>
+                        <m:t>𝐶</m:t>
+                      </m:r>
+                    </m:oMath>
+                  </m:oMathPara>
+                </a14:m>
+                <a:endParaRPr lang="en-FI" sz="3200" dirty="0"/>
+              </a:p>
+            </p:txBody>
+          </p:sp>
+        </mc:Choice>
+        <mc:Fallback>
+          <p:sp>
+            <p:nvSpPr>
+              <p:cNvPr id="21" name="TextBox 20">
+                <a:extLst>
+                  <a:ext uri="{FF2B5EF4-FFF2-40B4-BE49-F238E27FC236}">
+                    <a16:creationId xmlns:a16="http://schemas.microsoft.com/office/drawing/2014/main" id="{19B761CD-4C25-69B8-2F16-1A095C71316C}"/>
+                  </a:ext>
+                </a:extLst>
+              </p:cNvPr>
+              <p:cNvSpPr txBox="1">
+                <a:spLocks noRot="1" noChangeAspect="1" noMove="1" noResize="1" noEditPoints="1" noAdjustHandles="1" noChangeArrowheads="1" noChangeShapeType="1" noTextEdit="1"/>
+              </p:cNvSpPr>
+              <p:nvPr/>
+            </p:nvSpPr>
+            <p:spPr>
+              <a:xfrm>
+                <a:off x="-1341299" y="-5622491"/>
+                <a:ext cx="1530675" cy="492443"/>
+              </a:xfrm>
+              <a:prstGeom prst="rect">
+                <a:avLst/>
+              </a:prstGeom>
+              <a:blipFill>
+                <a:blip r:embed="rId8"/>
+                <a:stretch>
+                  <a:fillRect l="-5785" r="-4959" b="-33333"/>
+                </a:stretch>
+              </a:blipFill>
+            </p:spPr>
+            <p:txBody>
+              <a:bodyPr/>
+              <a:lstStyle/>
+              <a:p>
+                <a:r>
+                  <a:rPr lang="en-FI">
+                    <a:noFill/>
+                  </a:rPr>
+                  <a:t> </a:t>
+                </a:r>
+              </a:p>
+            </p:txBody>
+          </p:sp>
+        </mc:Fallback>
+      </mc:AlternateContent>
+      <p:sp>
+        <p:nvSpPr>
+          <p:cNvPr id="25" name="Rounded Rectangle 24">
+            <a:extLst>
+              <a:ext uri="{FF2B5EF4-FFF2-40B4-BE49-F238E27FC236}">
+                <a16:creationId xmlns:a16="http://schemas.microsoft.com/office/drawing/2014/main" id="{E574627C-61BB-3F0E-C339-B54106E62DBC}"/>
+              </a:ext>
+            </a:extLst>
+          </p:cNvPr>
+          <p:cNvSpPr/>
+          <p:nvPr/>
+        </p:nvSpPr>
+        <p:spPr>
+          <a:xfrm rot="16200000">
+            <a:off x="-841132" y="-6141607"/>
+            <a:ext cx="492445" cy="1530676"/>
+          </a:xfrm>
+          <a:prstGeom prst="roundRect">
+            <a:avLst/>
+          </a:prstGeom>
+          <a:solidFill>
+            <a:srgbClr val="92D050">
+              <a:alpha val="21176"/>
+            </a:srgbClr>
+          </a:solidFill>
+          <a:ln w="28575">
+            <a:solidFill>
+              <a:srgbClr val="00B050"/>
+            </a:solidFill>
+          </a:ln>
+        </p:spPr>
+        <p:style>
+          <a:lnRef idx="2">
+            <a:schemeClr val="accent1">
+              <a:shade val="50000"/>
+            </a:schemeClr>
+          </a:lnRef>
+          <a:fillRef idx="1">
+            <a:schemeClr val="accent1"/>
+          </a:fillRef>
+          <a:effectRef idx="0">
+            <a:schemeClr val="accent1"/>
+          </a:effectRef>
+          <a:fontRef idx="minor">
+            <a:schemeClr val="lt1"/>
+          </a:fontRef>
+        </p:style>
+        <p:txBody>
+          <a:bodyPr rtlCol="0" anchor="ctr"/>
+          <a:lstStyle/>
+          <a:p>
+            <a:pPr algn="ctr"/>
+            <a:endParaRPr lang="en-FI" dirty="0"/>
+          </a:p>
+        </p:txBody>
+      </p:sp>
+      <mc:AlternateContent xmlns:mc="http://schemas.openxmlformats.org/markup-compatibility/2006">
+        <mc:Choice xmlns:a14="http://schemas.microsoft.com/office/drawing/2010/main" Requires="a14">
+          <p:sp>
+            <p:nvSpPr>
+              <p:cNvPr id="27" name="TextBox 26">
+                <a:extLst>
+                  <a:ext uri="{FF2B5EF4-FFF2-40B4-BE49-F238E27FC236}">
+                    <a16:creationId xmlns:a16="http://schemas.microsoft.com/office/drawing/2014/main" id="{64C07E62-B720-DFD8-080A-FC4FABBF0675}"/>
+                  </a:ext>
+                </a:extLst>
+              </p:cNvPr>
+              <p:cNvSpPr txBox="1"/>
+              <p:nvPr/>
+            </p:nvSpPr>
+            <p:spPr>
+              <a:xfrm>
+                <a:off x="-2275451" y="-5114549"/>
+                <a:ext cx="2441159" cy="646331"/>
+              </a:xfrm>
+              <a:prstGeom prst="rect">
+                <a:avLst/>
+              </a:prstGeom>
+              <a:noFill/>
+            </p:spPr>
+            <p:txBody>
+              <a:bodyPr wrap="square">
+                <a:spAutoFit/>
+              </a:bodyPr>
+              <a:lstStyle/>
+              <a:p>
+                <a:pPr/>
+                <a14:m>
+                  <m:oMathPara xmlns:m="http://schemas.openxmlformats.org/officeDocument/2006/math">
+                    <m:oMathParaPr>
+                      <m:jc m:val="centerGroup"/>
+                    </m:oMathParaPr>
+                    <m:oMath xmlns:m="http://schemas.openxmlformats.org/officeDocument/2006/math">
+                      <m:r>
+                        <m:rPr>
+                          <m:sty m:val="p"/>
+                        </m:rPr>
+                        <a:rPr lang="en-US" sz="1800" b="0" i="0" smtClean="0">
+                          <a:solidFill>
+                            <a:schemeClr val="accent1"/>
+                          </a:solidFill>
+                          <a:latin typeface="Cambria Math" panose="02040503050406030204" pitchFamily="18" charset="0"/>
+                        </a:rPr>
+                        <m:t>Rewrite</m:t>
+                      </m:r>
+                      <m:r>
+                        <a:rPr lang="en-US" sz="1800" b="0" i="0" smtClean="0">
+                          <a:solidFill>
+                            <a:schemeClr val="accent1"/>
+                          </a:solidFill>
+                          <a:latin typeface="Cambria Math" panose="02040503050406030204" pitchFamily="18" charset="0"/>
+                        </a:rPr>
+                        <m:t> </m:t>
+                      </m:r>
+                      <m:r>
+                        <m:rPr>
+                          <m:sty m:val="p"/>
+                        </m:rPr>
+                        <a:rPr lang="en-US" sz="1800" b="0" i="0" smtClean="0">
+                          <a:solidFill>
+                            <a:schemeClr val="accent1"/>
+                          </a:solidFill>
+                          <a:latin typeface="Cambria Math" panose="02040503050406030204" pitchFamily="18" charset="0"/>
+                        </a:rPr>
+                        <m:t>this</m:t>
+                      </m:r>
+                      <m:r>
+                        <a:rPr lang="en-US" sz="1800" b="0" i="0" smtClean="0">
+                          <a:solidFill>
+                            <a:schemeClr val="accent1"/>
+                          </a:solidFill>
+                          <a:latin typeface="Cambria Math" panose="02040503050406030204" pitchFamily="18" charset="0"/>
+                        </a:rPr>
+                        <m:t> </m:t>
+                      </m:r>
+                      <m:r>
+                        <m:rPr>
+                          <m:sty m:val="p"/>
+                        </m:rPr>
+                        <a:rPr lang="en-US" sz="1800" b="0" i="0" smtClean="0">
+                          <a:solidFill>
+                            <a:schemeClr val="accent1"/>
+                          </a:solidFill>
+                          <a:latin typeface="Cambria Math" panose="02040503050406030204" pitchFamily="18" charset="0"/>
+                        </a:rPr>
+                        <m:t>based</m:t>
+                      </m:r>
+                      <m:r>
+                        <a:rPr lang="en-US" sz="1800" b="0" i="0" smtClean="0">
+                          <a:solidFill>
+                            <a:schemeClr val="accent1"/>
+                          </a:solidFill>
+                          <a:latin typeface="Cambria Math" panose="02040503050406030204" pitchFamily="18" charset="0"/>
+                        </a:rPr>
+                        <m:t> </m:t>
+                      </m:r>
+                      <m:r>
+                        <m:rPr>
+                          <m:sty m:val="p"/>
+                        </m:rPr>
+                        <a:rPr lang="en-US" sz="1800" b="0" i="0" smtClean="0">
+                          <a:solidFill>
+                            <a:schemeClr val="accent1"/>
+                          </a:solidFill>
+                          <a:latin typeface="Cambria Math" panose="02040503050406030204" pitchFamily="18" charset="0"/>
+                        </a:rPr>
+                        <m:t>on</m:t>
+                      </m:r>
+                    </m:oMath>
+                  </m:oMathPara>
+                </a14:m>
+                <a:endParaRPr lang="en-US" sz="1800" b="0" i="0" dirty="0">
+                  <a:solidFill>
+                    <a:schemeClr val="accent1"/>
+                  </a:solidFill>
+                  <a:latin typeface="Cambria Math" panose="02040503050406030204" pitchFamily="18" charset="0"/>
+                </a:endParaRPr>
+              </a:p>
+              <a:p>
+                <a:pPr/>
+                <a14:m>
+                  <m:oMathPara xmlns:m="http://schemas.openxmlformats.org/officeDocument/2006/math">
+                    <m:oMathParaPr>
+                      <m:jc m:val="centerGroup"/>
+                    </m:oMathParaPr>
+                    <m:oMath xmlns:m="http://schemas.openxmlformats.org/officeDocument/2006/math">
+                      <m:r>
+                        <m:rPr>
+                          <m:sty m:val="p"/>
+                        </m:rPr>
+                        <a:rPr lang="en-US" sz="1800" b="0" i="0" smtClean="0">
+                          <a:solidFill>
+                            <a:schemeClr val="accent1"/>
+                          </a:solidFill>
+                          <a:latin typeface="Cambria Math" panose="02040503050406030204" pitchFamily="18" charset="0"/>
+                        </a:rPr>
+                        <m:t>the</m:t>
+                      </m:r>
+                      <m:r>
+                        <a:rPr lang="en-US" sz="1800" b="0" i="0" smtClean="0">
+                          <a:solidFill>
+                            <a:schemeClr val="accent1"/>
+                          </a:solidFill>
+                          <a:latin typeface="Cambria Math" panose="02040503050406030204" pitchFamily="18" charset="0"/>
+                        </a:rPr>
+                        <m:t> </m:t>
+                      </m:r>
+                      <m:r>
+                        <a:rPr lang="en-US" sz="1800" b="1" i="0" smtClean="0">
+                          <a:solidFill>
+                            <a:schemeClr val="accent1"/>
+                          </a:solidFill>
+                          <a:latin typeface="Cambria Math" panose="02040503050406030204" pitchFamily="18" charset="0"/>
+                        </a:rPr>
+                        <m:t>𝐁𝐚𝐲𝐞𝐬𝐢𝐚𝐧</m:t>
+                      </m:r>
+                      <m:r>
+                        <a:rPr lang="en-US" sz="1800" b="1" i="0" smtClean="0">
+                          <a:solidFill>
+                            <a:schemeClr val="accent1"/>
+                          </a:solidFill>
+                          <a:latin typeface="Cambria Math" panose="02040503050406030204" pitchFamily="18" charset="0"/>
+                        </a:rPr>
+                        <m:t> </m:t>
+                      </m:r>
+                      <m:r>
+                        <a:rPr lang="en-US" sz="1800" b="1" i="0" smtClean="0">
+                          <a:solidFill>
+                            <a:schemeClr val="accent1"/>
+                          </a:solidFill>
+                          <a:latin typeface="Cambria Math" panose="02040503050406030204" pitchFamily="18" charset="0"/>
+                        </a:rPr>
+                        <m:t>𝐅𝐨𝐫𝐦𝐮𝐥𝐚</m:t>
+                      </m:r>
+                    </m:oMath>
+                  </m:oMathPara>
+                </a14:m>
+                <a:endParaRPr lang="en-FI" b="1" dirty="0">
+                  <a:solidFill>
+                    <a:schemeClr val="accent1"/>
+                  </a:solidFill>
+                </a:endParaRPr>
+              </a:p>
+            </p:txBody>
+          </p:sp>
+        </mc:Choice>
+        <mc:Fallback>
+          <p:sp>
+            <p:nvSpPr>
+              <p:cNvPr id="27" name="TextBox 26">
+                <a:extLst>
+                  <a:ext uri="{FF2B5EF4-FFF2-40B4-BE49-F238E27FC236}">
+                    <a16:creationId xmlns:a16="http://schemas.microsoft.com/office/drawing/2014/main" id="{64C07E62-B720-DFD8-080A-FC4FABBF0675}"/>
+                  </a:ext>
+                </a:extLst>
+              </p:cNvPr>
+              <p:cNvSpPr txBox="1">
+                <a:spLocks noRot="1" noChangeAspect="1" noMove="1" noResize="1" noEditPoints="1" noAdjustHandles="1" noChangeArrowheads="1" noChangeShapeType="1" noTextEdit="1"/>
+              </p:cNvSpPr>
+              <p:nvPr/>
+            </p:nvSpPr>
+            <p:spPr>
+              <a:xfrm>
+                <a:off x="-2275451" y="-5114549"/>
+                <a:ext cx="2441159" cy="646331"/>
+              </a:xfrm>
+              <a:prstGeom prst="rect">
+                <a:avLst/>
+              </a:prstGeom>
+              <a:blipFill>
+                <a:blip r:embed="rId9"/>
+                <a:stretch>
+                  <a:fillRect r="-2073" b="-7692"/>
+                </a:stretch>
+              </a:blipFill>
+            </p:spPr>
+            <p:txBody>
+              <a:bodyPr/>
+              <a:lstStyle/>
+              <a:p>
+                <a:r>
+                  <a:rPr lang="en-FI">
+                    <a:noFill/>
+                  </a:rPr>
+                  <a:t> </a:t>
+                </a:r>
+              </a:p>
+            </p:txBody>
+          </p:sp>
+        </mc:Fallback>
+      </mc:AlternateContent>
+      <p:sp>
+        <p:nvSpPr>
+          <p:cNvPr id="30" name="TextBox 29">
+            <a:extLst>
+              <a:ext uri="{FF2B5EF4-FFF2-40B4-BE49-F238E27FC236}">
+                <a16:creationId xmlns:a16="http://schemas.microsoft.com/office/drawing/2014/main" id="{205DF2AB-F974-4B42-0677-D0D37F950ECA}"/>
+              </a:ext>
+            </a:extLst>
+          </p:cNvPr>
+          <p:cNvSpPr txBox="1"/>
+          <p:nvPr/>
+        </p:nvSpPr>
+        <p:spPr>
+          <a:xfrm>
+            <a:off x="-2208139" y="-4511403"/>
+            <a:ext cx="2701340" cy="646331"/>
+          </a:xfrm>
+          <a:prstGeom prst="rect">
+            <a:avLst/>
+          </a:prstGeom>
+          <a:noFill/>
+        </p:spPr>
+        <p:txBody>
+          <a:bodyPr wrap="square">
+            <a:spAutoFit/>
+          </a:bodyPr>
+          <a:lstStyle/>
+          <a:p>
+            <a:r>
+              <a:rPr lang="en-FI" dirty="0">
+                <a:solidFill>
+                  <a:srgbClr val="FF9300"/>
+                </a:solidFill>
+              </a:rPr>
+              <a:t>(No need to look at graph at this step)</a:t>
+            </a:r>
+          </a:p>
+        </p:txBody>
+      </p:sp>
+      <mc:AlternateContent xmlns:mc="http://schemas.openxmlformats.org/markup-compatibility/2006">
+        <mc:Choice xmlns:a14="http://schemas.microsoft.com/office/drawing/2010/main" Requires="a14">
+          <p:sp>
+            <p:nvSpPr>
+              <p:cNvPr id="34" name="TextBox 33">
+                <a:extLst>
+                  <a:ext uri="{FF2B5EF4-FFF2-40B4-BE49-F238E27FC236}">
+                    <a16:creationId xmlns:a16="http://schemas.microsoft.com/office/drawing/2014/main" id="{A3324885-BAD7-4C4A-959F-CFA6A4CC3BBC}"/>
+                  </a:ext>
+                </a:extLst>
+              </p:cNvPr>
+              <p:cNvSpPr txBox="1"/>
+              <p:nvPr/>
+            </p:nvSpPr>
+            <p:spPr>
+              <a:xfrm>
+                <a:off x="242365" y="-5662487"/>
+                <a:ext cx="501672" cy="584775"/>
+              </a:xfrm>
+              <a:prstGeom prst="rect">
+                <a:avLst/>
+              </a:prstGeom>
+              <a:noFill/>
+            </p:spPr>
+            <p:txBody>
+              <a:bodyPr wrap="square">
+                <a:spAutoFit/>
+              </a:bodyPr>
+              <a:lstStyle/>
+              <a:p>
+                <a:pPr/>
+                <a14:m>
+                  <m:oMathPara xmlns:m="http://schemas.openxmlformats.org/officeDocument/2006/math">
+                    <m:oMathParaPr>
+                      <m:jc m:val="centerGroup"/>
+                    </m:oMathParaPr>
+                    <m:oMath xmlns:m="http://schemas.openxmlformats.org/officeDocument/2006/math">
+                      <m:r>
+                        <a:rPr lang="en-US" sz="3200" b="0" i="1" smtClean="0">
+                          <a:latin typeface="Cambria Math" panose="02040503050406030204" pitchFamily="18" charset="0"/>
+                          <a:ea typeface="Cambria Math" panose="02040503050406030204" pitchFamily="18" charset="0"/>
+                        </a:rPr>
+                        <m:t>≡</m:t>
+                      </m:r>
+                    </m:oMath>
+                  </m:oMathPara>
+                </a14:m>
+                <a:endParaRPr lang="en-FI" sz="3200" dirty="0"/>
+              </a:p>
+            </p:txBody>
+          </p:sp>
+        </mc:Choice>
+        <mc:Fallback>
+          <p:sp>
+            <p:nvSpPr>
+              <p:cNvPr id="34" name="TextBox 33">
+                <a:extLst>
+                  <a:ext uri="{FF2B5EF4-FFF2-40B4-BE49-F238E27FC236}">
+                    <a16:creationId xmlns:a16="http://schemas.microsoft.com/office/drawing/2014/main" id="{A3324885-BAD7-4C4A-959F-CFA6A4CC3BBC}"/>
+                  </a:ext>
+                </a:extLst>
+              </p:cNvPr>
+              <p:cNvSpPr txBox="1">
+                <a:spLocks noRot="1" noChangeAspect="1" noMove="1" noResize="1" noEditPoints="1" noAdjustHandles="1" noChangeArrowheads="1" noChangeShapeType="1" noTextEdit="1"/>
+              </p:cNvSpPr>
+              <p:nvPr/>
+            </p:nvSpPr>
+            <p:spPr>
+              <a:xfrm>
+                <a:off x="242365" y="-5662487"/>
+                <a:ext cx="501672" cy="584775"/>
+              </a:xfrm>
+              <a:prstGeom prst="rect">
+                <a:avLst/>
+              </a:prstGeom>
+              <a:blipFill>
+                <a:blip r:embed="rId10"/>
+                <a:stretch>
+                  <a:fillRect l="-2500" r="-2500"/>
+                </a:stretch>
+              </a:blipFill>
+            </p:spPr>
+            <p:txBody>
+              <a:bodyPr/>
+              <a:lstStyle/>
+              <a:p>
+                <a:r>
+                  <a:rPr lang="en-FI">
+                    <a:noFill/>
+                  </a:rPr>
+                  <a:t> </a:t>
+                </a:r>
+              </a:p>
+            </p:txBody>
+          </p:sp>
+        </mc:Fallback>
+      </mc:AlternateContent>
+      <p:sp>
+        <p:nvSpPr>
+          <p:cNvPr id="35" name="Rounded Rectangle 34">
+            <a:extLst>
+              <a:ext uri="{FF2B5EF4-FFF2-40B4-BE49-F238E27FC236}">
+                <a16:creationId xmlns:a16="http://schemas.microsoft.com/office/drawing/2014/main" id="{ABE477CD-F95E-9C51-DA5E-8C4BA8768663}"/>
+              </a:ext>
+            </a:extLst>
+          </p:cNvPr>
+          <p:cNvSpPr/>
+          <p:nvPr/>
+        </p:nvSpPr>
+        <p:spPr>
+          <a:xfrm rot="16200000">
+            <a:off x="2039710" y="-7207757"/>
+            <a:ext cx="1338270" cy="3823638"/>
+          </a:xfrm>
+          <a:prstGeom prst="roundRect">
+            <a:avLst/>
+          </a:prstGeom>
+          <a:solidFill>
+            <a:srgbClr val="92D050">
+              <a:alpha val="21176"/>
+            </a:srgbClr>
+          </a:solidFill>
+          <a:ln w="28575">
+            <a:solidFill>
+              <a:srgbClr val="00B050"/>
+            </a:solidFill>
+          </a:ln>
+        </p:spPr>
+        <p:style>
+          <a:lnRef idx="2">
+            <a:schemeClr val="accent1">
+              <a:shade val="50000"/>
+            </a:schemeClr>
+          </a:lnRef>
+          <a:fillRef idx="1">
+            <a:schemeClr val="accent1"/>
+          </a:fillRef>
+          <a:effectRef idx="0">
+            <a:schemeClr val="accent1"/>
+          </a:effectRef>
+          <a:fontRef idx="minor">
+            <a:schemeClr val="lt1"/>
+          </a:fontRef>
+        </p:style>
+        <p:txBody>
+          <a:bodyPr rtlCol="0" anchor="ctr"/>
+          <a:lstStyle/>
+          <a:p>
+            <a:pPr algn="ctr"/>
+            <a:endParaRPr lang="en-FI" dirty="0"/>
+          </a:p>
+        </p:txBody>
+      </p:sp>
+      <mc:AlternateContent xmlns:mc="http://schemas.openxmlformats.org/markup-compatibility/2006">
+        <mc:Choice xmlns:a14="http://schemas.microsoft.com/office/drawing/2010/main" Requires="a14">
+          <p:sp>
+            <p:nvSpPr>
+              <p:cNvPr id="36" name="TextBox 35">
+                <a:extLst>
+                  <a:ext uri="{FF2B5EF4-FFF2-40B4-BE49-F238E27FC236}">
+                    <a16:creationId xmlns:a16="http://schemas.microsoft.com/office/drawing/2014/main" id="{4CF49EF4-C9FC-528E-598C-04F85AA3701A}"/>
+                  </a:ext>
+                </a:extLst>
+              </p:cNvPr>
+              <p:cNvSpPr txBox="1"/>
+              <p:nvPr/>
+            </p:nvSpPr>
+            <p:spPr>
+              <a:xfrm>
+                <a:off x="-2872834" y="-3372448"/>
+                <a:ext cx="1693155" cy="766235"/>
+              </a:xfrm>
+              <a:prstGeom prst="rect">
+                <a:avLst/>
+              </a:prstGeom>
+              <a:noFill/>
+            </p:spPr>
+            <p:txBody>
+              <a:bodyPr wrap="square">
+                <a:spAutoFit/>
+              </a:bodyPr>
+              <a:lstStyle/>
+              <a:p>
+                <a:pPr/>
+                <a14:m>
+                  <m:oMathPara xmlns:m="http://schemas.openxmlformats.org/officeDocument/2006/math">
+                    <m:oMathParaPr>
+                      <m:jc m:val="centerGroup"/>
+                    </m:oMathParaPr>
+                    <m:oMath xmlns:m="http://schemas.openxmlformats.org/officeDocument/2006/math">
+                      <m:groupChr>
+                        <m:groupChrPr>
+                          <m:chr m:val="→"/>
+                          <m:vertJc m:val="bot"/>
+                          <m:ctrlPr>
+                            <a:rPr lang="en-US" sz="3200" b="1" i="1" smtClean="0">
+                              <a:solidFill>
+                                <a:schemeClr val="accent1"/>
+                              </a:solidFill>
+                              <a:latin typeface="Cambria Math" panose="02040503050406030204" pitchFamily="18" charset="0"/>
+                            </a:rPr>
+                          </m:ctrlPr>
+                        </m:groupChrPr>
+                        <m:e>
+                          <m:r>
+                            <m:rPr>
+                              <m:brk m:alnAt="2"/>
+                            </m:rPr>
+                            <a:rPr lang="en-US" sz="3200" b="1" i="1" smtClean="0">
+                              <a:solidFill>
+                                <a:schemeClr val="accent1"/>
+                              </a:solidFill>
+                              <a:latin typeface="Cambria Math" panose="02040503050406030204" pitchFamily="18" charset="0"/>
+                            </a:rPr>
+                            <m:t>𝑺𝒕𝒆𝒑</m:t>
+                          </m:r>
+                          <m:r>
+                            <a:rPr lang="en-US" sz="3200" b="1" i="1" smtClean="0">
+                              <a:solidFill>
+                                <a:schemeClr val="accent1"/>
+                              </a:solidFill>
+                              <a:latin typeface="Cambria Math" panose="02040503050406030204" pitchFamily="18" charset="0"/>
+                            </a:rPr>
+                            <m:t> </m:t>
+                          </m:r>
+                          <m:r>
+                            <a:rPr lang="en-US" sz="3200" b="1" i="1" smtClean="0">
+                              <a:solidFill>
+                                <a:schemeClr val="accent1"/>
+                              </a:solidFill>
+                              <a:latin typeface="Cambria Math" panose="02040503050406030204" pitchFamily="18" charset="0"/>
+                            </a:rPr>
+                            <m:t>𝟐</m:t>
+                          </m:r>
+                        </m:e>
+                      </m:groupChr>
+                    </m:oMath>
+                  </m:oMathPara>
+                </a14:m>
+                <a:endParaRPr lang="en-FI" sz="3200" b="1" dirty="0">
+                  <a:solidFill>
+                    <a:schemeClr val="accent1"/>
+                  </a:solidFill>
+                </a:endParaRPr>
+              </a:p>
+            </p:txBody>
+          </p:sp>
+        </mc:Choice>
+        <mc:Fallback>
+          <p:sp>
+            <p:nvSpPr>
+              <p:cNvPr id="36" name="TextBox 35">
+                <a:extLst>
+                  <a:ext uri="{FF2B5EF4-FFF2-40B4-BE49-F238E27FC236}">
+                    <a16:creationId xmlns:a16="http://schemas.microsoft.com/office/drawing/2014/main" id="{4CF49EF4-C9FC-528E-598C-04F85AA3701A}"/>
+                  </a:ext>
+                </a:extLst>
+              </p:cNvPr>
+              <p:cNvSpPr txBox="1">
+                <a:spLocks noRot="1" noChangeAspect="1" noMove="1" noResize="1" noEditPoints="1" noAdjustHandles="1" noChangeArrowheads="1" noChangeShapeType="1" noTextEdit="1"/>
+              </p:cNvSpPr>
+              <p:nvPr/>
+            </p:nvSpPr>
+            <p:spPr>
+              <a:xfrm>
+                <a:off x="-2872834" y="-3372448"/>
+                <a:ext cx="1693155" cy="766235"/>
+              </a:xfrm>
+              <a:prstGeom prst="rect">
+                <a:avLst/>
+              </a:prstGeom>
+              <a:blipFill>
+                <a:blip r:embed="rId11"/>
+                <a:stretch>
+                  <a:fillRect t="-1639"/>
+                </a:stretch>
+              </a:blipFill>
+            </p:spPr>
+            <p:txBody>
+              <a:bodyPr/>
+              <a:lstStyle/>
+              <a:p>
+                <a:r>
+                  <a:rPr lang="en-FI">
+                    <a:noFill/>
+                  </a:rPr>
+                  <a:t> </a:t>
+                </a:r>
+              </a:p>
+            </p:txBody>
+          </p:sp>
+        </mc:Fallback>
+      </mc:AlternateContent>
+      <mc:AlternateContent xmlns:mc="http://schemas.openxmlformats.org/markup-compatibility/2006">
+        <mc:Choice xmlns:a14="http://schemas.microsoft.com/office/drawing/2010/main" Requires="a14">
+          <p:sp>
+            <p:nvSpPr>
+              <p:cNvPr id="37" name="TextBox 36">
+                <a:extLst>
+                  <a:ext uri="{FF2B5EF4-FFF2-40B4-BE49-F238E27FC236}">
+                    <a16:creationId xmlns:a16="http://schemas.microsoft.com/office/drawing/2014/main" id="{895210D8-896A-024A-4FC2-1FC4428FDE6F}"/>
+                  </a:ext>
+                </a:extLst>
+              </p:cNvPr>
+              <p:cNvSpPr txBox="1"/>
+              <p:nvPr/>
+            </p:nvSpPr>
+            <p:spPr>
+              <a:xfrm>
+                <a:off x="-2449162" y="-2851431"/>
+                <a:ext cx="2764430" cy="1200329"/>
+              </a:xfrm>
+              <a:prstGeom prst="rect">
+                <a:avLst/>
+              </a:prstGeom>
+              <a:noFill/>
+            </p:spPr>
+            <p:txBody>
+              <a:bodyPr wrap="square">
+                <a:spAutoFit/>
+              </a:bodyPr>
+              <a:lstStyle/>
+              <a:p>
+                <a:pPr/>
+                <a14:m>
+                  <m:oMathPara xmlns:m="http://schemas.openxmlformats.org/officeDocument/2006/math">
+                    <m:oMathParaPr>
+                      <m:jc m:val="centerGroup"/>
+                    </m:oMathParaPr>
+                    <m:oMath xmlns:m="http://schemas.openxmlformats.org/officeDocument/2006/math">
+                      <m:r>
+                        <m:rPr>
+                          <m:sty m:val="p"/>
+                        </m:rPr>
+                        <a:rPr lang="en-US" sz="1800" b="0" i="0" smtClean="0">
+                          <a:solidFill>
+                            <a:schemeClr val="accent1"/>
+                          </a:solidFill>
+                          <a:latin typeface="Cambria Math" panose="02040503050406030204" pitchFamily="18" charset="0"/>
+                        </a:rPr>
+                        <m:t>Rewrite</m:t>
+                      </m:r>
+                      <m:r>
+                        <a:rPr lang="en-US" sz="1800" b="0" i="0" smtClean="0">
+                          <a:solidFill>
+                            <a:schemeClr val="accent1"/>
+                          </a:solidFill>
+                          <a:latin typeface="Cambria Math" panose="02040503050406030204" pitchFamily="18" charset="0"/>
+                        </a:rPr>
+                        <m:t> </m:t>
+                      </m:r>
+                      <m:r>
+                        <m:rPr>
+                          <m:sty m:val="p"/>
+                        </m:rPr>
+                        <a:rPr lang="en-US" sz="1800" b="0" i="0" smtClean="0">
+                          <a:solidFill>
+                            <a:schemeClr val="accent1"/>
+                          </a:solidFill>
+                          <a:latin typeface="Cambria Math" panose="02040503050406030204" pitchFamily="18" charset="0"/>
+                        </a:rPr>
+                        <m:t>this</m:t>
+                      </m:r>
+                      <m:r>
+                        <a:rPr lang="en-US" sz="1800" b="0" i="0" smtClean="0">
+                          <a:solidFill>
+                            <a:schemeClr val="accent1"/>
+                          </a:solidFill>
+                          <a:latin typeface="Cambria Math" panose="02040503050406030204" pitchFamily="18" charset="0"/>
+                        </a:rPr>
+                        <m:t> </m:t>
+                      </m:r>
+                      <m:r>
+                        <a:rPr lang="en-US" sz="1800" b="1" i="0" smtClean="0">
+                          <a:solidFill>
+                            <a:srgbClr val="C00000"/>
+                          </a:solidFill>
+                          <a:latin typeface="Cambria Math" panose="02040503050406030204" pitchFamily="18" charset="0"/>
+                        </a:rPr>
+                        <m:t>𝐣𝐨𝐢𝐧𝐭</m:t>
+                      </m:r>
+                      <m:r>
+                        <a:rPr lang="en-US" sz="1800" b="1" i="0" smtClean="0">
+                          <a:solidFill>
+                            <a:srgbClr val="C00000"/>
+                          </a:solidFill>
+                          <a:latin typeface="Cambria Math" panose="02040503050406030204" pitchFamily="18" charset="0"/>
+                        </a:rPr>
+                        <m:t> </m:t>
+                      </m:r>
+                      <m:r>
+                        <a:rPr lang="en-US" sz="1800" b="1" i="0" smtClean="0">
+                          <a:solidFill>
+                            <a:srgbClr val="C00000"/>
+                          </a:solidFill>
+                          <a:latin typeface="Cambria Math" panose="02040503050406030204" pitchFamily="18" charset="0"/>
+                        </a:rPr>
+                        <m:t>𝐝𝐢𝐬𝐭𝐫𝐢𝐛𝐮𝐭𝐢𝐨𝐧</m:t>
+                      </m:r>
+                    </m:oMath>
+                  </m:oMathPara>
+                </a14:m>
+                <a:endParaRPr lang="en-US" sz="1800" b="1" i="0" dirty="0">
+                  <a:solidFill>
+                    <a:schemeClr val="accent1"/>
+                  </a:solidFill>
+                  <a:latin typeface="Cambria Math" panose="02040503050406030204" pitchFamily="18" charset="0"/>
+                </a:endParaRPr>
+              </a:p>
+              <a:p>
+                <a:pPr/>
+                <a14:m>
+                  <m:oMathPara xmlns:m="http://schemas.openxmlformats.org/officeDocument/2006/math">
+                    <m:oMathParaPr>
+                      <m:jc m:val="centerGroup"/>
+                    </m:oMathParaPr>
+                    <m:oMath xmlns:m="http://schemas.openxmlformats.org/officeDocument/2006/math">
+                      <m:r>
+                        <m:rPr>
+                          <m:sty m:val="p"/>
+                        </m:rPr>
+                        <a:rPr lang="en-US" sz="1800" b="0" i="0" smtClean="0">
+                          <a:solidFill>
+                            <a:schemeClr val="accent1"/>
+                          </a:solidFill>
+                          <a:latin typeface="Cambria Math" panose="02040503050406030204" pitchFamily="18" charset="0"/>
+                        </a:rPr>
+                        <m:t>based</m:t>
+                      </m:r>
+                      <m:r>
+                        <a:rPr lang="en-US" sz="1800" b="0" i="0" smtClean="0">
+                          <a:solidFill>
+                            <a:schemeClr val="accent1"/>
+                          </a:solidFill>
+                          <a:latin typeface="Cambria Math" panose="02040503050406030204" pitchFamily="18" charset="0"/>
+                        </a:rPr>
+                        <m:t> </m:t>
+                      </m:r>
+                      <m:r>
+                        <m:rPr>
+                          <m:sty m:val="p"/>
+                        </m:rPr>
+                        <a:rPr lang="en-US" sz="1800" b="0" i="0" smtClean="0">
+                          <a:solidFill>
+                            <a:schemeClr val="accent1"/>
+                          </a:solidFill>
+                          <a:latin typeface="Cambria Math" panose="02040503050406030204" pitchFamily="18" charset="0"/>
+                        </a:rPr>
+                        <m:t>on</m:t>
+                      </m:r>
+                      <m:r>
+                        <a:rPr lang="en-US" sz="1800" b="0" i="0" smtClean="0">
+                          <a:solidFill>
+                            <a:schemeClr val="accent1"/>
+                          </a:solidFill>
+                          <a:latin typeface="Cambria Math" panose="02040503050406030204" pitchFamily="18" charset="0"/>
+                        </a:rPr>
+                        <m:t> </m:t>
+                      </m:r>
+                      <m:r>
+                        <m:rPr>
+                          <m:sty m:val="p"/>
+                        </m:rPr>
+                        <a:rPr lang="en-US" sz="1800" b="0" i="0" smtClean="0">
+                          <a:solidFill>
+                            <a:schemeClr val="accent1"/>
+                          </a:solidFill>
+                          <a:latin typeface="Cambria Math" panose="02040503050406030204" pitchFamily="18" charset="0"/>
+                        </a:rPr>
+                        <m:t>the</m:t>
+                      </m:r>
+                      <m:r>
+                        <a:rPr lang="en-US" sz="1800" b="0" i="0" smtClean="0">
+                          <a:solidFill>
+                            <a:schemeClr val="accent1"/>
+                          </a:solidFill>
+                          <a:latin typeface="Cambria Math" panose="02040503050406030204" pitchFamily="18" charset="0"/>
+                        </a:rPr>
+                        <m:t> </m:t>
+                      </m:r>
+                      <m:r>
+                        <m:rPr>
+                          <m:sty m:val="p"/>
+                        </m:rPr>
+                        <a:rPr lang="en-US" sz="1800" b="0" i="0" smtClean="0">
+                          <a:solidFill>
+                            <a:schemeClr val="accent1"/>
+                          </a:solidFill>
+                          <a:latin typeface="Cambria Math" panose="02040503050406030204" pitchFamily="18" charset="0"/>
+                        </a:rPr>
+                        <m:t>graph</m:t>
+                      </m:r>
+                      <m:r>
+                        <a:rPr lang="en-US" sz="1800" b="0" i="0" smtClean="0">
+                          <a:solidFill>
+                            <a:schemeClr val="accent1"/>
+                          </a:solidFill>
+                          <a:latin typeface="Cambria Math" panose="02040503050406030204" pitchFamily="18" charset="0"/>
+                        </a:rPr>
+                        <m:t> </m:t>
+                      </m:r>
+                      <m:r>
+                        <m:rPr>
+                          <m:sty m:val="p"/>
+                        </m:rPr>
+                        <a:rPr lang="en-US" sz="1800" b="0" i="0" smtClean="0">
+                          <a:solidFill>
+                            <a:schemeClr val="accent1"/>
+                          </a:solidFill>
+                          <a:latin typeface="Cambria Math" panose="02040503050406030204" pitchFamily="18" charset="0"/>
+                        </a:rPr>
+                        <m:t>network</m:t>
+                      </m:r>
+                    </m:oMath>
+                  </m:oMathPara>
+                </a14:m>
+                <a:endParaRPr lang="en-US" sz="1800" i="0" dirty="0">
+                  <a:solidFill>
+                    <a:schemeClr val="accent1"/>
+                  </a:solidFill>
+                  <a:latin typeface="Cambria Math" panose="02040503050406030204" pitchFamily="18" charset="0"/>
+                </a:endParaRPr>
+              </a:p>
+              <a:p>
+                <a:pPr/>
+                <a14:m>
+                  <m:oMath xmlns:m="http://schemas.openxmlformats.org/officeDocument/2006/math">
+                    <m:r>
+                      <m:rPr>
+                        <m:sty m:val="p"/>
+                      </m:rPr>
+                      <a:rPr lang="en-US" sz="1800" b="0" i="0" smtClean="0">
+                        <a:solidFill>
+                          <a:schemeClr val="accent1"/>
+                        </a:solidFill>
+                        <a:latin typeface="Cambria Math" panose="02040503050406030204" pitchFamily="18" charset="0"/>
+                      </a:rPr>
+                      <m:t>conditional</m:t>
+                    </m:r>
+                    <m:r>
+                      <a:rPr lang="en-US" sz="1800" b="0" i="0" smtClean="0">
+                        <a:solidFill>
+                          <a:schemeClr val="accent1"/>
+                        </a:solidFill>
+                        <a:latin typeface="Cambria Math" panose="02040503050406030204" pitchFamily="18" charset="0"/>
+                      </a:rPr>
+                      <m:t> </m:t>
+                    </m:r>
+                    <m:r>
+                      <m:rPr>
+                        <m:sty m:val="p"/>
+                      </m:rPr>
+                      <a:rPr lang="en-US" sz="1800" b="0" i="0" smtClean="0">
+                        <a:solidFill>
+                          <a:schemeClr val="accent1"/>
+                        </a:solidFill>
+                        <a:latin typeface="Cambria Math" panose="02040503050406030204" pitchFamily="18" charset="0"/>
+                      </a:rPr>
+                      <m:t>on</m:t>
+                    </m:r>
+                    <m:r>
+                      <a:rPr lang="en-US" sz="1800" b="0" i="0" smtClean="0">
+                        <a:solidFill>
+                          <a:schemeClr val="accent1"/>
+                        </a:solidFill>
+                        <a:latin typeface="Cambria Math" panose="02040503050406030204" pitchFamily="18" charset="0"/>
+                      </a:rPr>
+                      <m:t> </m:t>
+                    </m:r>
+                    <m:r>
+                      <a:rPr lang="en-US" b="0" i="1" smtClean="0">
+                        <a:solidFill>
+                          <a:schemeClr val="accent1"/>
+                        </a:solidFill>
+                        <a:latin typeface="Cambria Math" panose="02040503050406030204" pitchFamily="18" charset="0"/>
+                      </a:rPr>
+                      <m:t>𝑝𝑎𝑟𝑒𝑛𝑡𝑠</m:t>
+                    </m:r>
+                  </m:oMath>
+                </a14:m>
+                <a:r>
+                  <a:rPr lang="en-FI" dirty="0">
+                    <a:solidFill>
+                      <a:schemeClr val="accent1"/>
+                    </a:solidFill>
+                  </a:rPr>
+                  <a:t> and childs</a:t>
+                </a:r>
+              </a:p>
+            </p:txBody>
+          </p:sp>
+        </mc:Choice>
+        <mc:Fallback>
+          <p:sp>
+            <p:nvSpPr>
+              <p:cNvPr id="37" name="TextBox 36">
+                <a:extLst>
+                  <a:ext uri="{FF2B5EF4-FFF2-40B4-BE49-F238E27FC236}">
+                    <a16:creationId xmlns:a16="http://schemas.microsoft.com/office/drawing/2014/main" id="{895210D8-896A-024A-4FC2-1FC4428FDE6F}"/>
+                  </a:ext>
+                </a:extLst>
+              </p:cNvPr>
+              <p:cNvSpPr txBox="1">
+                <a:spLocks noRot="1" noChangeAspect="1" noMove="1" noResize="1" noEditPoints="1" noAdjustHandles="1" noChangeArrowheads="1" noChangeShapeType="1" noTextEdit="1"/>
+              </p:cNvSpPr>
+              <p:nvPr/>
+            </p:nvSpPr>
+            <p:spPr>
+              <a:xfrm>
+                <a:off x="-2449162" y="-2851431"/>
+                <a:ext cx="2764430" cy="1200329"/>
+              </a:xfrm>
+              <a:prstGeom prst="rect">
+                <a:avLst/>
+              </a:prstGeom>
+              <a:blipFill>
+                <a:blip r:embed="rId12"/>
+                <a:stretch>
+                  <a:fillRect l="-1835" r="-18807" b="-8421"/>
+                </a:stretch>
+              </a:blipFill>
+            </p:spPr>
+            <p:txBody>
+              <a:bodyPr/>
+              <a:lstStyle/>
+              <a:p>
+                <a:r>
+                  <a:rPr lang="en-FI">
+                    <a:noFill/>
+                  </a:rPr>
+                  <a:t> </a:t>
+                </a:r>
+              </a:p>
+            </p:txBody>
+          </p:sp>
+        </mc:Fallback>
+      </mc:AlternateContent>
+      <p:sp>
+        <p:nvSpPr>
+          <p:cNvPr id="38" name="Left Brace 37">
+            <a:extLst>
+              <a:ext uri="{FF2B5EF4-FFF2-40B4-BE49-F238E27FC236}">
+                <a16:creationId xmlns:a16="http://schemas.microsoft.com/office/drawing/2014/main" id="{0CDE7819-5CD5-4F45-2172-0B51B8421EB2}"/>
+              </a:ext>
+            </a:extLst>
+          </p:cNvPr>
+          <p:cNvSpPr/>
+          <p:nvPr/>
+        </p:nvSpPr>
+        <p:spPr>
+          <a:xfrm>
+            <a:off x="-2888723" y="-5852508"/>
+            <a:ext cx="350416" cy="14487848"/>
+          </a:xfrm>
+          <a:prstGeom prst="leftBrace">
+            <a:avLst/>
+          </a:prstGeom>
+          <a:ln w="28575"/>
+        </p:spPr>
+        <p:style>
+          <a:lnRef idx="1">
+            <a:schemeClr val="accent1"/>
+          </a:lnRef>
+          <a:fillRef idx="0">
+            <a:schemeClr val="accent1"/>
+          </a:fillRef>
+          <a:effectRef idx="0">
+            <a:schemeClr val="accent1"/>
+          </a:effectRef>
+          <a:fontRef idx="minor">
+            <a:schemeClr val="tx1"/>
+          </a:fontRef>
+        </p:style>
+        <p:txBody>
+          <a:bodyPr rtlCol="0" anchor="ctr"/>
+          <a:lstStyle/>
+          <a:p>
+            <a:pPr algn="ctr"/>
+            <a:endParaRPr lang="en-FI"/>
+          </a:p>
+        </p:txBody>
+      </p:sp>
+      <mc:AlternateContent xmlns:mc="http://schemas.openxmlformats.org/markup-compatibility/2006">
+        <mc:Choice xmlns:a14="http://schemas.microsoft.com/office/drawing/2010/main" Requires="a14">
+          <p:sp>
+            <p:nvSpPr>
+              <p:cNvPr id="40" name="TextBox 39">
+                <a:extLst>
+                  <a:ext uri="{FF2B5EF4-FFF2-40B4-BE49-F238E27FC236}">
+                    <a16:creationId xmlns:a16="http://schemas.microsoft.com/office/drawing/2014/main" id="{26C4AA04-2BFD-E8ED-21D0-DC8FF4EA0DDE}"/>
+                  </a:ext>
+                </a:extLst>
+              </p:cNvPr>
+              <p:cNvSpPr txBox="1"/>
+              <p:nvPr/>
+            </p:nvSpPr>
+            <p:spPr>
+              <a:xfrm>
+                <a:off x="-1018539" y="-1084562"/>
+                <a:ext cx="5404685" cy="1043042"/>
+              </a:xfrm>
+              <a:prstGeom prst="rect">
+                <a:avLst/>
+              </a:prstGeom>
+              <a:noFill/>
+            </p:spPr>
+            <p:txBody>
+              <a:bodyPr wrap="none" lIns="0" tIns="0" rIns="0" bIns="0" rtlCol="0">
+                <a:spAutoFit/>
+              </a:bodyPr>
+              <a:lstStyle/>
+              <a:p>
+                <a14:m>
+                  <m:oMathPara xmlns:m="http://schemas.openxmlformats.org/officeDocument/2006/math">
+                    <m:oMathParaPr>
+                      <m:jc m:val="centerGroup"/>
+                    </m:oMathParaPr>
+                    <m:oMath xmlns:m="http://schemas.openxmlformats.org/officeDocument/2006/math">
+                      <m:r>
+                        <a:rPr lang="en-US" sz="3200" b="0" i="1" smtClean="0">
+                          <a:solidFill>
+                            <a:schemeClr val="tx1">
+                              <a:lumMod val="65000"/>
+                              <a:lumOff val="35000"/>
+                            </a:schemeClr>
+                          </a:solidFill>
+                          <a:latin typeface="Cambria Math" panose="02040503050406030204" pitchFamily="18" charset="0"/>
+                        </a:rPr>
+                        <m:t>𝑃</m:t>
+                      </m:r>
+                      <m:d>
+                        <m:dPr>
+                          <m:ctrlPr>
+                            <a:rPr lang="en-US" sz="3200" b="0" i="1" smtClean="0">
+                              <a:solidFill>
+                                <a:schemeClr val="tx1">
+                                  <a:lumMod val="65000"/>
+                                  <a:lumOff val="35000"/>
+                                </a:schemeClr>
+                              </a:solidFill>
+                              <a:latin typeface="Cambria Math" panose="02040503050406030204" pitchFamily="18" charset="0"/>
+                            </a:rPr>
+                          </m:ctrlPr>
+                        </m:dPr>
+                        <m:e>
+                          <m:r>
+                            <a:rPr lang="en-US" sz="3200" b="0" i="1" smtClean="0">
+                              <a:solidFill>
+                                <a:schemeClr val="tx1">
+                                  <a:lumMod val="65000"/>
+                                  <a:lumOff val="35000"/>
+                                </a:schemeClr>
+                              </a:solidFill>
+                              <a:latin typeface="Cambria Math" panose="02040503050406030204" pitchFamily="18" charset="0"/>
+                            </a:rPr>
+                            <m:t>𝑎</m:t>
+                          </m:r>
+                          <m:r>
+                            <a:rPr lang="en-US" sz="3200" b="0" i="1" smtClean="0">
+                              <a:solidFill>
+                                <a:schemeClr val="tx1">
+                                  <a:lumMod val="65000"/>
+                                  <a:lumOff val="35000"/>
+                                </a:schemeClr>
+                              </a:solidFill>
+                              <a:latin typeface="Cambria Math" panose="02040503050406030204" pitchFamily="18" charset="0"/>
+                            </a:rPr>
+                            <m:t>,</m:t>
+                          </m:r>
+                          <m:r>
+                            <a:rPr lang="en-US" sz="3200" b="0" i="1" smtClean="0">
+                              <a:solidFill>
+                                <a:schemeClr val="tx1">
+                                  <a:lumMod val="65000"/>
+                                  <a:lumOff val="35000"/>
+                                </a:schemeClr>
+                              </a:solidFill>
+                              <a:latin typeface="Cambria Math" panose="02040503050406030204" pitchFamily="18" charset="0"/>
+                            </a:rPr>
+                            <m:t>𝑏</m:t>
+                          </m:r>
+                        </m:e>
+                        <m:e>
+                          <m:r>
+                            <a:rPr lang="en-US" sz="3200" b="0" i="1" smtClean="0">
+                              <a:solidFill>
+                                <a:schemeClr val="tx1">
+                                  <a:lumMod val="65000"/>
+                                  <a:lumOff val="35000"/>
+                                </a:schemeClr>
+                              </a:solidFill>
+                              <a:latin typeface="Cambria Math" panose="02040503050406030204" pitchFamily="18" charset="0"/>
+                            </a:rPr>
+                            <m:t>𝑐</m:t>
+                          </m:r>
+                        </m:e>
+                      </m:d>
+                      <m:r>
+                        <a:rPr lang="en-US" sz="3200" b="0" i="1" smtClean="0">
+                          <a:solidFill>
+                            <a:schemeClr val="tx1">
+                              <a:lumMod val="65000"/>
+                              <a:lumOff val="35000"/>
+                            </a:schemeClr>
+                          </a:solidFill>
+                          <a:latin typeface="Cambria Math" panose="02040503050406030204" pitchFamily="18" charset="0"/>
+                        </a:rPr>
+                        <m:t>=</m:t>
+                      </m:r>
+                      <m:f>
+                        <m:fPr>
+                          <m:ctrlPr>
+                            <a:rPr lang="en-US" sz="3200" b="0" i="1" smtClean="0">
+                              <a:solidFill>
+                                <a:schemeClr val="tx1">
+                                  <a:lumMod val="65000"/>
+                                  <a:lumOff val="35000"/>
+                                </a:schemeClr>
+                              </a:solidFill>
+                              <a:latin typeface="Cambria Math" panose="02040503050406030204" pitchFamily="18" charset="0"/>
+                            </a:rPr>
+                          </m:ctrlPr>
+                        </m:fPr>
+                        <m:num>
+                          <m:r>
+                            <a:rPr lang="en-US" sz="3200" b="1" i="1" smtClean="0">
+                              <a:solidFill>
+                                <a:srgbClr val="C00000"/>
+                              </a:solidFill>
+                              <a:latin typeface="Cambria Math" panose="02040503050406030204" pitchFamily="18" charset="0"/>
+                            </a:rPr>
+                            <m:t>𝒑</m:t>
+                          </m:r>
+                          <m:d>
+                            <m:dPr>
+                              <m:ctrlPr>
+                                <a:rPr lang="en-US" sz="3200" b="1" i="1">
+                                  <a:solidFill>
+                                    <a:srgbClr val="C00000"/>
+                                  </a:solidFill>
+                                  <a:latin typeface="Cambria Math" panose="02040503050406030204" pitchFamily="18" charset="0"/>
+                                </a:rPr>
+                              </m:ctrlPr>
+                            </m:dPr>
+                            <m:e>
+                              <m:r>
+                                <a:rPr lang="en-US" sz="3200" b="1" i="1">
+                                  <a:solidFill>
+                                    <a:srgbClr val="C00000"/>
+                                  </a:solidFill>
+                                  <a:latin typeface="Cambria Math" panose="02040503050406030204" pitchFamily="18" charset="0"/>
+                                </a:rPr>
+                                <m:t>𝒂</m:t>
+                              </m:r>
+                            </m:e>
+                          </m:d>
+                          <m:r>
+                            <a:rPr lang="en-US" sz="3200" b="1" i="1">
+                              <a:solidFill>
+                                <a:srgbClr val="C00000"/>
+                              </a:solidFill>
+                              <a:latin typeface="Cambria Math" panose="02040503050406030204" pitchFamily="18" charset="0"/>
+                            </a:rPr>
+                            <m:t>𝒑</m:t>
+                          </m:r>
+                          <m:d>
+                            <m:dPr>
+                              <m:ctrlPr>
+                                <a:rPr lang="en-US" sz="3200" b="1" i="1">
+                                  <a:solidFill>
+                                    <a:srgbClr val="C00000"/>
+                                  </a:solidFill>
+                                  <a:latin typeface="Cambria Math" panose="02040503050406030204" pitchFamily="18" charset="0"/>
+                                </a:rPr>
+                              </m:ctrlPr>
+                            </m:dPr>
+                            <m:e>
+                              <m:r>
+                                <a:rPr lang="en-US" sz="3200" b="1" i="1">
+                                  <a:solidFill>
+                                    <a:srgbClr val="C00000"/>
+                                  </a:solidFill>
+                                  <a:latin typeface="Cambria Math" panose="02040503050406030204" pitchFamily="18" charset="0"/>
+                                </a:rPr>
+                                <m:t>𝒄</m:t>
+                              </m:r>
+                            </m:e>
+                            <m:e>
+                              <m:r>
+                                <a:rPr lang="en-US" sz="3200" b="1" i="1">
+                                  <a:solidFill>
+                                    <a:srgbClr val="C00000"/>
+                                  </a:solidFill>
+                                  <a:latin typeface="Cambria Math" panose="02040503050406030204" pitchFamily="18" charset="0"/>
+                                </a:rPr>
+                                <m:t>𝒂</m:t>
+                              </m:r>
+                            </m:e>
+                          </m:d>
+                          <m:r>
+                            <a:rPr lang="en-US" sz="3200" b="1" i="1">
+                              <a:solidFill>
+                                <a:srgbClr val="C00000"/>
+                              </a:solidFill>
+                              <a:latin typeface="Cambria Math" panose="02040503050406030204" pitchFamily="18" charset="0"/>
+                            </a:rPr>
+                            <m:t>𝒑</m:t>
+                          </m:r>
+                          <m:r>
+                            <a:rPr lang="en-US" sz="3200" b="1" i="1">
+                              <a:solidFill>
+                                <a:srgbClr val="C00000"/>
+                              </a:solidFill>
+                              <a:latin typeface="Cambria Math" panose="02040503050406030204" pitchFamily="18" charset="0"/>
+                            </a:rPr>
+                            <m:t>(</m:t>
+                          </m:r>
+                          <m:r>
+                            <a:rPr lang="en-US" sz="3200" b="1" i="1">
+                              <a:solidFill>
+                                <a:srgbClr val="C00000"/>
+                              </a:solidFill>
+                              <a:latin typeface="Cambria Math" panose="02040503050406030204" pitchFamily="18" charset="0"/>
+                            </a:rPr>
+                            <m:t>𝒃</m:t>
+                          </m:r>
+                          <m:r>
+                            <a:rPr lang="en-US" sz="3200" b="1" i="1">
+                              <a:solidFill>
+                                <a:srgbClr val="C00000"/>
+                              </a:solidFill>
+                              <a:latin typeface="Cambria Math" panose="02040503050406030204" pitchFamily="18" charset="0"/>
+                            </a:rPr>
+                            <m:t>|</m:t>
+                          </m:r>
+                          <m:r>
+                            <a:rPr lang="en-US" sz="3200" b="1" i="1">
+                              <a:solidFill>
+                                <a:srgbClr val="C00000"/>
+                              </a:solidFill>
+                              <a:latin typeface="Cambria Math" panose="02040503050406030204" pitchFamily="18" charset="0"/>
+                            </a:rPr>
+                            <m:t>𝒄</m:t>
+                          </m:r>
+                          <m:r>
+                            <a:rPr lang="en-US" sz="3200" b="1" i="1">
+                              <a:solidFill>
+                                <a:srgbClr val="C00000"/>
+                              </a:solidFill>
+                              <a:latin typeface="Cambria Math" panose="02040503050406030204" pitchFamily="18" charset="0"/>
+                            </a:rPr>
+                            <m:t>)</m:t>
+                          </m:r>
+                        </m:num>
+                        <m:den>
+                          <m:r>
+                            <a:rPr lang="en-US" sz="3200" b="0" i="1" smtClean="0">
+                              <a:solidFill>
+                                <a:schemeClr val="tx1">
+                                  <a:lumMod val="65000"/>
+                                  <a:lumOff val="35000"/>
+                                </a:schemeClr>
+                              </a:solidFill>
+                              <a:latin typeface="Cambria Math" panose="02040503050406030204" pitchFamily="18" charset="0"/>
+                            </a:rPr>
+                            <m:t>𝑝</m:t>
+                          </m:r>
+                          <m:r>
+                            <a:rPr lang="en-US" sz="3200" b="0" i="1" smtClean="0">
+                              <a:solidFill>
+                                <a:schemeClr val="tx1">
+                                  <a:lumMod val="65000"/>
+                                  <a:lumOff val="35000"/>
+                                </a:schemeClr>
+                              </a:solidFill>
+                              <a:latin typeface="Cambria Math" panose="02040503050406030204" pitchFamily="18" charset="0"/>
+                            </a:rPr>
+                            <m:t>(</m:t>
+                          </m:r>
+                          <m:r>
+                            <a:rPr lang="en-US" sz="3200" b="0" i="1" smtClean="0">
+                              <a:solidFill>
+                                <a:schemeClr val="tx1">
+                                  <a:lumMod val="65000"/>
+                                  <a:lumOff val="35000"/>
+                                </a:schemeClr>
+                              </a:solidFill>
+                              <a:latin typeface="Cambria Math" panose="02040503050406030204" pitchFamily="18" charset="0"/>
+                            </a:rPr>
+                            <m:t>𝑐</m:t>
+                          </m:r>
+                          <m:r>
+                            <a:rPr lang="en-US" sz="3200" b="0" i="1" smtClean="0">
+                              <a:solidFill>
+                                <a:schemeClr val="tx1">
+                                  <a:lumMod val="65000"/>
+                                  <a:lumOff val="35000"/>
+                                </a:schemeClr>
+                              </a:solidFill>
+                              <a:latin typeface="Cambria Math" panose="02040503050406030204" pitchFamily="18" charset="0"/>
+                            </a:rPr>
+                            <m:t>)</m:t>
+                          </m:r>
+                        </m:den>
+                      </m:f>
+                    </m:oMath>
+                  </m:oMathPara>
+                </a14:m>
+                <a:endParaRPr lang="en-FI" sz="3200" dirty="0">
+                  <a:solidFill>
+                    <a:schemeClr val="tx1">
+                      <a:lumMod val="65000"/>
+                      <a:lumOff val="35000"/>
+                    </a:schemeClr>
+                  </a:solidFill>
+                </a:endParaRPr>
+              </a:p>
+            </p:txBody>
+          </p:sp>
+        </mc:Choice>
+        <mc:Fallback>
+          <p:sp>
+            <p:nvSpPr>
+              <p:cNvPr id="40" name="TextBox 39">
+                <a:extLst>
+                  <a:ext uri="{FF2B5EF4-FFF2-40B4-BE49-F238E27FC236}">
+                    <a16:creationId xmlns:a16="http://schemas.microsoft.com/office/drawing/2014/main" id="{26C4AA04-2BFD-E8ED-21D0-DC8FF4EA0DDE}"/>
+                  </a:ext>
+                </a:extLst>
+              </p:cNvPr>
+              <p:cNvSpPr txBox="1">
+                <a:spLocks noRot="1" noChangeAspect="1" noMove="1" noResize="1" noEditPoints="1" noAdjustHandles="1" noChangeArrowheads="1" noChangeShapeType="1" noTextEdit="1"/>
+              </p:cNvSpPr>
+              <p:nvPr/>
+            </p:nvSpPr>
+            <p:spPr>
+              <a:xfrm>
+                <a:off x="-1018539" y="-1084562"/>
+                <a:ext cx="5404685" cy="1043042"/>
+              </a:xfrm>
+              <a:prstGeom prst="rect">
+                <a:avLst/>
+              </a:prstGeom>
+              <a:blipFill>
+                <a:blip r:embed="rId13"/>
+                <a:stretch>
+                  <a:fillRect l="-1171" r="-2108" b="-18072"/>
+                </a:stretch>
+              </a:blipFill>
+            </p:spPr>
+            <p:txBody>
+              <a:bodyPr/>
+              <a:lstStyle/>
+              <a:p>
+                <a:r>
+                  <a:rPr lang="en-FI">
+                    <a:noFill/>
+                  </a:rPr>
+                  <a:t> </a:t>
+                </a:r>
+              </a:p>
+            </p:txBody>
+          </p:sp>
+        </mc:Fallback>
+      </mc:AlternateContent>
+      <p:sp>
+        <p:nvSpPr>
+          <p:cNvPr id="41" name="Rounded Rectangle 40">
+            <a:extLst>
+              <a:ext uri="{FF2B5EF4-FFF2-40B4-BE49-F238E27FC236}">
+                <a16:creationId xmlns:a16="http://schemas.microsoft.com/office/drawing/2014/main" id="{1B78B3E9-B873-CEEC-B3DA-667B985665FB}"/>
+              </a:ext>
+            </a:extLst>
+          </p:cNvPr>
+          <p:cNvSpPr/>
+          <p:nvPr/>
+        </p:nvSpPr>
+        <p:spPr>
+          <a:xfrm rot="16200000">
+            <a:off x="1007123" y="5351147"/>
+            <a:ext cx="1193180" cy="5927924"/>
+          </a:xfrm>
+          <a:prstGeom prst="roundRect">
+            <a:avLst/>
+          </a:prstGeom>
+          <a:solidFill>
+            <a:srgbClr val="92D050">
+              <a:alpha val="21176"/>
+            </a:srgbClr>
+          </a:solidFill>
+          <a:ln w="28575">
+            <a:solidFill>
+              <a:srgbClr val="00B050"/>
+            </a:solidFill>
+          </a:ln>
+        </p:spPr>
+        <p:style>
+          <a:lnRef idx="2">
+            <a:schemeClr val="accent1">
+              <a:shade val="50000"/>
+            </a:schemeClr>
+          </a:lnRef>
+          <a:fillRef idx="1">
+            <a:schemeClr val="accent1"/>
+          </a:fillRef>
+          <a:effectRef idx="0">
+            <a:schemeClr val="accent1"/>
+          </a:effectRef>
+          <a:fontRef idx="minor">
+            <a:schemeClr val="lt1"/>
+          </a:fontRef>
+        </p:style>
+        <p:txBody>
+          <a:bodyPr rtlCol="0" anchor="ctr"/>
+          <a:lstStyle/>
+          <a:p>
+            <a:pPr algn="ctr"/>
+            <a:endParaRPr lang="en-FI" dirty="0"/>
+          </a:p>
+        </p:txBody>
+      </p:sp>
+      <mc:AlternateContent xmlns:mc="http://schemas.openxmlformats.org/markup-compatibility/2006">
+        <mc:Choice xmlns:a14="http://schemas.microsoft.com/office/drawing/2010/main" Requires="a14">
+          <p:sp>
+            <p:nvSpPr>
+              <p:cNvPr id="43" name="TextBox 42">
+                <a:extLst>
+                  <a:ext uri="{FF2B5EF4-FFF2-40B4-BE49-F238E27FC236}">
+                    <a16:creationId xmlns:a16="http://schemas.microsoft.com/office/drawing/2014/main" id="{EDF07856-F666-D703-462C-F6ACF6F9068A}"/>
+                  </a:ext>
+                </a:extLst>
+              </p:cNvPr>
+              <p:cNvSpPr txBox="1"/>
+              <p:nvPr/>
+            </p:nvSpPr>
+            <p:spPr>
+              <a:xfrm>
+                <a:off x="-2744702" y="-1728713"/>
+                <a:ext cx="3831325" cy="369332"/>
+              </a:xfrm>
+              <a:prstGeom prst="rect">
+                <a:avLst/>
+              </a:prstGeom>
+              <a:noFill/>
+            </p:spPr>
+            <p:txBody>
+              <a:bodyPr wrap="square">
+                <a:spAutoFit/>
+              </a:bodyPr>
+              <a:lstStyle/>
+              <a:p>
+                <a:pPr/>
+                <a14:m>
+                  <m:oMathPara xmlns:m="http://schemas.openxmlformats.org/officeDocument/2006/math">
+                    <m:oMathParaPr>
+                      <m:jc m:val="centerGroup"/>
+                    </m:oMathParaPr>
+                    <m:oMath xmlns:m="http://schemas.openxmlformats.org/officeDocument/2006/math">
+                      <m:r>
+                        <a:rPr lang="en-US" sz="1800" b="1" i="1" smtClean="0">
+                          <a:solidFill>
+                            <a:srgbClr val="C00000"/>
+                          </a:solidFill>
+                          <a:latin typeface="Cambria Math" panose="02040503050406030204" pitchFamily="18" charset="0"/>
+                        </a:rPr>
+                        <m:t>𝑷</m:t>
+                      </m:r>
+                      <m:d>
+                        <m:dPr>
+                          <m:ctrlPr>
+                            <a:rPr lang="en-US" sz="1800" b="1" i="1" smtClean="0">
+                              <a:solidFill>
+                                <a:srgbClr val="C00000"/>
+                              </a:solidFill>
+                              <a:latin typeface="Cambria Math" panose="02040503050406030204" pitchFamily="18" charset="0"/>
+                            </a:rPr>
+                          </m:ctrlPr>
+                        </m:dPr>
+                        <m:e>
+                          <m:r>
+                            <a:rPr lang="en-US" sz="1800" b="1" i="1" smtClean="0">
+                              <a:solidFill>
+                                <a:srgbClr val="C00000"/>
+                              </a:solidFill>
+                              <a:latin typeface="Cambria Math" panose="02040503050406030204" pitchFamily="18" charset="0"/>
+                            </a:rPr>
+                            <m:t>𝒂</m:t>
+                          </m:r>
+                          <m:r>
+                            <a:rPr lang="en-US" sz="1800" b="1" i="1" smtClean="0">
+                              <a:solidFill>
+                                <a:srgbClr val="C00000"/>
+                              </a:solidFill>
+                              <a:latin typeface="Cambria Math" panose="02040503050406030204" pitchFamily="18" charset="0"/>
+                            </a:rPr>
+                            <m:t>,</m:t>
+                          </m:r>
+                          <m:r>
+                            <a:rPr lang="en-US" sz="1800" b="1" i="1" smtClean="0">
+                              <a:solidFill>
+                                <a:srgbClr val="C00000"/>
+                              </a:solidFill>
+                              <a:latin typeface="Cambria Math" panose="02040503050406030204" pitchFamily="18" charset="0"/>
+                            </a:rPr>
+                            <m:t>𝒃</m:t>
+                          </m:r>
+                          <m:r>
+                            <a:rPr lang="en-US" sz="1800" b="1" i="1" smtClean="0">
+                              <a:solidFill>
+                                <a:srgbClr val="C00000"/>
+                              </a:solidFill>
+                              <a:latin typeface="Cambria Math" panose="02040503050406030204" pitchFamily="18" charset="0"/>
+                            </a:rPr>
+                            <m:t>,</m:t>
+                          </m:r>
+                          <m:r>
+                            <a:rPr lang="en-US" sz="1800" b="1" i="1" smtClean="0">
+                              <a:solidFill>
+                                <a:srgbClr val="C00000"/>
+                              </a:solidFill>
+                              <a:latin typeface="Cambria Math" panose="02040503050406030204" pitchFamily="18" charset="0"/>
+                            </a:rPr>
+                            <m:t>𝒄</m:t>
+                          </m:r>
+                        </m:e>
+                      </m:d>
+                      <m:r>
+                        <a:rPr lang="en-US" sz="1800" b="1" i="1" smtClean="0">
+                          <a:solidFill>
+                            <a:srgbClr val="C00000"/>
+                          </a:solidFill>
+                          <a:latin typeface="Cambria Math" panose="02040503050406030204" pitchFamily="18" charset="0"/>
+                        </a:rPr>
+                        <m:t>=</m:t>
+                      </m:r>
+                      <m:r>
+                        <a:rPr lang="en-US" sz="1800" b="1" i="1" smtClean="0">
+                          <a:solidFill>
+                            <a:srgbClr val="C00000"/>
+                          </a:solidFill>
+                          <a:latin typeface="Cambria Math" panose="02040503050406030204" pitchFamily="18" charset="0"/>
+                        </a:rPr>
+                        <m:t>𝒑</m:t>
+                      </m:r>
+                      <m:d>
+                        <m:dPr>
+                          <m:ctrlPr>
+                            <a:rPr lang="en-US" sz="1800" b="1" i="1" smtClean="0">
+                              <a:solidFill>
+                                <a:srgbClr val="C00000"/>
+                              </a:solidFill>
+                              <a:latin typeface="Cambria Math" panose="02040503050406030204" pitchFamily="18" charset="0"/>
+                            </a:rPr>
+                          </m:ctrlPr>
+                        </m:dPr>
+                        <m:e>
+                          <m:r>
+                            <a:rPr lang="en-US" sz="1800" b="1" i="1" smtClean="0">
+                              <a:solidFill>
+                                <a:srgbClr val="C00000"/>
+                              </a:solidFill>
+                              <a:latin typeface="Cambria Math" panose="02040503050406030204" pitchFamily="18" charset="0"/>
+                            </a:rPr>
+                            <m:t>𝒂</m:t>
+                          </m:r>
+                        </m:e>
+                      </m:d>
+                      <m:r>
+                        <a:rPr lang="en-US" sz="1800" b="1" i="1" smtClean="0">
+                          <a:solidFill>
+                            <a:srgbClr val="C00000"/>
+                          </a:solidFill>
+                          <a:latin typeface="Cambria Math" panose="02040503050406030204" pitchFamily="18" charset="0"/>
+                        </a:rPr>
+                        <m:t>𝒑</m:t>
+                      </m:r>
+                      <m:d>
+                        <m:dPr>
+                          <m:ctrlPr>
+                            <a:rPr lang="en-US" sz="1800" b="1" i="1" smtClean="0">
+                              <a:solidFill>
+                                <a:srgbClr val="C00000"/>
+                              </a:solidFill>
+                              <a:latin typeface="Cambria Math" panose="02040503050406030204" pitchFamily="18" charset="0"/>
+                            </a:rPr>
+                          </m:ctrlPr>
+                        </m:dPr>
+                        <m:e>
+                          <m:r>
+                            <a:rPr lang="en-US" sz="1800" b="1" i="1" smtClean="0">
+                              <a:solidFill>
+                                <a:srgbClr val="C00000"/>
+                              </a:solidFill>
+                              <a:latin typeface="Cambria Math" panose="02040503050406030204" pitchFamily="18" charset="0"/>
+                            </a:rPr>
+                            <m:t>𝒄</m:t>
+                          </m:r>
+                        </m:e>
+                        <m:e>
+                          <m:r>
+                            <a:rPr lang="en-US" sz="1800" b="1" i="1" smtClean="0">
+                              <a:solidFill>
+                                <a:srgbClr val="C00000"/>
+                              </a:solidFill>
+                              <a:latin typeface="Cambria Math" panose="02040503050406030204" pitchFamily="18" charset="0"/>
+                            </a:rPr>
+                            <m:t>𝒂</m:t>
+                          </m:r>
+                        </m:e>
+                      </m:d>
+                      <m:r>
+                        <a:rPr lang="en-US" sz="1800" b="1" i="1" smtClean="0">
+                          <a:solidFill>
+                            <a:srgbClr val="C00000"/>
+                          </a:solidFill>
+                          <a:latin typeface="Cambria Math" panose="02040503050406030204" pitchFamily="18" charset="0"/>
+                        </a:rPr>
+                        <m:t>𝒑</m:t>
+                      </m:r>
+                      <m:r>
+                        <a:rPr lang="en-US" sz="1800" b="1" i="1" smtClean="0">
+                          <a:solidFill>
+                            <a:srgbClr val="C00000"/>
+                          </a:solidFill>
+                          <a:latin typeface="Cambria Math" panose="02040503050406030204" pitchFamily="18" charset="0"/>
+                        </a:rPr>
+                        <m:t>(</m:t>
+                      </m:r>
+                      <m:r>
+                        <a:rPr lang="en-US" sz="1800" b="1" i="1" smtClean="0">
+                          <a:solidFill>
+                            <a:srgbClr val="C00000"/>
+                          </a:solidFill>
+                          <a:latin typeface="Cambria Math" panose="02040503050406030204" pitchFamily="18" charset="0"/>
+                        </a:rPr>
+                        <m:t>𝒃</m:t>
+                      </m:r>
+                      <m:r>
+                        <a:rPr lang="en-US" sz="1800" b="1" i="1" smtClean="0">
+                          <a:solidFill>
+                            <a:srgbClr val="C00000"/>
+                          </a:solidFill>
+                          <a:latin typeface="Cambria Math" panose="02040503050406030204" pitchFamily="18" charset="0"/>
+                        </a:rPr>
+                        <m:t>|</m:t>
+                      </m:r>
+                      <m:r>
+                        <a:rPr lang="en-US" sz="1800" b="1" i="1" smtClean="0">
+                          <a:solidFill>
+                            <a:srgbClr val="C00000"/>
+                          </a:solidFill>
+                          <a:latin typeface="Cambria Math" panose="02040503050406030204" pitchFamily="18" charset="0"/>
+                        </a:rPr>
+                        <m:t>𝒄</m:t>
+                      </m:r>
+                      <m:r>
+                        <a:rPr lang="en-US" sz="1800" b="1" i="1" smtClean="0">
+                          <a:solidFill>
+                            <a:srgbClr val="C00000"/>
+                          </a:solidFill>
+                          <a:latin typeface="Cambria Math" panose="02040503050406030204" pitchFamily="18" charset="0"/>
+                        </a:rPr>
+                        <m:t>)</m:t>
+                      </m:r>
+                    </m:oMath>
+                  </m:oMathPara>
+                </a14:m>
+                <a:endParaRPr lang="en-FI" b="1" dirty="0">
+                  <a:solidFill>
+                    <a:srgbClr val="C00000"/>
+                  </a:solidFill>
+                </a:endParaRPr>
+              </a:p>
+            </p:txBody>
+          </p:sp>
+        </mc:Choice>
+        <mc:Fallback>
+          <p:sp>
+            <p:nvSpPr>
+              <p:cNvPr id="43" name="TextBox 42">
+                <a:extLst>
+                  <a:ext uri="{FF2B5EF4-FFF2-40B4-BE49-F238E27FC236}">
+                    <a16:creationId xmlns:a16="http://schemas.microsoft.com/office/drawing/2014/main" id="{EDF07856-F666-D703-462C-F6ACF6F9068A}"/>
+                  </a:ext>
+                </a:extLst>
+              </p:cNvPr>
+              <p:cNvSpPr txBox="1">
+                <a:spLocks noRot="1" noChangeAspect="1" noMove="1" noResize="1" noEditPoints="1" noAdjustHandles="1" noChangeArrowheads="1" noChangeShapeType="1" noTextEdit="1"/>
+              </p:cNvSpPr>
+              <p:nvPr/>
+            </p:nvSpPr>
+            <p:spPr>
+              <a:xfrm>
+                <a:off x="-2744702" y="-1728713"/>
+                <a:ext cx="3831325" cy="369332"/>
+              </a:xfrm>
+              <a:prstGeom prst="rect">
+                <a:avLst/>
+              </a:prstGeom>
+              <a:blipFill>
+                <a:blip r:embed="rId14"/>
+                <a:stretch>
+                  <a:fillRect b="-16667"/>
+                </a:stretch>
+              </a:blipFill>
+            </p:spPr>
+            <p:txBody>
+              <a:bodyPr/>
+              <a:lstStyle/>
+              <a:p>
+                <a:r>
+                  <a:rPr lang="en-FI">
+                    <a:noFill/>
+                  </a:rPr>
+                  <a:t> </a:t>
+                </a:r>
+              </a:p>
+            </p:txBody>
+          </p:sp>
+        </mc:Fallback>
+      </mc:AlternateContent>
+      <mc:AlternateContent xmlns:mc="http://schemas.openxmlformats.org/markup-compatibility/2006">
+        <mc:Choice xmlns:a14="http://schemas.microsoft.com/office/drawing/2010/main" Requires="a14">
+          <p:sp>
+            <p:nvSpPr>
+              <p:cNvPr id="45" name="TextBox 44">
+                <a:extLst>
+                  <a:ext uri="{FF2B5EF4-FFF2-40B4-BE49-F238E27FC236}">
+                    <a16:creationId xmlns:a16="http://schemas.microsoft.com/office/drawing/2014/main" id="{48CFE630-2B99-0303-84DC-6135A248AF71}"/>
+                  </a:ext>
+                </a:extLst>
+              </p:cNvPr>
+              <p:cNvSpPr txBox="1"/>
+              <p:nvPr/>
+            </p:nvSpPr>
+            <p:spPr>
+              <a:xfrm>
+                <a:off x="1953408" y="-2726760"/>
+                <a:ext cx="821268" cy="369332"/>
+              </a:xfrm>
+              <a:prstGeom prst="rect">
+                <a:avLst/>
+              </a:prstGeom>
+              <a:noFill/>
+            </p:spPr>
+            <p:txBody>
+              <a:bodyPr wrap="square">
+                <a:spAutoFit/>
+              </a:bodyPr>
+              <a:lstStyle/>
+              <a:p>
+                <a:pPr/>
+                <a14:m>
+                  <m:oMathPara xmlns:m="http://schemas.openxmlformats.org/officeDocument/2006/math">
+                    <m:oMathParaPr>
+                      <m:jc m:val="centerGroup"/>
+                    </m:oMathParaPr>
+                    <m:oMath xmlns:m="http://schemas.openxmlformats.org/officeDocument/2006/math">
+                      <m:r>
+                        <a:rPr lang="en-US" sz="1800" i="1" smtClean="0">
+                          <a:solidFill>
+                            <a:srgbClr val="C00000"/>
+                          </a:solidFill>
+                          <a:latin typeface="Cambria Math" panose="02040503050406030204" pitchFamily="18" charset="0"/>
+                        </a:rPr>
+                        <m:t>𝑝</m:t>
+                      </m:r>
+                      <m:d>
+                        <m:dPr>
+                          <m:ctrlPr>
+                            <a:rPr lang="en-US" sz="1800" i="1">
+                              <a:solidFill>
+                                <a:srgbClr val="C00000"/>
+                              </a:solidFill>
+                              <a:latin typeface="Cambria Math" panose="02040503050406030204" pitchFamily="18" charset="0"/>
+                            </a:rPr>
+                          </m:ctrlPr>
+                        </m:dPr>
+                        <m:e>
+                          <m:r>
+                            <a:rPr lang="en-US" sz="1800" i="1">
+                              <a:solidFill>
+                                <a:srgbClr val="C00000"/>
+                              </a:solidFill>
+                              <a:latin typeface="Cambria Math" panose="02040503050406030204" pitchFamily="18" charset="0"/>
+                            </a:rPr>
+                            <m:t>𝑎</m:t>
+                          </m:r>
+                        </m:e>
+                      </m:d>
+                    </m:oMath>
+                  </m:oMathPara>
+                </a14:m>
+                <a:endParaRPr lang="en-FI" dirty="0"/>
+              </a:p>
+            </p:txBody>
+          </p:sp>
+        </mc:Choice>
+        <mc:Fallback>
+          <p:sp>
+            <p:nvSpPr>
+              <p:cNvPr id="45" name="TextBox 44">
+                <a:extLst>
+                  <a:ext uri="{FF2B5EF4-FFF2-40B4-BE49-F238E27FC236}">
+                    <a16:creationId xmlns:a16="http://schemas.microsoft.com/office/drawing/2014/main" id="{48CFE630-2B99-0303-84DC-6135A248AF71}"/>
+                  </a:ext>
+                </a:extLst>
+              </p:cNvPr>
+              <p:cNvSpPr txBox="1">
+                <a:spLocks noRot="1" noChangeAspect="1" noMove="1" noResize="1" noEditPoints="1" noAdjustHandles="1" noChangeArrowheads="1" noChangeShapeType="1" noTextEdit="1"/>
+              </p:cNvSpPr>
+              <p:nvPr/>
+            </p:nvSpPr>
+            <p:spPr>
+              <a:xfrm>
+                <a:off x="1953408" y="-2726760"/>
+                <a:ext cx="821268" cy="369332"/>
+              </a:xfrm>
+              <a:prstGeom prst="rect">
+                <a:avLst/>
+              </a:prstGeom>
+              <a:blipFill>
+                <a:blip r:embed="rId15"/>
+                <a:stretch>
+                  <a:fillRect b="-6667"/>
+                </a:stretch>
+              </a:blipFill>
+            </p:spPr>
+            <p:txBody>
+              <a:bodyPr/>
+              <a:lstStyle/>
+              <a:p>
+                <a:r>
+                  <a:rPr lang="en-FI">
+                    <a:noFill/>
+                  </a:rPr>
+                  <a:t> </a:t>
+                </a:r>
+              </a:p>
+            </p:txBody>
+          </p:sp>
+        </mc:Fallback>
+      </mc:AlternateContent>
+      <mc:AlternateContent xmlns:mc="http://schemas.openxmlformats.org/markup-compatibility/2006">
+        <mc:Choice xmlns:a14="http://schemas.microsoft.com/office/drawing/2010/main" Requires="a14">
+          <p:sp>
+            <p:nvSpPr>
+              <p:cNvPr id="46" name="TextBox 45">
+                <a:extLst>
+                  <a:ext uri="{FF2B5EF4-FFF2-40B4-BE49-F238E27FC236}">
+                    <a16:creationId xmlns:a16="http://schemas.microsoft.com/office/drawing/2014/main" id="{16C35A44-3C3C-15E8-41BC-3CC385586038}"/>
+                  </a:ext>
+                </a:extLst>
+              </p:cNvPr>
+              <p:cNvSpPr txBox="1"/>
+              <p:nvPr/>
+            </p:nvSpPr>
+            <p:spPr>
+              <a:xfrm>
+                <a:off x="2960816" y="-1881225"/>
+                <a:ext cx="821268" cy="369332"/>
+              </a:xfrm>
+              <a:prstGeom prst="rect">
+                <a:avLst/>
+              </a:prstGeom>
+              <a:noFill/>
+            </p:spPr>
+            <p:txBody>
+              <a:bodyPr wrap="square">
+                <a:spAutoFit/>
+              </a:bodyPr>
+              <a:lstStyle/>
+              <a:p>
+                <a:pPr/>
+                <a14:m>
+                  <m:oMathPara xmlns:m="http://schemas.openxmlformats.org/officeDocument/2006/math">
+                    <m:oMathParaPr>
+                      <m:jc m:val="centerGroup"/>
+                    </m:oMathParaPr>
+                    <m:oMath xmlns:m="http://schemas.openxmlformats.org/officeDocument/2006/math">
+                      <m:r>
+                        <a:rPr lang="en-US" sz="1800" i="1" smtClean="0">
+                          <a:solidFill>
+                            <a:srgbClr val="C00000"/>
+                          </a:solidFill>
+                          <a:latin typeface="Cambria Math" panose="02040503050406030204" pitchFamily="18" charset="0"/>
+                        </a:rPr>
+                        <m:t>𝑝</m:t>
+                      </m:r>
+                      <m:d>
+                        <m:dPr>
+                          <m:ctrlPr>
+                            <a:rPr lang="en-US" sz="1800" i="1">
+                              <a:solidFill>
+                                <a:srgbClr val="C00000"/>
+                              </a:solidFill>
+                              <a:latin typeface="Cambria Math" panose="02040503050406030204" pitchFamily="18" charset="0"/>
+                            </a:rPr>
+                          </m:ctrlPr>
+                        </m:dPr>
+                        <m:e>
+                          <m:r>
+                            <a:rPr lang="en-US" sz="1800" i="1">
+                              <a:solidFill>
+                                <a:srgbClr val="C00000"/>
+                              </a:solidFill>
+                              <a:latin typeface="Cambria Math" panose="02040503050406030204" pitchFamily="18" charset="0"/>
+                            </a:rPr>
+                            <m:t>𝑎</m:t>
+                          </m:r>
+                          <m:r>
+                            <a:rPr lang="en-US" sz="1800" b="0" i="1" smtClean="0">
+                              <a:solidFill>
+                                <a:srgbClr val="C00000"/>
+                              </a:solidFill>
+                              <a:latin typeface="Cambria Math" panose="02040503050406030204" pitchFamily="18" charset="0"/>
+                            </a:rPr>
+                            <m:t>|</m:t>
+                          </m:r>
+                          <m:r>
+                            <a:rPr lang="en-US" sz="1800" b="0" i="1" smtClean="0">
+                              <a:solidFill>
+                                <a:srgbClr val="C00000"/>
+                              </a:solidFill>
+                              <a:latin typeface="Cambria Math" panose="02040503050406030204" pitchFamily="18" charset="0"/>
+                            </a:rPr>
+                            <m:t>𝑐</m:t>
+                          </m:r>
+                        </m:e>
+                      </m:d>
+                    </m:oMath>
+                  </m:oMathPara>
+                </a14:m>
+                <a:endParaRPr lang="en-FI" dirty="0"/>
+              </a:p>
+            </p:txBody>
+          </p:sp>
+        </mc:Choice>
+        <mc:Fallback>
+          <p:sp>
+            <p:nvSpPr>
+              <p:cNvPr id="46" name="TextBox 45">
+                <a:extLst>
+                  <a:ext uri="{FF2B5EF4-FFF2-40B4-BE49-F238E27FC236}">
+                    <a16:creationId xmlns:a16="http://schemas.microsoft.com/office/drawing/2014/main" id="{16C35A44-3C3C-15E8-41BC-3CC385586038}"/>
+                  </a:ext>
+                </a:extLst>
+              </p:cNvPr>
+              <p:cNvSpPr txBox="1">
+                <a:spLocks noRot="1" noChangeAspect="1" noMove="1" noResize="1" noEditPoints="1" noAdjustHandles="1" noChangeArrowheads="1" noChangeShapeType="1" noTextEdit="1"/>
+              </p:cNvSpPr>
+              <p:nvPr/>
+            </p:nvSpPr>
+            <p:spPr>
+              <a:xfrm>
+                <a:off x="2960816" y="-1881225"/>
+                <a:ext cx="821268" cy="369332"/>
+              </a:xfrm>
+              <a:prstGeom prst="rect">
+                <a:avLst/>
+              </a:prstGeom>
+              <a:blipFill>
+                <a:blip r:embed="rId16"/>
+                <a:stretch>
+                  <a:fillRect b="-16667"/>
+                </a:stretch>
+              </a:blipFill>
+            </p:spPr>
+            <p:txBody>
+              <a:bodyPr/>
+              <a:lstStyle/>
+              <a:p>
+                <a:r>
+                  <a:rPr lang="en-FI">
+                    <a:noFill/>
+                  </a:rPr>
+                  <a:t> </a:t>
+                </a:r>
+              </a:p>
+            </p:txBody>
+          </p:sp>
+        </mc:Fallback>
+      </mc:AlternateContent>
+      <mc:AlternateContent xmlns:mc="http://schemas.openxmlformats.org/markup-compatibility/2006">
+        <mc:Choice xmlns:a14="http://schemas.microsoft.com/office/drawing/2010/main" Requires="a14">
+          <p:sp>
+            <p:nvSpPr>
+              <p:cNvPr id="47" name="TextBox 46">
+                <a:extLst>
+                  <a:ext uri="{FF2B5EF4-FFF2-40B4-BE49-F238E27FC236}">
+                    <a16:creationId xmlns:a16="http://schemas.microsoft.com/office/drawing/2014/main" id="{7AF23CA3-0D7B-839C-62F7-338252D90854}"/>
+                  </a:ext>
+                </a:extLst>
+              </p:cNvPr>
+              <p:cNvSpPr txBox="1"/>
+              <p:nvPr/>
+            </p:nvSpPr>
+            <p:spPr>
+              <a:xfrm>
+                <a:off x="3874831" y="-2752160"/>
+                <a:ext cx="821268" cy="369332"/>
+              </a:xfrm>
+              <a:prstGeom prst="rect">
+                <a:avLst/>
+              </a:prstGeom>
+              <a:noFill/>
+            </p:spPr>
+            <p:txBody>
+              <a:bodyPr wrap="square">
+                <a:spAutoFit/>
+              </a:bodyPr>
+              <a:lstStyle/>
+              <a:p>
+                <a:pPr/>
+                <a14:m>
+                  <m:oMathPara xmlns:m="http://schemas.openxmlformats.org/officeDocument/2006/math">
+                    <m:oMathParaPr>
+                      <m:jc m:val="centerGroup"/>
+                    </m:oMathParaPr>
+                    <m:oMath xmlns:m="http://schemas.openxmlformats.org/officeDocument/2006/math">
+                      <m:r>
+                        <a:rPr lang="en-US" sz="1800" i="1" smtClean="0">
+                          <a:solidFill>
+                            <a:srgbClr val="C00000"/>
+                          </a:solidFill>
+                          <a:latin typeface="Cambria Math" panose="02040503050406030204" pitchFamily="18" charset="0"/>
+                        </a:rPr>
+                        <m:t>𝑝</m:t>
+                      </m:r>
+                      <m:d>
+                        <m:dPr>
+                          <m:ctrlPr>
+                            <a:rPr lang="en-US" sz="1800" i="1">
+                              <a:solidFill>
+                                <a:srgbClr val="C00000"/>
+                              </a:solidFill>
+                              <a:latin typeface="Cambria Math" panose="02040503050406030204" pitchFamily="18" charset="0"/>
+                            </a:rPr>
+                          </m:ctrlPr>
+                        </m:dPr>
+                        <m:e>
+                          <m:r>
+                            <a:rPr lang="en-US" sz="1800" b="0" i="1" smtClean="0">
+                              <a:solidFill>
+                                <a:srgbClr val="C00000"/>
+                              </a:solidFill>
+                              <a:latin typeface="Cambria Math" panose="02040503050406030204" pitchFamily="18" charset="0"/>
+                            </a:rPr>
+                            <m:t>𝑏</m:t>
+                          </m:r>
+                          <m:r>
+                            <a:rPr lang="en-US" sz="1800" b="0" i="1" smtClean="0">
+                              <a:solidFill>
+                                <a:srgbClr val="C00000"/>
+                              </a:solidFill>
+                              <a:latin typeface="Cambria Math" panose="02040503050406030204" pitchFamily="18" charset="0"/>
+                            </a:rPr>
+                            <m:t>|</m:t>
+                          </m:r>
+                          <m:r>
+                            <a:rPr lang="en-US" sz="1800" b="0" i="1" smtClean="0">
+                              <a:solidFill>
+                                <a:srgbClr val="C00000"/>
+                              </a:solidFill>
+                              <a:latin typeface="Cambria Math" panose="02040503050406030204" pitchFamily="18" charset="0"/>
+                            </a:rPr>
+                            <m:t>𝑐</m:t>
+                          </m:r>
+                        </m:e>
+                      </m:d>
+                    </m:oMath>
+                  </m:oMathPara>
+                </a14:m>
+                <a:endParaRPr lang="en-FI" dirty="0"/>
+              </a:p>
+            </p:txBody>
+          </p:sp>
+        </mc:Choice>
+        <mc:Fallback>
+          <p:sp>
+            <p:nvSpPr>
+              <p:cNvPr id="47" name="TextBox 46">
+                <a:extLst>
+                  <a:ext uri="{FF2B5EF4-FFF2-40B4-BE49-F238E27FC236}">
+                    <a16:creationId xmlns:a16="http://schemas.microsoft.com/office/drawing/2014/main" id="{7AF23CA3-0D7B-839C-62F7-338252D90854}"/>
+                  </a:ext>
+                </a:extLst>
+              </p:cNvPr>
+              <p:cNvSpPr txBox="1">
+                <a:spLocks noRot="1" noChangeAspect="1" noMove="1" noResize="1" noEditPoints="1" noAdjustHandles="1" noChangeArrowheads="1" noChangeShapeType="1" noTextEdit="1"/>
+              </p:cNvSpPr>
+              <p:nvPr/>
+            </p:nvSpPr>
+            <p:spPr>
+              <a:xfrm>
+                <a:off x="3874831" y="-2752160"/>
+                <a:ext cx="821268" cy="369332"/>
+              </a:xfrm>
+              <a:prstGeom prst="rect">
+                <a:avLst/>
+              </a:prstGeom>
+              <a:blipFill>
+                <a:blip r:embed="rId17"/>
+                <a:stretch>
+                  <a:fillRect b="-13333"/>
+                </a:stretch>
+              </a:blipFill>
+            </p:spPr>
+            <p:txBody>
+              <a:bodyPr/>
+              <a:lstStyle/>
+              <a:p>
+                <a:r>
+                  <a:rPr lang="en-FI">
+                    <a:noFill/>
+                  </a:rPr>
+                  <a:t> </a:t>
+                </a:r>
+              </a:p>
+            </p:txBody>
+          </p:sp>
+        </mc:Fallback>
+      </mc:AlternateContent>
+      <mc:AlternateContent xmlns:mc="http://schemas.openxmlformats.org/markup-compatibility/2006">
+        <mc:Choice xmlns:a14="http://schemas.microsoft.com/office/drawing/2010/main" Requires="a14">
+          <p:sp>
+            <p:nvSpPr>
+              <p:cNvPr id="51" name="TextBox 50">
+                <a:extLst>
+                  <a:ext uri="{FF2B5EF4-FFF2-40B4-BE49-F238E27FC236}">
+                    <a16:creationId xmlns:a16="http://schemas.microsoft.com/office/drawing/2014/main" id="{0D864CA0-C4AB-3E7A-8EA9-43570952FAF9}"/>
+                  </a:ext>
+                </a:extLst>
+              </p:cNvPr>
+              <p:cNvSpPr txBox="1"/>
+              <p:nvPr/>
+            </p:nvSpPr>
+            <p:spPr>
+              <a:xfrm>
+                <a:off x="-2888004" y="492365"/>
+                <a:ext cx="1693155" cy="766235"/>
+              </a:xfrm>
+              <a:prstGeom prst="rect">
+                <a:avLst/>
+              </a:prstGeom>
+              <a:noFill/>
+            </p:spPr>
+            <p:txBody>
+              <a:bodyPr wrap="square">
+                <a:spAutoFit/>
+              </a:bodyPr>
+              <a:lstStyle/>
+              <a:p>
+                <a:pPr/>
+                <a14:m>
+                  <m:oMathPara xmlns:m="http://schemas.openxmlformats.org/officeDocument/2006/math">
+                    <m:oMathParaPr>
+                      <m:jc m:val="centerGroup"/>
+                    </m:oMathParaPr>
+                    <m:oMath xmlns:m="http://schemas.openxmlformats.org/officeDocument/2006/math">
+                      <m:groupChr>
+                        <m:groupChrPr>
+                          <m:chr m:val="→"/>
+                          <m:vertJc m:val="bot"/>
+                          <m:ctrlPr>
+                            <a:rPr lang="en-US" sz="3200" b="1" i="1" smtClean="0">
+                              <a:solidFill>
+                                <a:schemeClr val="accent1"/>
+                              </a:solidFill>
+                              <a:latin typeface="Cambria Math" panose="02040503050406030204" pitchFamily="18" charset="0"/>
+                            </a:rPr>
+                          </m:ctrlPr>
+                        </m:groupChrPr>
+                        <m:e>
+                          <m:r>
+                            <m:rPr>
+                              <m:brk m:alnAt="2"/>
+                            </m:rPr>
+                            <a:rPr lang="en-US" sz="3200" b="1" i="1" smtClean="0">
+                              <a:solidFill>
+                                <a:schemeClr val="accent1"/>
+                              </a:solidFill>
+                              <a:latin typeface="Cambria Math" panose="02040503050406030204" pitchFamily="18" charset="0"/>
+                            </a:rPr>
+                            <m:t>𝑺𝒕𝒆𝒑</m:t>
+                          </m:r>
+                          <m:r>
+                            <a:rPr lang="en-US" sz="3200" b="1" i="1" smtClean="0">
+                              <a:solidFill>
+                                <a:schemeClr val="accent1"/>
+                              </a:solidFill>
+                              <a:latin typeface="Cambria Math" panose="02040503050406030204" pitchFamily="18" charset="0"/>
+                            </a:rPr>
+                            <m:t> </m:t>
+                          </m:r>
+                          <m:r>
+                            <a:rPr lang="en-US" sz="3200" b="1" i="1" smtClean="0">
+                              <a:solidFill>
+                                <a:schemeClr val="accent1"/>
+                              </a:solidFill>
+                              <a:latin typeface="Cambria Math" panose="02040503050406030204" pitchFamily="18" charset="0"/>
+                            </a:rPr>
+                            <m:t>𝟑</m:t>
+                          </m:r>
+                        </m:e>
+                      </m:groupChr>
+                    </m:oMath>
+                  </m:oMathPara>
+                </a14:m>
+                <a:endParaRPr lang="en-FI" sz="3200" b="1" dirty="0">
+                  <a:solidFill>
+                    <a:schemeClr val="accent1"/>
+                  </a:solidFill>
+                </a:endParaRPr>
+              </a:p>
+            </p:txBody>
+          </p:sp>
+        </mc:Choice>
+        <mc:Fallback>
+          <p:sp>
+            <p:nvSpPr>
+              <p:cNvPr id="51" name="TextBox 50">
+                <a:extLst>
+                  <a:ext uri="{FF2B5EF4-FFF2-40B4-BE49-F238E27FC236}">
+                    <a16:creationId xmlns:a16="http://schemas.microsoft.com/office/drawing/2014/main" id="{0D864CA0-C4AB-3E7A-8EA9-43570952FAF9}"/>
+                  </a:ext>
+                </a:extLst>
+              </p:cNvPr>
+              <p:cNvSpPr txBox="1">
+                <a:spLocks noRot="1" noChangeAspect="1" noMove="1" noResize="1" noEditPoints="1" noAdjustHandles="1" noChangeArrowheads="1" noChangeShapeType="1" noTextEdit="1"/>
+              </p:cNvSpPr>
+              <p:nvPr/>
+            </p:nvSpPr>
+            <p:spPr>
+              <a:xfrm>
+                <a:off x="-2888004" y="492365"/>
+                <a:ext cx="1693155" cy="766235"/>
+              </a:xfrm>
+              <a:prstGeom prst="rect">
+                <a:avLst/>
+              </a:prstGeom>
+              <a:blipFill>
+                <a:blip r:embed="rId18"/>
+                <a:stretch>
+                  <a:fillRect t="-1639"/>
+                </a:stretch>
+              </a:blipFill>
+            </p:spPr>
+            <p:txBody>
+              <a:bodyPr/>
+              <a:lstStyle/>
+              <a:p>
+                <a:r>
+                  <a:rPr lang="en-FI">
+                    <a:noFill/>
+                  </a:rPr>
+                  <a:t> </a:t>
+                </a:r>
+              </a:p>
+            </p:txBody>
+          </p:sp>
+        </mc:Fallback>
+      </mc:AlternateContent>
+      <p:sp>
+        <p:nvSpPr>
+          <p:cNvPr id="52" name="Rounded Rectangle 51">
+            <a:extLst>
+              <a:ext uri="{FF2B5EF4-FFF2-40B4-BE49-F238E27FC236}">
+                <a16:creationId xmlns:a16="http://schemas.microsoft.com/office/drawing/2014/main" id="{29DF02B9-B4BB-3690-7F27-877F15E7DD66}"/>
+              </a:ext>
+            </a:extLst>
+          </p:cNvPr>
+          <p:cNvSpPr/>
+          <p:nvPr/>
+        </p:nvSpPr>
+        <p:spPr>
+          <a:xfrm rot="16200000">
+            <a:off x="1782425" y="721239"/>
+            <a:ext cx="583916" cy="2094066"/>
+          </a:xfrm>
+          <a:prstGeom prst="roundRect">
+            <a:avLst/>
+          </a:prstGeom>
+          <a:solidFill>
+            <a:srgbClr val="F9F0FD">
+              <a:alpha val="63137"/>
+            </a:srgbClr>
+          </a:solidFill>
+          <a:ln w="28575">
+            <a:solidFill>
+              <a:srgbClr val="DCB4F5"/>
+            </a:solidFill>
+          </a:ln>
+        </p:spPr>
+        <p:style>
+          <a:lnRef idx="2">
+            <a:schemeClr val="accent1">
+              <a:shade val="50000"/>
+            </a:schemeClr>
+          </a:lnRef>
+          <a:fillRef idx="1">
+            <a:schemeClr val="accent1"/>
+          </a:fillRef>
+          <a:effectRef idx="0">
+            <a:schemeClr val="accent1"/>
+          </a:effectRef>
+          <a:fontRef idx="minor">
+            <a:schemeClr val="lt1"/>
+          </a:fontRef>
+        </p:style>
+        <p:txBody>
+          <a:bodyPr rtlCol="0" anchor="ctr"/>
+          <a:lstStyle/>
+          <a:p>
+            <a:pPr algn="ctr"/>
+            <a:endParaRPr lang="en-FI"/>
+          </a:p>
+        </p:txBody>
+      </p:sp>
+      <p:sp>
+        <p:nvSpPr>
+          <p:cNvPr id="53" name="Rounded Rectangle 52">
+            <a:extLst>
+              <a:ext uri="{FF2B5EF4-FFF2-40B4-BE49-F238E27FC236}">
+                <a16:creationId xmlns:a16="http://schemas.microsoft.com/office/drawing/2014/main" id="{C78E68ED-3118-8E82-13D0-D29CE361FBD8}"/>
+              </a:ext>
+            </a:extLst>
+          </p:cNvPr>
+          <p:cNvSpPr/>
+          <p:nvPr/>
+        </p:nvSpPr>
+        <p:spPr>
+          <a:xfrm rot="16200000">
+            <a:off x="1089496" y="5975294"/>
+            <a:ext cx="1096262" cy="1220554"/>
+          </a:xfrm>
+          <a:prstGeom prst="roundRect">
+            <a:avLst/>
+          </a:prstGeom>
+          <a:solidFill>
+            <a:srgbClr val="F4FAFF"/>
+          </a:solidFill>
+          <a:ln w="28575">
+            <a:solidFill>
+              <a:srgbClr val="A8DBFC"/>
+            </a:solidFill>
+          </a:ln>
+        </p:spPr>
+        <p:style>
+          <a:lnRef idx="2">
+            <a:schemeClr val="accent1">
+              <a:shade val="50000"/>
+            </a:schemeClr>
+          </a:lnRef>
+          <a:fillRef idx="1">
+            <a:schemeClr val="accent1"/>
+          </a:fillRef>
+          <a:effectRef idx="0">
+            <a:schemeClr val="accent1"/>
+          </a:effectRef>
+          <a:fontRef idx="minor">
+            <a:schemeClr val="lt1"/>
+          </a:fontRef>
+        </p:style>
+        <p:txBody>
+          <a:bodyPr rtlCol="0" anchor="ctr"/>
+          <a:lstStyle/>
+          <a:p>
+            <a:pPr algn="ctr"/>
+            <a:endParaRPr lang="en-FI"/>
+          </a:p>
+        </p:txBody>
+      </p:sp>
+      <mc:AlternateContent xmlns:mc="http://schemas.openxmlformats.org/markup-compatibility/2006">
+        <mc:Choice xmlns:a14="http://schemas.microsoft.com/office/drawing/2010/main" Requires="a14">
+          <p:sp>
+            <p:nvSpPr>
+              <p:cNvPr id="54" name="TextBox 53">
+                <a:extLst>
+                  <a:ext uri="{FF2B5EF4-FFF2-40B4-BE49-F238E27FC236}">
+                    <a16:creationId xmlns:a16="http://schemas.microsoft.com/office/drawing/2014/main" id="{B328B62C-0A06-8AA5-A0BC-52AC468D3E23}"/>
+                  </a:ext>
+                </a:extLst>
+              </p:cNvPr>
+              <p:cNvSpPr txBox="1"/>
+              <p:nvPr/>
+            </p:nvSpPr>
+            <p:spPr>
+              <a:xfrm>
+                <a:off x="-2437087" y="1078144"/>
+                <a:ext cx="2764430" cy="369332"/>
+              </a:xfrm>
+              <a:prstGeom prst="rect">
+                <a:avLst/>
+              </a:prstGeom>
+              <a:noFill/>
+            </p:spPr>
+            <p:txBody>
+              <a:bodyPr wrap="square">
+                <a:spAutoFit/>
+              </a:bodyPr>
+              <a:lstStyle/>
+              <a:p>
+                <a:pPr/>
+                <a14:m>
+                  <m:oMathPara xmlns:m="http://schemas.openxmlformats.org/officeDocument/2006/math">
+                    <m:oMathParaPr>
+                      <m:jc m:val="centerGroup"/>
+                    </m:oMathParaPr>
+                    <m:oMath xmlns:m="http://schemas.openxmlformats.org/officeDocument/2006/math">
+                      <m:r>
+                        <a:rPr lang="en-US" sz="1800" b="0" i="1" smtClean="0">
+                          <a:solidFill>
+                            <a:schemeClr val="accent1"/>
+                          </a:solidFill>
+                          <a:latin typeface="Cambria Math" panose="02040503050406030204" pitchFamily="18" charset="0"/>
+                        </a:rPr>
+                        <m:t>𝐹𝑖𝑛𝑑</m:t>
+                      </m:r>
+                      <m:r>
+                        <a:rPr lang="en-US" sz="1800" b="0" i="1" smtClean="0">
+                          <a:solidFill>
+                            <a:schemeClr val="accent1"/>
+                          </a:solidFill>
+                          <a:latin typeface="Cambria Math" panose="02040503050406030204" pitchFamily="18" charset="0"/>
+                        </a:rPr>
+                        <m:t> </m:t>
+                      </m:r>
+                      <m:r>
+                        <a:rPr lang="en-US" sz="1800" b="0" i="1" smtClean="0">
+                          <a:solidFill>
+                            <a:schemeClr val="accent1"/>
+                          </a:solidFill>
+                          <a:latin typeface="Cambria Math" panose="02040503050406030204" pitchFamily="18" charset="0"/>
+                        </a:rPr>
+                        <m:t>𝑎</m:t>
+                      </m:r>
+                      <m:r>
+                        <a:rPr lang="en-US" sz="1800" b="0" i="1" smtClean="0">
+                          <a:solidFill>
+                            <a:schemeClr val="accent1"/>
+                          </a:solidFill>
+                          <a:latin typeface="Cambria Math" panose="02040503050406030204" pitchFamily="18" charset="0"/>
+                        </a:rPr>
+                        <m:t> </m:t>
+                      </m:r>
+                      <m:r>
+                        <a:rPr lang="en-US" sz="1800" b="0" i="1" smtClean="0">
+                          <a:solidFill>
+                            <a:schemeClr val="accent1"/>
+                          </a:solidFill>
+                          <a:latin typeface="Cambria Math" panose="02040503050406030204" pitchFamily="18" charset="0"/>
+                        </a:rPr>
+                        <m:t>𝑐h𝑎𝑖𝑛</m:t>
+                      </m:r>
+                      <m:r>
+                        <a:rPr lang="en-US" sz="1800" b="0" i="1" smtClean="0">
+                          <a:solidFill>
+                            <a:schemeClr val="accent1"/>
+                          </a:solidFill>
+                          <a:latin typeface="Cambria Math" panose="02040503050406030204" pitchFamily="18" charset="0"/>
+                        </a:rPr>
+                        <m:t> </m:t>
+                      </m:r>
+                      <m:r>
+                        <a:rPr lang="en-US" sz="1800" b="0" i="1" smtClean="0">
+                          <a:solidFill>
+                            <a:schemeClr val="accent1"/>
+                          </a:solidFill>
+                          <a:latin typeface="Cambria Math" panose="02040503050406030204" pitchFamily="18" charset="0"/>
+                        </a:rPr>
+                        <m:t>𝑟𝑢𝑙𝑒</m:t>
+                      </m:r>
+                      <m:r>
+                        <a:rPr lang="en-US" sz="1800" b="0" i="1" smtClean="0">
+                          <a:solidFill>
+                            <a:schemeClr val="accent1"/>
+                          </a:solidFill>
+                          <a:latin typeface="Cambria Math" panose="02040503050406030204" pitchFamily="18" charset="0"/>
+                        </a:rPr>
+                        <m:t> </m:t>
+                      </m:r>
+                      <m:r>
+                        <a:rPr lang="en-US" sz="1800" b="0" i="1" smtClean="0">
+                          <a:solidFill>
+                            <a:schemeClr val="accent1"/>
+                          </a:solidFill>
+                          <a:latin typeface="Cambria Math" panose="02040503050406030204" pitchFamily="18" charset="0"/>
+                        </a:rPr>
+                        <m:t>𝑒𝑥𝑝𝑎𝑛𝑠𝑖𝑜𝑛</m:t>
+                      </m:r>
+                    </m:oMath>
+                  </m:oMathPara>
+                </a14:m>
+                <a:endParaRPr lang="en-FI" dirty="0">
+                  <a:solidFill>
+                    <a:schemeClr val="accent1"/>
+                  </a:solidFill>
+                </a:endParaRPr>
+              </a:p>
+            </p:txBody>
+          </p:sp>
+        </mc:Choice>
+        <mc:Fallback>
+          <p:sp>
+            <p:nvSpPr>
+              <p:cNvPr id="54" name="TextBox 53">
+                <a:extLst>
+                  <a:ext uri="{FF2B5EF4-FFF2-40B4-BE49-F238E27FC236}">
+                    <a16:creationId xmlns:a16="http://schemas.microsoft.com/office/drawing/2014/main" id="{B328B62C-0A06-8AA5-A0BC-52AC468D3E23}"/>
+                  </a:ext>
+                </a:extLst>
+              </p:cNvPr>
+              <p:cNvSpPr txBox="1">
+                <a:spLocks noRot="1" noChangeAspect="1" noMove="1" noResize="1" noEditPoints="1" noAdjustHandles="1" noChangeArrowheads="1" noChangeShapeType="1" noTextEdit="1"/>
+              </p:cNvSpPr>
+              <p:nvPr/>
+            </p:nvSpPr>
+            <p:spPr>
+              <a:xfrm>
+                <a:off x="-2437087" y="1078144"/>
+                <a:ext cx="2764430" cy="369332"/>
+              </a:xfrm>
+              <a:prstGeom prst="rect">
+                <a:avLst/>
+              </a:prstGeom>
+              <a:blipFill>
+                <a:blip r:embed="rId19"/>
+                <a:stretch>
+                  <a:fillRect r="-11009" b="-16667"/>
+                </a:stretch>
+              </a:blipFill>
+            </p:spPr>
+            <p:txBody>
+              <a:bodyPr/>
+              <a:lstStyle/>
+              <a:p>
+                <a:r>
+                  <a:rPr lang="en-FI">
+                    <a:noFill/>
+                  </a:rPr>
+                  <a:t> </a:t>
+                </a:r>
+              </a:p>
+            </p:txBody>
+          </p:sp>
+        </mc:Fallback>
+      </mc:AlternateContent>
+      <mc:AlternateContent xmlns:mc="http://schemas.openxmlformats.org/markup-compatibility/2006">
+        <mc:Choice xmlns:a14="http://schemas.microsoft.com/office/drawing/2010/main" Requires="a14">
+          <p:sp>
+            <p:nvSpPr>
+              <p:cNvPr id="55" name="TextBox 54">
+                <a:extLst>
+                  <a:ext uri="{FF2B5EF4-FFF2-40B4-BE49-F238E27FC236}">
+                    <a16:creationId xmlns:a16="http://schemas.microsoft.com/office/drawing/2014/main" id="{5DB100E2-41E4-5006-E216-800A68AA1B23}"/>
+                  </a:ext>
+                </a:extLst>
+              </p:cNvPr>
+              <p:cNvSpPr txBox="1"/>
+              <p:nvPr/>
+            </p:nvSpPr>
+            <p:spPr>
+              <a:xfrm>
+                <a:off x="-1070715" y="1538709"/>
+                <a:ext cx="5361211" cy="1043042"/>
+              </a:xfrm>
+              <a:prstGeom prst="rect">
+                <a:avLst/>
+              </a:prstGeom>
+              <a:noFill/>
+            </p:spPr>
+            <p:txBody>
+              <a:bodyPr wrap="none" lIns="0" tIns="0" rIns="0" bIns="0" rtlCol="0">
+                <a:spAutoFit/>
+              </a:bodyPr>
+              <a:lstStyle/>
+              <a:p>
+                <a14:m>
+                  <m:oMathPara xmlns:m="http://schemas.openxmlformats.org/officeDocument/2006/math">
+                    <m:oMathParaPr>
+                      <m:jc m:val="centerGroup"/>
+                    </m:oMathParaPr>
+                    <m:oMath xmlns:m="http://schemas.openxmlformats.org/officeDocument/2006/math">
+                      <m:r>
+                        <a:rPr lang="en-US" sz="3200" i="1">
+                          <a:solidFill>
+                            <a:schemeClr val="tx1">
+                              <a:lumMod val="65000"/>
+                              <a:lumOff val="35000"/>
+                            </a:schemeClr>
+                          </a:solidFill>
+                          <a:latin typeface="Cambria Math" panose="02040503050406030204" pitchFamily="18" charset="0"/>
+                        </a:rPr>
+                        <m:t>𝑃</m:t>
+                      </m:r>
+                      <m:d>
+                        <m:dPr>
+                          <m:ctrlPr>
+                            <a:rPr lang="en-US" sz="3200" b="0" i="1" smtClean="0">
+                              <a:solidFill>
+                                <a:schemeClr val="tx1">
+                                  <a:lumMod val="65000"/>
+                                  <a:lumOff val="35000"/>
+                                </a:schemeClr>
+                              </a:solidFill>
+                              <a:latin typeface="Cambria Math" panose="02040503050406030204" pitchFamily="18" charset="0"/>
+                            </a:rPr>
+                          </m:ctrlPr>
+                        </m:dPr>
+                        <m:e>
+                          <m:r>
+                            <a:rPr lang="en-US" sz="3200" b="0" i="1" smtClean="0">
+                              <a:solidFill>
+                                <a:schemeClr val="tx1">
+                                  <a:lumMod val="65000"/>
+                                  <a:lumOff val="35000"/>
+                                </a:schemeClr>
+                              </a:solidFill>
+                              <a:latin typeface="Cambria Math" panose="02040503050406030204" pitchFamily="18" charset="0"/>
+                            </a:rPr>
+                            <m:t>𝑎</m:t>
+                          </m:r>
+                          <m:r>
+                            <a:rPr lang="en-US" sz="3200" b="0" i="1" smtClean="0">
+                              <a:solidFill>
+                                <a:schemeClr val="tx1">
+                                  <a:lumMod val="65000"/>
+                                  <a:lumOff val="35000"/>
+                                </a:schemeClr>
+                              </a:solidFill>
+                              <a:latin typeface="Cambria Math" panose="02040503050406030204" pitchFamily="18" charset="0"/>
+                            </a:rPr>
+                            <m:t>,</m:t>
+                          </m:r>
+                          <m:r>
+                            <a:rPr lang="en-US" sz="3200" b="0" i="1" smtClean="0">
+                              <a:solidFill>
+                                <a:schemeClr val="tx1">
+                                  <a:lumMod val="65000"/>
+                                  <a:lumOff val="35000"/>
+                                </a:schemeClr>
+                              </a:solidFill>
+                              <a:latin typeface="Cambria Math" panose="02040503050406030204" pitchFamily="18" charset="0"/>
+                            </a:rPr>
+                            <m:t>𝑏</m:t>
+                          </m:r>
+                        </m:e>
+                        <m:e>
+                          <m:r>
+                            <a:rPr lang="en-US" sz="3200" b="0" i="1" smtClean="0">
+                              <a:solidFill>
+                                <a:schemeClr val="tx1">
+                                  <a:lumMod val="65000"/>
+                                  <a:lumOff val="35000"/>
+                                </a:schemeClr>
+                              </a:solidFill>
+                              <a:latin typeface="Cambria Math" panose="02040503050406030204" pitchFamily="18" charset="0"/>
+                            </a:rPr>
+                            <m:t>𝑐</m:t>
+                          </m:r>
+                        </m:e>
+                      </m:d>
+                      <m:r>
+                        <a:rPr lang="en-US" sz="3200" b="0" i="1" smtClean="0">
+                          <a:solidFill>
+                            <a:schemeClr val="tx1">
+                              <a:lumMod val="65000"/>
+                              <a:lumOff val="35000"/>
+                            </a:schemeClr>
+                          </a:solidFill>
+                          <a:latin typeface="Cambria Math" panose="02040503050406030204" pitchFamily="18" charset="0"/>
+                        </a:rPr>
+                        <m:t>=</m:t>
+                      </m:r>
+                      <m:f>
+                        <m:fPr>
+                          <m:ctrlPr>
+                            <a:rPr lang="en-US" sz="3200" b="0" i="1" smtClean="0">
+                              <a:solidFill>
+                                <a:schemeClr val="tx1">
+                                  <a:lumMod val="65000"/>
+                                  <a:lumOff val="35000"/>
+                                </a:schemeClr>
+                              </a:solidFill>
+                              <a:latin typeface="Cambria Math" panose="02040503050406030204" pitchFamily="18" charset="0"/>
+                            </a:rPr>
+                          </m:ctrlPr>
+                        </m:fPr>
+                        <m:num>
+                          <m:r>
+                            <a:rPr lang="en-US" sz="3200" b="1" i="1" smtClean="0">
+                              <a:solidFill>
+                                <a:srgbClr val="7030A0"/>
+                              </a:solidFill>
+                              <a:latin typeface="Cambria Math" panose="02040503050406030204" pitchFamily="18" charset="0"/>
+                            </a:rPr>
+                            <m:t>𝒑</m:t>
+                          </m:r>
+                          <m:d>
+                            <m:dPr>
+                              <m:ctrlPr>
+                                <a:rPr lang="en-US" sz="3200" b="1" i="1">
+                                  <a:solidFill>
+                                    <a:srgbClr val="7030A0"/>
+                                  </a:solidFill>
+                                  <a:latin typeface="Cambria Math" panose="02040503050406030204" pitchFamily="18" charset="0"/>
+                                </a:rPr>
+                              </m:ctrlPr>
+                            </m:dPr>
+                            <m:e>
+                              <m:r>
+                                <a:rPr lang="en-US" sz="3200" b="1" i="1">
+                                  <a:solidFill>
+                                    <a:srgbClr val="7030A0"/>
+                                  </a:solidFill>
+                                  <a:latin typeface="Cambria Math" panose="02040503050406030204" pitchFamily="18" charset="0"/>
+                                </a:rPr>
+                                <m:t>𝒂</m:t>
+                              </m:r>
+                            </m:e>
+                          </m:d>
+                          <m:r>
+                            <a:rPr lang="en-US" sz="3200" b="1" i="1">
+                              <a:solidFill>
+                                <a:srgbClr val="7030A0"/>
+                              </a:solidFill>
+                              <a:latin typeface="Cambria Math" panose="02040503050406030204" pitchFamily="18" charset="0"/>
+                            </a:rPr>
+                            <m:t>𝒑</m:t>
+                          </m:r>
+                          <m:d>
+                            <m:dPr>
+                              <m:ctrlPr>
+                                <a:rPr lang="en-US" sz="3200" b="1" i="1">
+                                  <a:solidFill>
+                                    <a:srgbClr val="7030A0"/>
+                                  </a:solidFill>
+                                  <a:latin typeface="Cambria Math" panose="02040503050406030204" pitchFamily="18" charset="0"/>
+                                </a:rPr>
+                              </m:ctrlPr>
+                            </m:dPr>
+                            <m:e>
+                              <m:r>
+                                <a:rPr lang="en-US" sz="3200" b="1" i="1">
+                                  <a:solidFill>
+                                    <a:srgbClr val="7030A0"/>
+                                  </a:solidFill>
+                                  <a:latin typeface="Cambria Math" panose="02040503050406030204" pitchFamily="18" charset="0"/>
+                                </a:rPr>
+                                <m:t>𝒄</m:t>
+                              </m:r>
+                            </m:e>
+                            <m:e>
+                              <m:r>
+                                <a:rPr lang="en-US" sz="3200" b="1" i="1">
+                                  <a:solidFill>
+                                    <a:srgbClr val="7030A0"/>
+                                  </a:solidFill>
+                                  <a:latin typeface="Cambria Math" panose="02040503050406030204" pitchFamily="18" charset="0"/>
+                                </a:rPr>
+                                <m:t>𝒂</m:t>
+                              </m:r>
+                            </m:e>
+                          </m:d>
+                          <m:r>
+                            <a:rPr lang="en-US" sz="3200" i="1">
+                              <a:solidFill>
+                                <a:schemeClr val="tx1">
+                                  <a:lumMod val="65000"/>
+                                  <a:lumOff val="35000"/>
+                                </a:schemeClr>
+                              </a:solidFill>
+                              <a:latin typeface="Cambria Math" panose="02040503050406030204" pitchFamily="18" charset="0"/>
+                            </a:rPr>
+                            <m:t>𝑝</m:t>
+                          </m:r>
+                          <m:r>
+                            <a:rPr lang="en-US" sz="3200" i="1">
+                              <a:solidFill>
+                                <a:schemeClr val="tx1">
+                                  <a:lumMod val="65000"/>
+                                  <a:lumOff val="35000"/>
+                                </a:schemeClr>
+                              </a:solidFill>
+                              <a:latin typeface="Cambria Math" panose="02040503050406030204" pitchFamily="18" charset="0"/>
+                            </a:rPr>
+                            <m:t>(</m:t>
+                          </m:r>
+                          <m:r>
+                            <a:rPr lang="en-US" sz="3200" i="1">
+                              <a:solidFill>
+                                <a:schemeClr val="tx1">
+                                  <a:lumMod val="65000"/>
+                                  <a:lumOff val="35000"/>
+                                </a:schemeClr>
+                              </a:solidFill>
+                              <a:latin typeface="Cambria Math" panose="02040503050406030204" pitchFamily="18" charset="0"/>
+                            </a:rPr>
+                            <m:t>𝑏</m:t>
+                          </m:r>
+                          <m:r>
+                            <a:rPr lang="en-US" sz="3200" i="1">
+                              <a:solidFill>
+                                <a:schemeClr val="tx1">
+                                  <a:lumMod val="65000"/>
+                                  <a:lumOff val="35000"/>
+                                </a:schemeClr>
+                              </a:solidFill>
+                              <a:latin typeface="Cambria Math" panose="02040503050406030204" pitchFamily="18" charset="0"/>
+                            </a:rPr>
+                            <m:t>|</m:t>
+                          </m:r>
+                          <m:r>
+                            <a:rPr lang="en-US" sz="3200" i="1">
+                              <a:solidFill>
+                                <a:schemeClr val="tx1">
+                                  <a:lumMod val="65000"/>
+                                  <a:lumOff val="35000"/>
+                                </a:schemeClr>
+                              </a:solidFill>
+                              <a:latin typeface="Cambria Math" panose="02040503050406030204" pitchFamily="18" charset="0"/>
+                            </a:rPr>
+                            <m:t>𝑐</m:t>
+                          </m:r>
+                          <m:r>
+                            <a:rPr lang="en-US" sz="3200" i="1">
+                              <a:solidFill>
+                                <a:schemeClr val="tx1">
+                                  <a:lumMod val="65000"/>
+                                  <a:lumOff val="35000"/>
+                                </a:schemeClr>
+                              </a:solidFill>
+                              <a:latin typeface="Cambria Math" panose="02040503050406030204" pitchFamily="18" charset="0"/>
+                            </a:rPr>
+                            <m:t>)</m:t>
+                          </m:r>
+                        </m:num>
+                        <m:den>
+                          <m:r>
+                            <a:rPr lang="en-US" sz="3200" b="0" i="1" smtClean="0">
+                              <a:solidFill>
+                                <a:schemeClr val="tx1">
+                                  <a:lumMod val="65000"/>
+                                  <a:lumOff val="35000"/>
+                                </a:schemeClr>
+                              </a:solidFill>
+                              <a:latin typeface="Cambria Math" panose="02040503050406030204" pitchFamily="18" charset="0"/>
+                            </a:rPr>
+                            <m:t>𝑝</m:t>
+                          </m:r>
+                          <m:r>
+                            <a:rPr lang="en-US" sz="3200" b="0" i="1" smtClean="0">
+                              <a:solidFill>
+                                <a:schemeClr val="tx1">
+                                  <a:lumMod val="65000"/>
+                                  <a:lumOff val="35000"/>
+                                </a:schemeClr>
+                              </a:solidFill>
+                              <a:latin typeface="Cambria Math" panose="02040503050406030204" pitchFamily="18" charset="0"/>
+                            </a:rPr>
+                            <m:t>(</m:t>
+                          </m:r>
+                          <m:r>
+                            <a:rPr lang="en-US" sz="3200" b="0" i="1" smtClean="0">
+                              <a:solidFill>
+                                <a:schemeClr val="tx1">
+                                  <a:lumMod val="65000"/>
+                                  <a:lumOff val="35000"/>
+                                </a:schemeClr>
+                              </a:solidFill>
+                              <a:latin typeface="Cambria Math" panose="02040503050406030204" pitchFamily="18" charset="0"/>
+                            </a:rPr>
+                            <m:t>𝑐</m:t>
+                          </m:r>
+                          <m:r>
+                            <a:rPr lang="en-US" sz="3200" b="0" i="1" smtClean="0">
+                              <a:solidFill>
+                                <a:schemeClr val="tx1">
+                                  <a:lumMod val="65000"/>
+                                  <a:lumOff val="35000"/>
+                                </a:schemeClr>
+                              </a:solidFill>
+                              <a:latin typeface="Cambria Math" panose="02040503050406030204" pitchFamily="18" charset="0"/>
+                            </a:rPr>
+                            <m:t>)</m:t>
+                          </m:r>
+                        </m:den>
+                      </m:f>
+                    </m:oMath>
+                  </m:oMathPara>
+                </a14:m>
+                <a:endParaRPr lang="en-FI" sz="3200" dirty="0">
+                  <a:solidFill>
+                    <a:schemeClr val="tx1">
+                      <a:lumMod val="65000"/>
+                      <a:lumOff val="35000"/>
+                    </a:schemeClr>
+                  </a:solidFill>
+                </a:endParaRPr>
+              </a:p>
+            </p:txBody>
+          </p:sp>
+        </mc:Choice>
+        <mc:Fallback>
+          <p:sp>
+            <p:nvSpPr>
+              <p:cNvPr id="55" name="TextBox 54">
+                <a:extLst>
+                  <a:ext uri="{FF2B5EF4-FFF2-40B4-BE49-F238E27FC236}">
+                    <a16:creationId xmlns:a16="http://schemas.microsoft.com/office/drawing/2014/main" id="{5DB100E2-41E4-5006-E216-800A68AA1B23}"/>
+                  </a:ext>
+                </a:extLst>
+              </p:cNvPr>
+              <p:cNvSpPr txBox="1">
+                <a:spLocks noRot="1" noChangeAspect="1" noMove="1" noResize="1" noEditPoints="1" noAdjustHandles="1" noChangeArrowheads="1" noChangeShapeType="1" noTextEdit="1"/>
+              </p:cNvSpPr>
+              <p:nvPr/>
+            </p:nvSpPr>
+            <p:spPr>
+              <a:xfrm>
+                <a:off x="-1070715" y="1538709"/>
+                <a:ext cx="5361211" cy="1043042"/>
+              </a:xfrm>
+              <a:prstGeom prst="rect">
+                <a:avLst/>
+              </a:prstGeom>
+              <a:blipFill>
+                <a:blip r:embed="rId20"/>
+                <a:stretch>
+                  <a:fillRect l="-1182" r="-2364" b="-16667"/>
+                </a:stretch>
+              </a:blipFill>
+            </p:spPr>
+            <p:txBody>
+              <a:bodyPr/>
+              <a:lstStyle/>
+              <a:p>
+                <a:r>
+                  <a:rPr lang="en-FI">
+                    <a:noFill/>
+                  </a:rPr>
+                  <a:t> </a:t>
+                </a:r>
+              </a:p>
+            </p:txBody>
+          </p:sp>
+        </mc:Fallback>
+      </mc:AlternateContent>
+      <p:sp>
+        <p:nvSpPr>
+          <p:cNvPr id="57" name="Rounded Rectangle 56">
+            <a:extLst>
+              <a:ext uri="{FF2B5EF4-FFF2-40B4-BE49-F238E27FC236}">
+                <a16:creationId xmlns:a16="http://schemas.microsoft.com/office/drawing/2014/main" id="{209A2631-EA1F-A032-B2F0-20EA822BE8D1}"/>
+              </a:ext>
+            </a:extLst>
+          </p:cNvPr>
+          <p:cNvSpPr/>
+          <p:nvPr/>
+        </p:nvSpPr>
+        <p:spPr>
+          <a:xfrm rot="16200000">
+            <a:off x="1376867" y="2557965"/>
+            <a:ext cx="521519" cy="1220550"/>
+          </a:xfrm>
+          <a:prstGeom prst="roundRect">
+            <a:avLst/>
+          </a:prstGeom>
+          <a:solidFill>
+            <a:srgbClr val="F9F0FD">
+              <a:alpha val="63137"/>
+            </a:srgbClr>
+          </a:solidFill>
+          <a:ln w="28575">
+            <a:solidFill>
+              <a:srgbClr val="DCB4F5"/>
+            </a:solidFill>
+          </a:ln>
+        </p:spPr>
+        <p:style>
+          <a:lnRef idx="2">
+            <a:schemeClr val="accent1">
+              <a:shade val="50000"/>
+            </a:schemeClr>
+          </a:lnRef>
+          <a:fillRef idx="1">
+            <a:schemeClr val="accent1"/>
+          </a:fillRef>
+          <a:effectRef idx="0">
+            <a:schemeClr val="accent1"/>
+          </a:effectRef>
+          <a:fontRef idx="minor">
+            <a:schemeClr val="lt1"/>
+          </a:fontRef>
+        </p:style>
+        <p:txBody>
+          <a:bodyPr rtlCol="0" anchor="ctr"/>
+          <a:lstStyle/>
+          <a:p>
+            <a:pPr algn="ctr"/>
+            <a:endParaRPr lang="en-FI"/>
+          </a:p>
+        </p:txBody>
+      </p:sp>
+      <mc:AlternateContent xmlns:mc="http://schemas.openxmlformats.org/markup-compatibility/2006">
+        <mc:Choice xmlns:a14="http://schemas.microsoft.com/office/drawing/2010/main" Requires="a14">
+          <p:sp>
+            <p:nvSpPr>
+              <p:cNvPr id="56" name="TextBox 55">
+                <a:extLst>
+                  <a:ext uri="{FF2B5EF4-FFF2-40B4-BE49-F238E27FC236}">
+                    <a16:creationId xmlns:a16="http://schemas.microsoft.com/office/drawing/2014/main" id="{0CABDF12-EDD6-28DB-54B9-CE3D8AE466CE}"/>
+                  </a:ext>
+                </a:extLst>
+              </p:cNvPr>
+              <p:cNvSpPr txBox="1"/>
+              <p:nvPr/>
+            </p:nvSpPr>
+            <p:spPr>
+              <a:xfrm>
+                <a:off x="627638" y="2907479"/>
+                <a:ext cx="2860014" cy="1043042"/>
+              </a:xfrm>
+              <a:prstGeom prst="rect">
+                <a:avLst/>
+              </a:prstGeom>
+              <a:noFill/>
+            </p:spPr>
+            <p:txBody>
+              <a:bodyPr wrap="none" lIns="0" tIns="0" rIns="0" bIns="0" rtlCol="0">
+                <a:spAutoFit/>
+              </a:bodyPr>
+              <a:lstStyle/>
+              <a:p>
+                <a14:m>
+                  <m:oMathPara xmlns:m="http://schemas.openxmlformats.org/officeDocument/2006/math">
+                    <m:oMathParaPr>
+                      <m:jc m:val="centerGroup"/>
+                    </m:oMathParaPr>
+                    <m:oMath xmlns:m="http://schemas.openxmlformats.org/officeDocument/2006/math">
+                      <m:r>
+                        <a:rPr lang="en-US" sz="3200" b="0" i="1" smtClean="0">
+                          <a:solidFill>
+                            <a:schemeClr val="tx1">
+                              <a:lumMod val="65000"/>
+                              <a:lumOff val="35000"/>
+                            </a:schemeClr>
+                          </a:solidFill>
+                          <a:latin typeface="Cambria Math" panose="02040503050406030204" pitchFamily="18" charset="0"/>
+                        </a:rPr>
+                        <m:t>=</m:t>
+                      </m:r>
+                      <m:f>
+                        <m:fPr>
+                          <m:ctrlPr>
+                            <a:rPr lang="en-US" sz="3200" b="0" i="1" smtClean="0">
+                              <a:solidFill>
+                                <a:schemeClr val="tx1">
+                                  <a:lumMod val="65000"/>
+                                  <a:lumOff val="35000"/>
+                                </a:schemeClr>
+                              </a:solidFill>
+                              <a:latin typeface="Cambria Math" panose="02040503050406030204" pitchFamily="18" charset="0"/>
+                            </a:rPr>
+                          </m:ctrlPr>
+                        </m:fPr>
+                        <m:num>
+                          <m:r>
+                            <a:rPr lang="en-US" sz="3200" b="1" i="1" smtClean="0">
+                              <a:solidFill>
+                                <a:srgbClr val="7030A0"/>
+                              </a:solidFill>
+                              <a:latin typeface="Cambria Math" panose="02040503050406030204" pitchFamily="18" charset="0"/>
+                            </a:rPr>
+                            <m:t>𝒑</m:t>
+                          </m:r>
+                          <m:d>
+                            <m:dPr>
+                              <m:ctrlPr>
+                                <a:rPr lang="en-US" sz="3200" b="1" i="1">
+                                  <a:solidFill>
+                                    <a:srgbClr val="7030A0"/>
+                                  </a:solidFill>
+                                  <a:latin typeface="Cambria Math" panose="02040503050406030204" pitchFamily="18" charset="0"/>
+                                </a:rPr>
+                              </m:ctrlPr>
+                            </m:dPr>
+                            <m:e>
+                              <m:r>
+                                <a:rPr lang="en-US" sz="3200" b="1" i="1">
+                                  <a:solidFill>
+                                    <a:srgbClr val="7030A0"/>
+                                  </a:solidFill>
+                                  <a:latin typeface="Cambria Math" panose="02040503050406030204" pitchFamily="18" charset="0"/>
+                                </a:rPr>
+                                <m:t>𝒂</m:t>
+                              </m:r>
+                              <m:r>
+                                <a:rPr lang="en-US" sz="3200" b="1" i="1" smtClean="0">
+                                  <a:solidFill>
+                                    <a:srgbClr val="7030A0"/>
+                                  </a:solidFill>
+                                  <a:latin typeface="Cambria Math" panose="02040503050406030204" pitchFamily="18" charset="0"/>
+                                </a:rPr>
+                                <m:t>,</m:t>
+                              </m:r>
+                              <m:r>
+                                <a:rPr lang="en-US" sz="3200" b="1" i="1" smtClean="0">
+                                  <a:solidFill>
+                                    <a:srgbClr val="7030A0"/>
+                                  </a:solidFill>
+                                  <a:latin typeface="Cambria Math" panose="02040503050406030204" pitchFamily="18" charset="0"/>
+                                </a:rPr>
+                                <m:t>𝒄</m:t>
+                              </m:r>
+                            </m:e>
+                          </m:d>
+                          <m:r>
+                            <a:rPr lang="en-US" sz="3200" i="1">
+                              <a:solidFill>
+                                <a:schemeClr val="tx1">
+                                  <a:lumMod val="65000"/>
+                                  <a:lumOff val="35000"/>
+                                </a:schemeClr>
+                              </a:solidFill>
+                              <a:latin typeface="Cambria Math" panose="02040503050406030204" pitchFamily="18" charset="0"/>
+                            </a:rPr>
+                            <m:t>𝑝</m:t>
+                          </m:r>
+                          <m:r>
+                            <a:rPr lang="en-US" sz="3200" i="1">
+                              <a:solidFill>
+                                <a:schemeClr val="tx1">
+                                  <a:lumMod val="65000"/>
+                                  <a:lumOff val="35000"/>
+                                </a:schemeClr>
+                              </a:solidFill>
+                              <a:latin typeface="Cambria Math" panose="02040503050406030204" pitchFamily="18" charset="0"/>
+                            </a:rPr>
+                            <m:t>(</m:t>
+                          </m:r>
+                          <m:r>
+                            <a:rPr lang="en-US" sz="3200" i="1">
+                              <a:solidFill>
+                                <a:schemeClr val="tx1">
+                                  <a:lumMod val="65000"/>
+                                  <a:lumOff val="35000"/>
+                                </a:schemeClr>
+                              </a:solidFill>
+                              <a:latin typeface="Cambria Math" panose="02040503050406030204" pitchFamily="18" charset="0"/>
+                            </a:rPr>
+                            <m:t>𝑏</m:t>
+                          </m:r>
+                          <m:r>
+                            <a:rPr lang="en-US" sz="3200" i="1">
+                              <a:solidFill>
+                                <a:schemeClr val="tx1">
+                                  <a:lumMod val="65000"/>
+                                  <a:lumOff val="35000"/>
+                                </a:schemeClr>
+                              </a:solidFill>
+                              <a:latin typeface="Cambria Math" panose="02040503050406030204" pitchFamily="18" charset="0"/>
+                            </a:rPr>
+                            <m:t>|</m:t>
+                          </m:r>
+                          <m:r>
+                            <a:rPr lang="en-US" sz="3200" i="1">
+                              <a:solidFill>
+                                <a:schemeClr val="tx1">
+                                  <a:lumMod val="65000"/>
+                                  <a:lumOff val="35000"/>
+                                </a:schemeClr>
+                              </a:solidFill>
+                              <a:latin typeface="Cambria Math" panose="02040503050406030204" pitchFamily="18" charset="0"/>
+                            </a:rPr>
+                            <m:t>𝑐</m:t>
+                          </m:r>
+                          <m:r>
+                            <a:rPr lang="en-US" sz="3200" i="1">
+                              <a:solidFill>
+                                <a:schemeClr val="tx1">
+                                  <a:lumMod val="65000"/>
+                                  <a:lumOff val="35000"/>
+                                </a:schemeClr>
+                              </a:solidFill>
+                              <a:latin typeface="Cambria Math" panose="02040503050406030204" pitchFamily="18" charset="0"/>
+                            </a:rPr>
+                            <m:t>)</m:t>
+                          </m:r>
+                        </m:num>
+                        <m:den>
+                          <m:r>
+                            <a:rPr lang="en-US" sz="3200" b="0" i="1" smtClean="0">
+                              <a:solidFill>
+                                <a:schemeClr val="tx1">
+                                  <a:lumMod val="65000"/>
+                                  <a:lumOff val="35000"/>
+                                </a:schemeClr>
+                              </a:solidFill>
+                              <a:latin typeface="Cambria Math" panose="02040503050406030204" pitchFamily="18" charset="0"/>
+                            </a:rPr>
+                            <m:t>𝑝</m:t>
+                          </m:r>
+                          <m:r>
+                            <a:rPr lang="en-US" sz="3200" b="0" i="1" smtClean="0">
+                              <a:solidFill>
+                                <a:schemeClr val="tx1">
+                                  <a:lumMod val="65000"/>
+                                  <a:lumOff val="35000"/>
+                                </a:schemeClr>
+                              </a:solidFill>
+                              <a:latin typeface="Cambria Math" panose="02040503050406030204" pitchFamily="18" charset="0"/>
+                            </a:rPr>
+                            <m:t>(</m:t>
+                          </m:r>
+                          <m:r>
+                            <a:rPr lang="en-US" sz="3200" b="0" i="1" smtClean="0">
+                              <a:solidFill>
+                                <a:schemeClr val="tx1">
+                                  <a:lumMod val="65000"/>
+                                  <a:lumOff val="35000"/>
+                                </a:schemeClr>
+                              </a:solidFill>
+                              <a:latin typeface="Cambria Math" panose="02040503050406030204" pitchFamily="18" charset="0"/>
+                            </a:rPr>
+                            <m:t>𝑐</m:t>
+                          </m:r>
+                          <m:r>
+                            <a:rPr lang="en-US" sz="3200" b="0" i="1" smtClean="0">
+                              <a:solidFill>
+                                <a:schemeClr val="tx1">
+                                  <a:lumMod val="65000"/>
+                                  <a:lumOff val="35000"/>
+                                </a:schemeClr>
+                              </a:solidFill>
+                              <a:latin typeface="Cambria Math" panose="02040503050406030204" pitchFamily="18" charset="0"/>
+                            </a:rPr>
+                            <m:t>)</m:t>
+                          </m:r>
+                        </m:den>
+                      </m:f>
+                    </m:oMath>
+                  </m:oMathPara>
+                </a14:m>
+                <a:endParaRPr lang="en-FI" sz="3200" dirty="0">
+                  <a:solidFill>
+                    <a:schemeClr val="tx1">
+                      <a:lumMod val="65000"/>
+                      <a:lumOff val="35000"/>
+                    </a:schemeClr>
+                  </a:solidFill>
+                </a:endParaRPr>
+              </a:p>
+            </p:txBody>
+          </p:sp>
+        </mc:Choice>
+        <mc:Fallback>
+          <p:sp>
+            <p:nvSpPr>
+              <p:cNvPr id="56" name="TextBox 55">
+                <a:extLst>
+                  <a:ext uri="{FF2B5EF4-FFF2-40B4-BE49-F238E27FC236}">
+                    <a16:creationId xmlns:a16="http://schemas.microsoft.com/office/drawing/2014/main" id="{0CABDF12-EDD6-28DB-54B9-CE3D8AE466CE}"/>
+                  </a:ext>
+                </a:extLst>
+              </p:cNvPr>
+              <p:cNvSpPr txBox="1">
+                <a:spLocks noRot="1" noChangeAspect="1" noMove="1" noResize="1" noEditPoints="1" noAdjustHandles="1" noChangeArrowheads="1" noChangeShapeType="1" noTextEdit="1"/>
+              </p:cNvSpPr>
+              <p:nvPr/>
+            </p:nvSpPr>
+            <p:spPr>
+              <a:xfrm>
+                <a:off x="627638" y="2907479"/>
+                <a:ext cx="2860014" cy="1043042"/>
+              </a:xfrm>
+              <a:prstGeom prst="rect">
+                <a:avLst/>
+              </a:prstGeom>
+              <a:blipFill>
+                <a:blip r:embed="rId21"/>
+                <a:stretch>
+                  <a:fillRect l="-885" r="-4425" b="-16667"/>
+                </a:stretch>
+              </a:blipFill>
+            </p:spPr>
+            <p:txBody>
+              <a:bodyPr/>
+              <a:lstStyle/>
+              <a:p>
+                <a:r>
+                  <a:rPr lang="en-FI">
+                    <a:noFill/>
+                  </a:rPr>
+                  <a:t> </a:t>
+                </a:r>
+              </a:p>
+            </p:txBody>
+          </p:sp>
+        </mc:Fallback>
+      </mc:AlternateContent>
+      <mc:AlternateContent xmlns:mc="http://schemas.openxmlformats.org/markup-compatibility/2006">
+        <mc:Choice xmlns:a14="http://schemas.microsoft.com/office/drawing/2010/main" Requires="a14">
+          <p:sp>
+            <p:nvSpPr>
+              <p:cNvPr id="61" name="TextBox 60">
+                <a:extLst>
+                  <a:ext uri="{FF2B5EF4-FFF2-40B4-BE49-F238E27FC236}">
+                    <a16:creationId xmlns:a16="http://schemas.microsoft.com/office/drawing/2014/main" id="{A429BA01-7B37-2E91-85D3-C0DF0F02D1D8}"/>
+                  </a:ext>
+                </a:extLst>
+              </p:cNvPr>
+              <p:cNvSpPr txBox="1"/>
+              <p:nvPr/>
+            </p:nvSpPr>
+            <p:spPr>
+              <a:xfrm rot="17396127">
+                <a:off x="499404" y="1999877"/>
+                <a:ext cx="1693155" cy="1015663"/>
+              </a:xfrm>
+              <a:prstGeom prst="rect">
+                <a:avLst/>
+              </a:prstGeom>
+              <a:noFill/>
+            </p:spPr>
+            <p:txBody>
+              <a:bodyPr wrap="square">
+                <a:spAutoFit/>
+              </a:bodyPr>
+              <a:lstStyle/>
+              <a:p>
+                <a:pPr/>
+                <a14:m>
+                  <m:oMathPara xmlns:m="http://schemas.openxmlformats.org/officeDocument/2006/math">
+                    <m:oMathParaPr>
+                      <m:jc m:val="centerGroup"/>
+                    </m:oMathParaPr>
+                    <m:oMath xmlns:m="http://schemas.openxmlformats.org/officeDocument/2006/math">
+                      <m:r>
+                        <a:rPr lang="en-US" sz="6000" b="0" i="1" smtClean="0">
+                          <a:solidFill>
+                            <a:srgbClr val="7030A0"/>
+                          </a:solidFill>
+                          <a:latin typeface="Cambria Math" panose="02040503050406030204" pitchFamily="18" charset="0"/>
+                        </a:rPr>
+                        <m:t>=</m:t>
+                      </m:r>
+                    </m:oMath>
+                  </m:oMathPara>
+                </a14:m>
+                <a:endParaRPr lang="en-FI" sz="4000" dirty="0">
+                  <a:solidFill>
+                    <a:srgbClr val="7030A0"/>
+                  </a:solidFill>
+                </a:endParaRPr>
+              </a:p>
+            </p:txBody>
+          </p:sp>
+        </mc:Choice>
+        <mc:Fallback>
+          <p:sp>
+            <p:nvSpPr>
+              <p:cNvPr id="61" name="TextBox 60">
+                <a:extLst>
+                  <a:ext uri="{FF2B5EF4-FFF2-40B4-BE49-F238E27FC236}">
+                    <a16:creationId xmlns:a16="http://schemas.microsoft.com/office/drawing/2014/main" id="{A429BA01-7B37-2E91-85D3-C0DF0F02D1D8}"/>
+                  </a:ext>
+                </a:extLst>
+              </p:cNvPr>
+              <p:cNvSpPr txBox="1">
+                <a:spLocks noRot="1" noChangeAspect="1" noMove="1" noResize="1" noEditPoints="1" noAdjustHandles="1" noChangeArrowheads="1" noChangeShapeType="1" noTextEdit="1"/>
+              </p:cNvSpPr>
+              <p:nvPr/>
+            </p:nvSpPr>
+            <p:spPr>
+              <a:xfrm rot="17396127">
+                <a:off x="499404" y="1999877"/>
+                <a:ext cx="1693155" cy="1015663"/>
+              </a:xfrm>
+              <a:prstGeom prst="rect">
+                <a:avLst/>
+              </a:prstGeom>
+              <a:blipFill>
+                <a:blip r:embed="rId22"/>
+                <a:stretch>
+                  <a:fillRect/>
+                </a:stretch>
+              </a:blipFill>
+            </p:spPr>
+            <p:txBody>
+              <a:bodyPr/>
+              <a:lstStyle/>
+              <a:p>
+                <a:r>
+                  <a:rPr lang="en-FI">
+                    <a:noFill/>
+                  </a:rPr>
+                  <a:t> </a:t>
+                </a:r>
+              </a:p>
+            </p:txBody>
+          </p:sp>
+        </mc:Fallback>
+      </mc:AlternateContent>
+      <mc:AlternateContent xmlns:mc="http://schemas.openxmlformats.org/markup-compatibility/2006">
+        <mc:Choice xmlns:a14="http://schemas.microsoft.com/office/drawing/2010/main" Requires="a14">
+          <p:sp>
+            <p:nvSpPr>
+              <p:cNvPr id="63" name="TextBox 62">
+                <a:extLst>
+                  <a:ext uri="{FF2B5EF4-FFF2-40B4-BE49-F238E27FC236}">
+                    <a16:creationId xmlns:a16="http://schemas.microsoft.com/office/drawing/2014/main" id="{D6E9920A-8D28-73D2-1383-3ACC3A966C38}"/>
+                  </a:ext>
+                </a:extLst>
+              </p:cNvPr>
+              <p:cNvSpPr txBox="1"/>
+              <p:nvPr/>
+            </p:nvSpPr>
+            <p:spPr>
+              <a:xfrm>
+                <a:off x="-2748027" y="4281388"/>
+                <a:ext cx="1693155" cy="766235"/>
+              </a:xfrm>
+              <a:prstGeom prst="rect">
+                <a:avLst/>
+              </a:prstGeom>
+              <a:noFill/>
+            </p:spPr>
+            <p:txBody>
+              <a:bodyPr wrap="square">
+                <a:spAutoFit/>
+              </a:bodyPr>
+              <a:lstStyle/>
+              <a:p>
+                <a:pPr/>
+                <a14:m>
+                  <m:oMathPara xmlns:m="http://schemas.openxmlformats.org/officeDocument/2006/math">
+                    <m:oMathParaPr>
+                      <m:jc m:val="centerGroup"/>
+                    </m:oMathParaPr>
+                    <m:oMath xmlns:m="http://schemas.openxmlformats.org/officeDocument/2006/math">
+                      <m:groupChr>
+                        <m:groupChrPr>
+                          <m:chr m:val="→"/>
+                          <m:vertJc m:val="bot"/>
+                          <m:ctrlPr>
+                            <a:rPr lang="en-US" sz="3200" b="1" i="1" smtClean="0">
+                              <a:solidFill>
+                                <a:schemeClr val="accent1"/>
+                              </a:solidFill>
+                              <a:latin typeface="Cambria Math" panose="02040503050406030204" pitchFamily="18" charset="0"/>
+                            </a:rPr>
+                          </m:ctrlPr>
+                        </m:groupChrPr>
+                        <m:e>
+                          <m:r>
+                            <m:rPr>
+                              <m:brk m:alnAt="2"/>
+                            </m:rPr>
+                            <a:rPr lang="en-US" sz="3200" b="1" i="1" smtClean="0">
+                              <a:solidFill>
+                                <a:schemeClr val="accent1"/>
+                              </a:solidFill>
+                              <a:latin typeface="Cambria Math" panose="02040503050406030204" pitchFamily="18" charset="0"/>
+                            </a:rPr>
+                            <m:t>𝑺𝒕𝒆𝒑</m:t>
+                          </m:r>
+                          <m:r>
+                            <a:rPr lang="en-US" sz="3200" b="1" i="1" smtClean="0">
+                              <a:solidFill>
+                                <a:schemeClr val="accent1"/>
+                              </a:solidFill>
+                              <a:latin typeface="Cambria Math" panose="02040503050406030204" pitchFamily="18" charset="0"/>
+                            </a:rPr>
+                            <m:t> </m:t>
+                          </m:r>
+                          <m:r>
+                            <a:rPr lang="en-US" sz="3200" b="1" i="1" smtClean="0">
+                              <a:solidFill>
+                                <a:schemeClr val="accent1"/>
+                              </a:solidFill>
+                              <a:latin typeface="Cambria Math" panose="02040503050406030204" pitchFamily="18" charset="0"/>
+                            </a:rPr>
+                            <m:t>𝟒</m:t>
+                          </m:r>
+                        </m:e>
+                      </m:groupChr>
+                    </m:oMath>
+                  </m:oMathPara>
+                </a14:m>
+                <a:endParaRPr lang="en-FI" sz="3200" b="1" dirty="0">
+                  <a:solidFill>
+                    <a:schemeClr val="accent1"/>
+                  </a:solidFill>
+                </a:endParaRPr>
+              </a:p>
+            </p:txBody>
+          </p:sp>
+        </mc:Choice>
+        <mc:Fallback>
+          <p:sp>
+            <p:nvSpPr>
+              <p:cNvPr id="63" name="TextBox 62">
+                <a:extLst>
+                  <a:ext uri="{FF2B5EF4-FFF2-40B4-BE49-F238E27FC236}">
+                    <a16:creationId xmlns:a16="http://schemas.microsoft.com/office/drawing/2014/main" id="{D6E9920A-8D28-73D2-1383-3ACC3A966C38}"/>
+                  </a:ext>
+                </a:extLst>
+              </p:cNvPr>
+              <p:cNvSpPr txBox="1">
+                <a:spLocks noRot="1" noChangeAspect="1" noMove="1" noResize="1" noEditPoints="1" noAdjustHandles="1" noChangeArrowheads="1" noChangeShapeType="1" noTextEdit="1"/>
+              </p:cNvSpPr>
+              <p:nvPr/>
+            </p:nvSpPr>
+            <p:spPr>
+              <a:xfrm>
+                <a:off x="-2748027" y="4281388"/>
+                <a:ext cx="1693155" cy="766235"/>
+              </a:xfrm>
+              <a:prstGeom prst="rect">
+                <a:avLst/>
+              </a:prstGeom>
+              <a:blipFill>
+                <a:blip r:embed="rId23"/>
+                <a:stretch>
+                  <a:fillRect/>
+                </a:stretch>
+              </a:blipFill>
+            </p:spPr>
+            <p:txBody>
+              <a:bodyPr/>
+              <a:lstStyle/>
+              <a:p>
+                <a:r>
+                  <a:rPr lang="en-FI">
+                    <a:noFill/>
+                  </a:rPr>
+                  <a:t> </a:t>
+                </a:r>
+              </a:p>
+            </p:txBody>
+          </p:sp>
+        </mc:Fallback>
+      </mc:AlternateContent>
+      <mc:AlternateContent xmlns:mc="http://schemas.openxmlformats.org/markup-compatibility/2006">
+        <mc:Choice xmlns:a14="http://schemas.microsoft.com/office/drawing/2010/main" Requires="a14">
+          <p:sp>
+            <p:nvSpPr>
+              <p:cNvPr id="64" name="TextBox 63">
+                <a:extLst>
+                  <a:ext uri="{FF2B5EF4-FFF2-40B4-BE49-F238E27FC236}">
+                    <a16:creationId xmlns:a16="http://schemas.microsoft.com/office/drawing/2014/main" id="{BF36AE54-7349-F6F9-4C9A-43C40626B60E}"/>
+                  </a:ext>
+                </a:extLst>
+              </p:cNvPr>
+              <p:cNvSpPr txBox="1"/>
+              <p:nvPr/>
+            </p:nvSpPr>
+            <p:spPr>
+              <a:xfrm>
+                <a:off x="-2374848" y="4929548"/>
+                <a:ext cx="2764430" cy="646331"/>
+              </a:xfrm>
+              <a:prstGeom prst="rect">
+                <a:avLst/>
+              </a:prstGeom>
+              <a:noFill/>
+            </p:spPr>
+            <p:txBody>
+              <a:bodyPr wrap="square">
+                <a:spAutoFit/>
+              </a:bodyPr>
+              <a:lstStyle/>
+              <a:p>
+                <a:pPr/>
+                <a14:m>
+                  <m:oMathPara xmlns:m="http://schemas.openxmlformats.org/officeDocument/2006/math">
+                    <m:oMathParaPr>
+                      <m:jc m:val="centerGroup"/>
+                    </m:oMathParaPr>
+                    <m:oMath xmlns:m="http://schemas.openxmlformats.org/officeDocument/2006/math">
+                      <m:r>
+                        <a:rPr lang="en-US" sz="1800" b="0" i="1" smtClean="0">
+                          <a:solidFill>
+                            <a:schemeClr val="accent1"/>
+                          </a:solidFill>
+                          <a:latin typeface="Cambria Math" panose="02040503050406030204" pitchFamily="18" charset="0"/>
+                        </a:rPr>
+                        <m:t>𝑅𝑒𝑤𝑟𝑖𝑡𝑒</m:t>
+                      </m:r>
+                      <m:r>
+                        <a:rPr lang="en-US" sz="1800" b="0" i="1" smtClean="0">
+                          <a:solidFill>
+                            <a:schemeClr val="accent1"/>
+                          </a:solidFill>
+                          <a:latin typeface="Cambria Math" panose="02040503050406030204" pitchFamily="18" charset="0"/>
+                        </a:rPr>
+                        <m:t> </m:t>
+                      </m:r>
+                      <m:r>
+                        <a:rPr lang="en-US" sz="1800" b="0" i="1" smtClean="0">
+                          <a:solidFill>
+                            <a:schemeClr val="accent1"/>
+                          </a:solidFill>
+                          <a:latin typeface="Cambria Math" panose="02040503050406030204" pitchFamily="18" charset="0"/>
+                        </a:rPr>
+                        <m:t>𝑡h𝑒</m:t>
+                      </m:r>
+                      <m:r>
+                        <a:rPr lang="en-US" sz="1800" b="0" i="1" smtClean="0">
+                          <a:solidFill>
+                            <a:schemeClr val="accent1"/>
+                          </a:solidFill>
+                          <a:latin typeface="Cambria Math" panose="02040503050406030204" pitchFamily="18" charset="0"/>
+                        </a:rPr>
+                        <m:t> </m:t>
+                      </m:r>
+                      <m:r>
+                        <a:rPr lang="en-US" sz="1800" b="0" i="1" smtClean="0">
+                          <a:solidFill>
+                            <a:schemeClr val="accent1"/>
+                          </a:solidFill>
+                          <a:latin typeface="Cambria Math" panose="02040503050406030204" pitchFamily="18" charset="0"/>
+                        </a:rPr>
+                        <m:t>𝑐h𝑎𝑖𝑛</m:t>
+                      </m:r>
+                      <m:r>
+                        <a:rPr lang="en-US" sz="1800" b="0" i="1" smtClean="0">
+                          <a:solidFill>
+                            <a:schemeClr val="accent1"/>
+                          </a:solidFill>
+                          <a:latin typeface="Cambria Math" panose="02040503050406030204" pitchFamily="18" charset="0"/>
+                        </a:rPr>
+                        <m:t> </m:t>
+                      </m:r>
+                      <m:r>
+                        <a:rPr lang="en-US" sz="1800" b="0" i="1" smtClean="0">
+                          <a:solidFill>
+                            <a:schemeClr val="accent1"/>
+                          </a:solidFill>
+                          <a:latin typeface="Cambria Math" panose="02040503050406030204" pitchFamily="18" charset="0"/>
+                        </a:rPr>
+                        <m:t>𝑟𝑢𝑙𝑒</m:t>
+                      </m:r>
+                      <m:r>
+                        <a:rPr lang="en-US" sz="1800" b="0" i="1" smtClean="0">
+                          <a:solidFill>
+                            <a:schemeClr val="accent1"/>
+                          </a:solidFill>
+                          <a:latin typeface="Cambria Math" panose="02040503050406030204" pitchFamily="18" charset="0"/>
+                        </a:rPr>
+                        <m:t> </m:t>
+                      </m:r>
+                      <m:r>
+                        <a:rPr lang="en-US" sz="1800" b="0" i="1" smtClean="0">
+                          <a:solidFill>
+                            <a:schemeClr val="accent1"/>
+                          </a:solidFill>
+                          <a:latin typeface="Cambria Math" panose="02040503050406030204" pitchFamily="18" charset="0"/>
+                        </a:rPr>
+                        <m:t>𝑠𝑜𝑚𝑒h𝑜𝑤</m:t>
+                      </m:r>
+                      <m:r>
+                        <a:rPr lang="en-US" sz="1800" b="0" i="1" smtClean="0">
+                          <a:solidFill>
+                            <a:schemeClr val="accent1"/>
+                          </a:solidFill>
+                          <a:latin typeface="Cambria Math" panose="02040503050406030204" pitchFamily="18" charset="0"/>
+                        </a:rPr>
+                        <m:t> </m:t>
+                      </m:r>
+                      <m:r>
+                        <a:rPr lang="en-US" sz="1800" b="0" i="1" smtClean="0">
+                          <a:solidFill>
+                            <a:schemeClr val="accent1"/>
+                          </a:solidFill>
+                          <a:latin typeface="Cambria Math" panose="02040503050406030204" pitchFamily="18" charset="0"/>
+                        </a:rPr>
+                        <m:t>𝑤𝑖𝑡h</m:t>
+                      </m:r>
+                    </m:oMath>
+                  </m:oMathPara>
+                </a14:m>
+                <a:endParaRPr lang="en-US" sz="1800" b="0" i="1" dirty="0">
+                  <a:solidFill>
+                    <a:schemeClr val="accent1"/>
+                  </a:solidFill>
+                  <a:latin typeface="Cambria Math" panose="02040503050406030204" pitchFamily="18" charset="0"/>
+                </a:endParaRPr>
+              </a:p>
+              <a:p>
+                <a:pPr/>
+                <a14:m>
+                  <m:oMathPara xmlns:m="http://schemas.openxmlformats.org/officeDocument/2006/math">
+                    <m:oMathParaPr>
+                      <m:jc m:val="centerGroup"/>
+                    </m:oMathParaPr>
+                    <m:oMath xmlns:m="http://schemas.openxmlformats.org/officeDocument/2006/math">
+                      <m:r>
+                        <a:rPr lang="en-US" sz="1800" b="0" i="1" smtClean="0">
+                          <a:solidFill>
+                            <a:schemeClr val="accent1"/>
+                          </a:solidFill>
+                          <a:latin typeface="Cambria Math" panose="02040503050406030204" pitchFamily="18" charset="0"/>
+                        </a:rPr>
+                        <m:t>𝑡h𝑒</m:t>
+                      </m:r>
+                      <m:r>
+                        <a:rPr lang="en-US" sz="1800" b="0" i="1" smtClean="0">
+                          <a:solidFill>
+                            <a:schemeClr val="accent1"/>
+                          </a:solidFill>
+                          <a:latin typeface="Cambria Math" panose="02040503050406030204" pitchFamily="18" charset="0"/>
+                        </a:rPr>
+                        <m:t> </m:t>
+                      </m:r>
+                      <m:r>
+                        <a:rPr lang="en-US" sz="1800" b="0" i="1" smtClean="0">
+                          <a:solidFill>
+                            <a:schemeClr val="accent1"/>
+                          </a:solidFill>
+                          <a:latin typeface="Cambria Math" panose="02040503050406030204" pitchFamily="18" charset="0"/>
+                        </a:rPr>
+                        <m:t>𝑑𝑒𝑓𝑖𝑛𝑖𝑡𝑖𝑜𝑛</m:t>
+                      </m:r>
+                      <m:r>
+                        <a:rPr lang="en-US" sz="1800" b="0" i="1" smtClean="0">
+                          <a:solidFill>
+                            <a:schemeClr val="accent1"/>
+                          </a:solidFill>
+                          <a:latin typeface="Cambria Math" panose="02040503050406030204" pitchFamily="18" charset="0"/>
+                        </a:rPr>
+                        <m:t> </m:t>
+                      </m:r>
+                      <m:r>
+                        <a:rPr lang="en-US" sz="1800" b="0" i="1" smtClean="0">
+                          <a:solidFill>
+                            <a:schemeClr val="accent1"/>
+                          </a:solidFill>
+                          <a:latin typeface="Cambria Math" panose="02040503050406030204" pitchFamily="18" charset="0"/>
+                        </a:rPr>
+                        <m:t>𝑜𝑓</m:t>
+                      </m:r>
+                      <m:r>
+                        <a:rPr lang="en-US" sz="1800" b="0" i="1" smtClean="0">
+                          <a:solidFill>
+                            <a:schemeClr val="accent1"/>
+                          </a:solidFill>
+                          <a:latin typeface="Cambria Math" panose="02040503050406030204" pitchFamily="18" charset="0"/>
+                        </a:rPr>
+                        <m:t> </m:t>
+                      </m:r>
+                      <m:r>
+                        <a:rPr lang="en-US" sz="1800" b="0" i="1" smtClean="0">
+                          <a:solidFill>
+                            <a:schemeClr val="accent1"/>
+                          </a:solidFill>
+                          <a:latin typeface="Cambria Math" panose="02040503050406030204" pitchFamily="18" charset="0"/>
+                        </a:rPr>
+                        <m:t>𝑐𝑜𝑛𝑑𝑖𝑡𝑖𝑜𝑛𝑎𝑙</m:t>
+                      </m:r>
+                      <m:r>
+                        <a:rPr lang="en-US" sz="1800" b="0" i="1" smtClean="0">
+                          <a:solidFill>
+                            <a:schemeClr val="accent1"/>
+                          </a:solidFill>
+                          <a:latin typeface="Cambria Math" panose="02040503050406030204" pitchFamily="18" charset="0"/>
+                        </a:rPr>
+                        <m:t> </m:t>
+                      </m:r>
+                      <m:r>
+                        <a:rPr lang="en-US" sz="1800" b="0" i="1" smtClean="0">
+                          <a:solidFill>
+                            <a:schemeClr val="accent1"/>
+                          </a:solidFill>
+                          <a:latin typeface="Cambria Math" panose="02040503050406030204" pitchFamily="18" charset="0"/>
+                        </a:rPr>
+                        <m:t>𝑝𝑟𝑜𝑏𝑎𝑏𝑖𝑙𝑖𝑡𝑦</m:t>
+                      </m:r>
+                    </m:oMath>
+                  </m:oMathPara>
+                </a14:m>
+                <a:endParaRPr lang="en-US" sz="1800" b="0" dirty="0">
+                  <a:solidFill>
+                    <a:schemeClr val="accent1"/>
+                  </a:solidFill>
+                </a:endParaRPr>
+              </a:p>
+            </p:txBody>
+          </p:sp>
+        </mc:Choice>
+        <mc:Fallback>
+          <p:sp>
+            <p:nvSpPr>
+              <p:cNvPr id="64" name="TextBox 63">
+                <a:extLst>
+                  <a:ext uri="{FF2B5EF4-FFF2-40B4-BE49-F238E27FC236}">
+                    <a16:creationId xmlns:a16="http://schemas.microsoft.com/office/drawing/2014/main" id="{BF36AE54-7349-F6F9-4C9A-43C40626B60E}"/>
+                  </a:ext>
+                </a:extLst>
+              </p:cNvPr>
+              <p:cNvSpPr txBox="1">
+                <a:spLocks noRot="1" noChangeAspect="1" noMove="1" noResize="1" noEditPoints="1" noAdjustHandles="1" noChangeArrowheads="1" noChangeShapeType="1" noTextEdit="1"/>
+              </p:cNvSpPr>
+              <p:nvPr/>
+            </p:nvSpPr>
+            <p:spPr>
+              <a:xfrm>
+                <a:off x="-2374848" y="4929548"/>
+                <a:ext cx="2764430" cy="646331"/>
+              </a:xfrm>
+              <a:prstGeom prst="rect">
+                <a:avLst/>
+              </a:prstGeom>
+              <a:blipFill>
+                <a:blip r:embed="rId24"/>
+                <a:stretch>
+                  <a:fillRect r="-59817" b="-9615"/>
+                </a:stretch>
+              </a:blipFill>
+            </p:spPr>
+            <p:txBody>
+              <a:bodyPr/>
+              <a:lstStyle/>
+              <a:p>
+                <a:r>
+                  <a:rPr lang="en-FI">
+                    <a:noFill/>
+                  </a:rPr>
+                  <a:t> </a:t>
+                </a:r>
+              </a:p>
+            </p:txBody>
+          </p:sp>
+        </mc:Fallback>
+      </mc:AlternateContent>
+      <p:sp>
+        <p:nvSpPr>
+          <p:cNvPr id="66" name="Rounded Rectangle 65">
+            <a:extLst>
+              <a:ext uri="{FF2B5EF4-FFF2-40B4-BE49-F238E27FC236}">
+                <a16:creationId xmlns:a16="http://schemas.microsoft.com/office/drawing/2014/main" id="{A9A32E2D-1C61-7B59-9521-CB5E3FCC205C}"/>
+              </a:ext>
+            </a:extLst>
+          </p:cNvPr>
+          <p:cNvSpPr/>
+          <p:nvPr/>
+        </p:nvSpPr>
+        <p:spPr>
+          <a:xfrm rot="16200000">
+            <a:off x="979302" y="3649430"/>
+            <a:ext cx="1193179" cy="5872280"/>
+          </a:xfrm>
+          <a:prstGeom prst="roundRect">
+            <a:avLst/>
+          </a:prstGeom>
+          <a:solidFill>
+            <a:srgbClr val="92D050">
+              <a:alpha val="21176"/>
+            </a:srgbClr>
+          </a:solidFill>
+          <a:ln w="28575">
+            <a:solidFill>
+              <a:srgbClr val="00B050"/>
+            </a:solidFill>
+          </a:ln>
+        </p:spPr>
+        <p:style>
+          <a:lnRef idx="2">
+            <a:schemeClr val="accent1">
+              <a:shade val="50000"/>
+            </a:schemeClr>
+          </a:lnRef>
+          <a:fillRef idx="1">
+            <a:schemeClr val="accent1"/>
+          </a:fillRef>
+          <a:effectRef idx="0">
+            <a:schemeClr val="accent1"/>
+          </a:effectRef>
+          <a:fontRef idx="minor">
+            <a:schemeClr val="lt1"/>
+          </a:fontRef>
+        </p:style>
+        <p:txBody>
+          <a:bodyPr rtlCol="0" anchor="ctr"/>
+          <a:lstStyle/>
+          <a:p>
+            <a:pPr algn="ctr"/>
+            <a:endParaRPr lang="en-FI" dirty="0"/>
+          </a:p>
+        </p:txBody>
+      </p:sp>
+      <mc:AlternateContent xmlns:mc="http://schemas.openxmlformats.org/markup-compatibility/2006">
+        <mc:Choice xmlns:a14="http://schemas.microsoft.com/office/drawing/2010/main" Requires="a14">
+          <p:sp>
+            <p:nvSpPr>
+              <p:cNvPr id="68" name="TextBox 67">
+                <a:extLst>
+                  <a:ext uri="{FF2B5EF4-FFF2-40B4-BE49-F238E27FC236}">
+                    <a16:creationId xmlns:a16="http://schemas.microsoft.com/office/drawing/2014/main" id="{60E8AEC8-16E9-3B4F-3AAB-291C70771294}"/>
+                  </a:ext>
+                </a:extLst>
+              </p:cNvPr>
+              <p:cNvSpPr txBox="1"/>
+              <p:nvPr/>
+            </p:nvSpPr>
+            <p:spPr>
+              <a:xfrm>
+                <a:off x="548748" y="6017866"/>
+                <a:ext cx="3238322" cy="1096262"/>
+              </a:xfrm>
+              <a:prstGeom prst="rect">
+                <a:avLst/>
+              </a:prstGeom>
+              <a:noFill/>
+            </p:spPr>
+            <p:txBody>
+              <a:bodyPr wrap="none" lIns="0" tIns="0" rIns="0" bIns="0" rtlCol="0">
+                <a:spAutoFit/>
+              </a:bodyPr>
+              <a:lstStyle/>
+              <a:p>
+                <a14:m>
+                  <m:oMath xmlns:m="http://schemas.openxmlformats.org/officeDocument/2006/math">
+                    <m:r>
+                      <a:rPr lang="en-US" sz="4400" b="0" i="1" smtClean="0">
+                        <a:solidFill>
+                          <a:schemeClr val="tx1">
+                            <a:lumMod val="65000"/>
+                            <a:lumOff val="35000"/>
+                          </a:schemeClr>
+                        </a:solidFill>
+                        <a:latin typeface="Cambria Math" panose="02040503050406030204" pitchFamily="18" charset="0"/>
+                      </a:rPr>
+                      <m:t>=</m:t>
+                    </m:r>
+                    <m:f>
+                      <m:fPr>
+                        <m:ctrlPr>
+                          <a:rPr lang="en-US" sz="4400" b="1" i="1" smtClean="0">
+                            <a:solidFill>
+                              <a:schemeClr val="accent1"/>
+                            </a:solidFill>
+                            <a:latin typeface="Cambria Math" panose="02040503050406030204" pitchFamily="18" charset="0"/>
+                          </a:rPr>
+                        </m:ctrlPr>
+                      </m:fPr>
+                      <m:num>
+                        <m:r>
+                          <a:rPr lang="en-US" sz="4400" b="1" i="1" smtClean="0">
+                            <a:solidFill>
+                              <a:schemeClr val="accent1"/>
+                            </a:solidFill>
+                            <a:latin typeface="Cambria Math" panose="02040503050406030204" pitchFamily="18" charset="0"/>
+                          </a:rPr>
+                          <m:t>𝒑</m:t>
+                        </m:r>
+                        <m:d>
+                          <m:dPr>
+                            <m:ctrlPr>
+                              <a:rPr lang="en-US" sz="4400" b="1" i="1">
+                                <a:solidFill>
+                                  <a:schemeClr val="accent1"/>
+                                </a:solidFill>
+                                <a:latin typeface="Cambria Math" panose="02040503050406030204" pitchFamily="18" charset="0"/>
+                              </a:rPr>
+                            </m:ctrlPr>
+                          </m:dPr>
+                          <m:e>
+                            <m:r>
+                              <a:rPr lang="en-US" sz="4400" b="1" i="1">
+                                <a:solidFill>
+                                  <a:schemeClr val="accent1"/>
+                                </a:solidFill>
+                                <a:latin typeface="Cambria Math" panose="02040503050406030204" pitchFamily="18" charset="0"/>
+                              </a:rPr>
+                              <m:t>𝒂</m:t>
+                            </m:r>
+                            <m:r>
+                              <a:rPr lang="en-US" sz="4400" b="1" i="1" smtClean="0">
+                                <a:solidFill>
+                                  <a:schemeClr val="accent1"/>
+                                </a:solidFill>
+                                <a:latin typeface="Cambria Math" panose="02040503050406030204" pitchFamily="18" charset="0"/>
+                              </a:rPr>
+                              <m:t>,</m:t>
+                            </m:r>
+                            <m:r>
+                              <a:rPr lang="en-US" sz="4400" b="1" i="1" smtClean="0">
+                                <a:solidFill>
+                                  <a:schemeClr val="accent1"/>
+                                </a:solidFill>
+                                <a:latin typeface="Cambria Math" panose="02040503050406030204" pitchFamily="18" charset="0"/>
+                              </a:rPr>
+                              <m:t>𝒄</m:t>
+                            </m:r>
+                          </m:e>
+                        </m:d>
+                      </m:num>
+                      <m:den>
+                        <m:r>
+                          <a:rPr lang="en-US" sz="4400" b="1" i="1" smtClean="0">
+                            <a:solidFill>
+                              <a:schemeClr val="accent1"/>
+                            </a:solidFill>
+                            <a:latin typeface="Cambria Math" panose="02040503050406030204" pitchFamily="18" charset="0"/>
+                          </a:rPr>
+                          <m:t>𝒑</m:t>
+                        </m:r>
+                        <m:r>
+                          <a:rPr lang="en-US" sz="4400" b="1" i="1" smtClean="0">
+                            <a:solidFill>
+                              <a:schemeClr val="accent1"/>
+                            </a:solidFill>
+                            <a:latin typeface="Cambria Math" panose="02040503050406030204" pitchFamily="18" charset="0"/>
+                          </a:rPr>
+                          <m:t>(</m:t>
+                        </m:r>
+                        <m:r>
+                          <a:rPr lang="en-US" sz="4400" b="1" i="1" smtClean="0">
+                            <a:solidFill>
+                              <a:schemeClr val="accent1"/>
+                            </a:solidFill>
+                            <a:latin typeface="Cambria Math" panose="02040503050406030204" pitchFamily="18" charset="0"/>
+                          </a:rPr>
+                          <m:t>𝒄</m:t>
+                        </m:r>
+                        <m:r>
+                          <a:rPr lang="en-US" sz="4400" b="1" i="1" smtClean="0">
+                            <a:solidFill>
+                              <a:schemeClr val="accent1"/>
+                            </a:solidFill>
+                            <a:latin typeface="Cambria Math" panose="02040503050406030204" pitchFamily="18" charset="0"/>
+                          </a:rPr>
+                          <m:t>)</m:t>
+                        </m:r>
+                      </m:den>
+                    </m:f>
+                  </m:oMath>
+                </a14:m>
+                <a:r>
+                  <a:rPr lang="en-US" sz="3200" dirty="0">
+                    <a:solidFill>
+                      <a:schemeClr val="tx1">
+                        <a:lumMod val="65000"/>
+                        <a:lumOff val="35000"/>
+                      </a:schemeClr>
+                    </a:solidFill>
+                  </a:rPr>
+                  <a:t> </a:t>
+                </a:r>
+                <a14:m>
+                  <m:oMath xmlns:m="http://schemas.openxmlformats.org/officeDocument/2006/math">
+                    <m:r>
+                      <a:rPr lang="en-US" sz="4000" i="1">
+                        <a:solidFill>
+                          <a:schemeClr val="tx1">
+                            <a:lumMod val="65000"/>
+                            <a:lumOff val="35000"/>
+                          </a:schemeClr>
+                        </a:solidFill>
+                        <a:latin typeface="Cambria Math" panose="02040503050406030204" pitchFamily="18" charset="0"/>
+                      </a:rPr>
+                      <m:t>𝑝</m:t>
+                    </m:r>
+                    <m:r>
+                      <a:rPr lang="en-US" sz="4000" i="1">
+                        <a:solidFill>
+                          <a:schemeClr val="tx1">
+                            <a:lumMod val="65000"/>
+                            <a:lumOff val="35000"/>
+                          </a:schemeClr>
+                        </a:solidFill>
+                        <a:latin typeface="Cambria Math" panose="02040503050406030204" pitchFamily="18" charset="0"/>
+                      </a:rPr>
+                      <m:t>(</m:t>
+                    </m:r>
+                    <m:r>
+                      <a:rPr lang="en-US" sz="4000" i="1">
+                        <a:solidFill>
+                          <a:schemeClr val="tx1">
+                            <a:lumMod val="65000"/>
+                            <a:lumOff val="35000"/>
+                          </a:schemeClr>
+                        </a:solidFill>
+                        <a:latin typeface="Cambria Math" panose="02040503050406030204" pitchFamily="18" charset="0"/>
+                      </a:rPr>
+                      <m:t>𝑏</m:t>
+                    </m:r>
+                    <m:r>
+                      <a:rPr lang="en-US" sz="4000" i="1">
+                        <a:solidFill>
+                          <a:schemeClr val="tx1">
+                            <a:lumMod val="65000"/>
+                            <a:lumOff val="35000"/>
+                          </a:schemeClr>
+                        </a:solidFill>
+                        <a:latin typeface="Cambria Math" panose="02040503050406030204" pitchFamily="18" charset="0"/>
+                      </a:rPr>
+                      <m:t>|</m:t>
+                    </m:r>
+                    <m:r>
+                      <a:rPr lang="en-US" sz="4000" i="1">
+                        <a:solidFill>
+                          <a:schemeClr val="tx1">
+                            <a:lumMod val="65000"/>
+                            <a:lumOff val="35000"/>
+                          </a:schemeClr>
+                        </a:solidFill>
+                        <a:latin typeface="Cambria Math" panose="02040503050406030204" pitchFamily="18" charset="0"/>
+                      </a:rPr>
+                      <m:t>𝑐</m:t>
+                    </m:r>
+                    <m:r>
+                      <a:rPr lang="en-US" sz="4000" i="1">
+                        <a:solidFill>
+                          <a:schemeClr val="tx1">
+                            <a:lumMod val="65000"/>
+                            <a:lumOff val="35000"/>
+                          </a:schemeClr>
+                        </a:solidFill>
+                        <a:latin typeface="Cambria Math" panose="02040503050406030204" pitchFamily="18" charset="0"/>
+                      </a:rPr>
+                      <m:t>)</m:t>
+                    </m:r>
+                  </m:oMath>
+                </a14:m>
+                <a:endParaRPr lang="en-FI" sz="3200" dirty="0">
+                  <a:solidFill>
+                    <a:schemeClr val="tx1">
+                      <a:lumMod val="65000"/>
+                      <a:lumOff val="35000"/>
+                    </a:schemeClr>
+                  </a:solidFill>
+                </a:endParaRPr>
+              </a:p>
+            </p:txBody>
+          </p:sp>
+        </mc:Choice>
+        <mc:Fallback>
+          <p:sp>
+            <p:nvSpPr>
+              <p:cNvPr id="68" name="TextBox 67">
+                <a:extLst>
+                  <a:ext uri="{FF2B5EF4-FFF2-40B4-BE49-F238E27FC236}">
+                    <a16:creationId xmlns:a16="http://schemas.microsoft.com/office/drawing/2014/main" id="{60E8AEC8-16E9-3B4F-3AAB-291C70771294}"/>
+                  </a:ext>
+                </a:extLst>
+              </p:cNvPr>
+              <p:cNvSpPr txBox="1">
+                <a:spLocks noRot="1" noChangeAspect="1" noMove="1" noResize="1" noEditPoints="1" noAdjustHandles="1" noChangeArrowheads="1" noChangeShapeType="1" noTextEdit="1"/>
+              </p:cNvSpPr>
+              <p:nvPr/>
+            </p:nvSpPr>
+            <p:spPr>
+              <a:xfrm>
+                <a:off x="548748" y="6017866"/>
+                <a:ext cx="3238322" cy="1096262"/>
+              </a:xfrm>
+              <a:prstGeom prst="rect">
+                <a:avLst/>
+              </a:prstGeom>
+              <a:blipFill>
+                <a:blip r:embed="rId25"/>
+                <a:stretch>
+                  <a:fillRect l="-3516" r="-6250" b="-15909"/>
+                </a:stretch>
+              </a:blipFill>
+            </p:spPr>
+            <p:txBody>
+              <a:bodyPr/>
+              <a:lstStyle/>
+              <a:p>
+                <a:r>
+                  <a:rPr lang="en-FI">
+                    <a:noFill/>
+                  </a:rPr>
+                  <a:t> </a:t>
+                </a:r>
+              </a:p>
+            </p:txBody>
+          </p:sp>
+        </mc:Fallback>
+      </mc:AlternateContent>
+      <p:sp>
+        <p:nvSpPr>
+          <p:cNvPr id="69" name="Rounded Rectangle 68">
+            <a:extLst>
+              <a:ext uri="{FF2B5EF4-FFF2-40B4-BE49-F238E27FC236}">
+                <a16:creationId xmlns:a16="http://schemas.microsoft.com/office/drawing/2014/main" id="{CCB0C3C0-5E74-AFB1-E82B-8EAE112A8210}"/>
+              </a:ext>
+            </a:extLst>
+          </p:cNvPr>
+          <p:cNvSpPr/>
+          <p:nvPr/>
+        </p:nvSpPr>
+        <p:spPr>
+          <a:xfrm rot="16200000">
+            <a:off x="1295789" y="7460548"/>
+            <a:ext cx="1096262" cy="1688053"/>
+          </a:xfrm>
+          <a:prstGeom prst="roundRect">
+            <a:avLst/>
+          </a:prstGeom>
+          <a:solidFill>
+            <a:srgbClr val="F4FAFF"/>
+          </a:solidFill>
+          <a:ln w="28575">
+            <a:solidFill>
+              <a:srgbClr val="A8DBFC"/>
+            </a:solidFill>
+          </a:ln>
+        </p:spPr>
+        <p:style>
+          <a:lnRef idx="2">
+            <a:schemeClr val="accent1">
+              <a:shade val="50000"/>
+            </a:schemeClr>
+          </a:lnRef>
+          <a:fillRef idx="1">
+            <a:schemeClr val="accent1"/>
+          </a:fillRef>
+          <a:effectRef idx="0">
+            <a:schemeClr val="accent1"/>
+          </a:effectRef>
+          <a:fontRef idx="minor">
+            <a:schemeClr val="lt1"/>
+          </a:fontRef>
+        </p:style>
+        <p:txBody>
+          <a:bodyPr rtlCol="0" anchor="ctr"/>
+          <a:lstStyle/>
+          <a:p>
+            <a:pPr algn="ctr"/>
+            <a:endParaRPr lang="en-FI"/>
+          </a:p>
+        </p:txBody>
+      </p:sp>
+      <mc:AlternateContent xmlns:mc="http://schemas.openxmlformats.org/markup-compatibility/2006">
+        <mc:Choice xmlns:a14="http://schemas.microsoft.com/office/drawing/2010/main" Requires="a14">
+          <p:sp>
+            <p:nvSpPr>
+              <p:cNvPr id="70" name="TextBox 69">
+                <a:extLst>
+                  <a:ext uri="{FF2B5EF4-FFF2-40B4-BE49-F238E27FC236}">
+                    <a16:creationId xmlns:a16="http://schemas.microsoft.com/office/drawing/2014/main" id="{F6D1948F-56BE-C493-3908-6A32A021A5DF}"/>
+                  </a:ext>
+                </a:extLst>
+              </p:cNvPr>
+              <p:cNvSpPr txBox="1"/>
+              <p:nvPr/>
+            </p:nvSpPr>
+            <p:spPr>
+              <a:xfrm>
+                <a:off x="493201" y="7973811"/>
+                <a:ext cx="3723583" cy="661528"/>
+              </a:xfrm>
+              <a:prstGeom prst="rect">
+                <a:avLst/>
+              </a:prstGeom>
+              <a:noFill/>
+            </p:spPr>
+            <p:txBody>
+              <a:bodyPr wrap="none" lIns="0" tIns="0" rIns="0" bIns="0" rtlCol="0">
+                <a:spAutoFit/>
+              </a:bodyPr>
+              <a:lstStyle/>
+              <a:p>
+                <a14:m>
+                  <m:oMath xmlns:m="http://schemas.openxmlformats.org/officeDocument/2006/math">
+                    <m:r>
+                      <a:rPr lang="en-US" sz="4400" b="0" i="1" smtClean="0">
+                        <a:solidFill>
+                          <a:schemeClr val="tx1">
+                            <a:lumMod val="65000"/>
+                            <a:lumOff val="35000"/>
+                          </a:schemeClr>
+                        </a:solidFill>
+                        <a:latin typeface="Cambria Math" panose="02040503050406030204" pitchFamily="18" charset="0"/>
+                      </a:rPr>
+                      <m:t>=</m:t>
+                    </m:r>
+                    <m:r>
+                      <a:rPr lang="en-US" sz="4400" b="1" i="1" smtClean="0">
+                        <a:solidFill>
+                          <a:schemeClr val="accent1"/>
+                        </a:solidFill>
+                        <a:latin typeface="Cambria Math" panose="02040503050406030204" pitchFamily="18" charset="0"/>
+                      </a:rPr>
+                      <m:t>𝒑</m:t>
+                    </m:r>
+                    <m:r>
+                      <a:rPr lang="en-US" sz="4400" b="1" i="1" smtClean="0">
+                        <a:solidFill>
+                          <a:schemeClr val="accent1"/>
+                        </a:solidFill>
+                        <a:latin typeface="Cambria Math" panose="02040503050406030204" pitchFamily="18" charset="0"/>
+                      </a:rPr>
+                      <m:t>(</m:t>
+                    </m:r>
+                    <m:r>
+                      <a:rPr lang="en-US" sz="4400" b="1" i="1" smtClean="0">
+                        <a:solidFill>
+                          <a:schemeClr val="accent1"/>
+                        </a:solidFill>
+                        <a:latin typeface="Cambria Math" panose="02040503050406030204" pitchFamily="18" charset="0"/>
+                      </a:rPr>
+                      <m:t>𝒂</m:t>
+                    </m:r>
+                    <m:r>
+                      <a:rPr lang="en-US" sz="4400" b="1" i="1" smtClean="0">
+                        <a:solidFill>
+                          <a:schemeClr val="accent1"/>
+                        </a:solidFill>
+                        <a:latin typeface="Cambria Math" panose="02040503050406030204" pitchFamily="18" charset="0"/>
+                      </a:rPr>
+                      <m:t>|</m:t>
+                    </m:r>
+                    <m:r>
+                      <a:rPr lang="en-US" sz="4400" b="1" i="1" smtClean="0">
+                        <a:solidFill>
+                          <a:schemeClr val="accent1"/>
+                        </a:solidFill>
+                        <a:latin typeface="Cambria Math" panose="02040503050406030204" pitchFamily="18" charset="0"/>
+                      </a:rPr>
+                      <m:t>𝒄</m:t>
+                    </m:r>
+                    <m:r>
+                      <a:rPr lang="en-US" sz="4400" b="1" i="1" smtClean="0">
+                        <a:solidFill>
+                          <a:schemeClr val="accent1"/>
+                        </a:solidFill>
+                        <a:latin typeface="Cambria Math" panose="02040503050406030204" pitchFamily="18" charset="0"/>
+                      </a:rPr>
+                      <m:t>)</m:t>
+                    </m:r>
+                  </m:oMath>
+                </a14:m>
+                <a:r>
+                  <a:rPr lang="en-US" sz="3200" dirty="0">
+                    <a:solidFill>
+                      <a:schemeClr val="tx1">
+                        <a:lumMod val="65000"/>
+                        <a:lumOff val="35000"/>
+                      </a:schemeClr>
+                    </a:solidFill>
+                  </a:rPr>
+                  <a:t> </a:t>
+                </a:r>
+                <a14:m>
+                  <m:oMath xmlns:m="http://schemas.openxmlformats.org/officeDocument/2006/math">
+                    <m:r>
+                      <a:rPr lang="en-US" sz="4000" i="1">
+                        <a:solidFill>
+                          <a:schemeClr val="tx1">
+                            <a:lumMod val="65000"/>
+                            <a:lumOff val="35000"/>
+                          </a:schemeClr>
+                        </a:solidFill>
+                        <a:latin typeface="Cambria Math" panose="02040503050406030204" pitchFamily="18" charset="0"/>
+                      </a:rPr>
+                      <m:t>𝑝</m:t>
+                    </m:r>
+                    <m:r>
+                      <a:rPr lang="en-US" sz="4000" i="1">
+                        <a:solidFill>
+                          <a:schemeClr val="tx1">
+                            <a:lumMod val="65000"/>
+                            <a:lumOff val="35000"/>
+                          </a:schemeClr>
+                        </a:solidFill>
+                        <a:latin typeface="Cambria Math" panose="02040503050406030204" pitchFamily="18" charset="0"/>
+                      </a:rPr>
+                      <m:t>(</m:t>
+                    </m:r>
+                    <m:r>
+                      <a:rPr lang="en-US" sz="4000" i="1">
+                        <a:solidFill>
+                          <a:schemeClr val="tx1">
+                            <a:lumMod val="65000"/>
+                            <a:lumOff val="35000"/>
+                          </a:schemeClr>
+                        </a:solidFill>
+                        <a:latin typeface="Cambria Math" panose="02040503050406030204" pitchFamily="18" charset="0"/>
+                      </a:rPr>
+                      <m:t>𝑏</m:t>
+                    </m:r>
+                    <m:r>
+                      <a:rPr lang="en-US" sz="4000" i="1">
+                        <a:solidFill>
+                          <a:schemeClr val="tx1">
+                            <a:lumMod val="65000"/>
+                            <a:lumOff val="35000"/>
+                          </a:schemeClr>
+                        </a:solidFill>
+                        <a:latin typeface="Cambria Math" panose="02040503050406030204" pitchFamily="18" charset="0"/>
+                      </a:rPr>
+                      <m:t>|</m:t>
+                    </m:r>
+                    <m:r>
+                      <a:rPr lang="en-US" sz="4000" i="1">
+                        <a:solidFill>
+                          <a:schemeClr val="tx1">
+                            <a:lumMod val="65000"/>
+                            <a:lumOff val="35000"/>
+                          </a:schemeClr>
+                        </a:solidFill>
+                        <a:latin typeface="Cambria Math" panose="02040503050406030204" pitchFamily="18" charset="0"/>
+                      </a:rPr>
+                      <m:t>𝑐</m:t>
+                    </m:r>
+                    <m:r>
+                      <a:rPr lang="en-US" sz="4000" i="1">
+                        <a:solidFill>
+                          <a:schemeClr val="tx1">
+                            <a:lumMod val="65000"/>
+                            <a:lumOff val="35000"/>
+                          </a:schemeClr>
+                        </a:solidFill>
+                        <a:latin typeface="Cambria Math" panose="02040503050406030204" pitchFamily="18" charset="0"/>
+                      </a:rPr>
+                      <m:t>)</m:t>
+                    </m:r>
+                  </m:oMath>
+                </a14:m>
+                <a:endParaRPr lang="en-FI" sz="3200" dirty="0">
+                  <a:solidFill>
+                    <a:schemeClr val="tx1">
+                      <a:lumMod val="65000"/>
+                      <a:lumOff val="35000"/>
+                    </a:schemeClr>
+                  </a:solidFill>
+                </a:endParaRPr>
+              </a:p>
+            </p:txBody>
+          </p:sp>
+        </mc:Choice>
+        <mc:Fallback>
+          <p:sp>
+            <p:nvSpPr>
+              <p:cNvPr id="70" name="TextBox 69">
+                <a:extLst>
+                  <a:ext uri="{FF2B5EF4-FFF2-40B4-BE49-F238E27FC236}">
+                    <a16:creationId xmlns:a16="http://schemas.microsoft.com/office/drawing/2014/main" id="{F6D1948F-56BE-C493-3908-6A32A021A5DF}"/>
+                  </a:ext>
+                </a:extLst>
+              </p:cNvPr>
+              <p:cNvSpPr txBox="1">
+                <a:spLocks noRot="1" noChangeAspect="1" noMove="1" noResize="1" noEditPoints="1" noAdjustHandles="1" noChangeArrowheads="1" noChangeShapeType="1" noTextEdit="1"/>
+              </p:cNvSpPr>
+              <p:nvPr/>
+            </p:nvSpPr>
+            <p:spPr>
+              <a:xfrm>
+                <a:off x="493201" y="7973811"/>
+                <a:ext cx="3723583" cy="661528"/>
+              </a:xfrm>
+              <a:prstGeom prst="rect">
+                <a:avLst/>
+              </a:prstGeom>
+              <a:blipFill>
+                <a:blip r:embed="rId26"/>
+                <a:stretch>
+                  <a:fillRect l="-3051" r="-5085" b="-35185"/>
+                </a:stretch>
+              </a:blipFill>
+            </p:spPr>
+            <p:txBody>
+              <a:bodyPr/>
+              <a:lstStyle/>
+              <a:p>
+                <a:r>
+                  <a:rPr lang="en-FI">
+                    <a:noFill/>
+                  </a:rPr>
+                  <a:t> </a:t>
+                </a:r>
+              </a:p>
+            </p:txBody>
+          </p:sp>
+        </mc:Fallback>
+      </mc:AlternateContent>
+      <mc:AlternateContent xmlns:mc="http://schemas.openxmlformats.org/markup-compatibility/2006">
+        <mc:Choice xmlns:a14="http://schemas.microsoft.com/office/drawing/2010/main" Requires="a14">
+          <p:sp>
+            <p:nvSpPr>
+              <p:cNvPr id="71" name="TextBox 70">
+                <a:extLst>
+                  <a:ext uri="{FF2B5EF4-FFF2-40B4-BE49-F238E27FC236}">
+                    <a16:creationId xmlns:a16="http://schemas.microsoft.com/office/drawing/2014/main" id="{FFC052A2-7C78-EFA0-2712-B883BE9AA2DE}"/>
+                  </a:ext>
+                </a:extLst>
+              </p:cNvPr>
+              <p:cNvSpPr txBox="1"/>
+              <p:nvPr/>
+            </p:nvSpPr>
+            <p:spPr>
+              <a:xfrm rot="17396127">
+                <a:off x="505002" y="6894839"/>
+                <a:ext cx="1511477" cy="1015663"/>
+              </a:xfrm>
+              <a:prstGeom prst="rect">
+                <a:avLst/>
+              </a:prstGeom>
+              <a:noFill/>
+            </p:spPr>
+            <p:txBody>
+              <a:bodyPr wrap="square">
+                <a:spAutoFit/>
+              </a:bodyPr>
+              <a:lstStyle/>
+              <a:p>
+                <a:pPr/>
+                <a14:m>
+                  <m:oMathPara xmlns:m="http://schemas.openxmlformats.org/officeDocument/2006/math">
+                    <m:oMathParaPr>
+                      <m:jc m:val="centerGroup"/>
+                    </m:oMathParaPr>
+                    <m:oMath xmlns:m="http://schemas.openxmlformats.org/officeDocument/2006/math">
+                      <m:r>
+                        <a:rPr lang="en-US" sz="6000" b="0" i="1" smtClean="0">
+                          <a:solidFill>
+                            <a:schemeClr val="accent1"/>
+                          </a:solidFill>
+                          <a:latin typeface="Cambria Math" panose="02040503050406030204" pitchFamily="18" charset="0"/>
+                        </a:rPr>
+                        <m:t>=</m:t>
+                      </m:r>
+                    </m:oMath>
+                  </m:oMathPara>
+                </a14:m>
+                <a:endParaRPr lang="en-FI" sz="4000" dirty="0">
+                  <a:solidFill>
+                    <a:schemeClr val="accent1"/>
+                  </a:solidFill>
+                </a:endParaRPr>
+              </a:p>
+            </p:txBody>
+          </p:sp>
+        </mc:Choice>
+        <mc:Fallback>
+          <p:sp>
+            <p:nvSpPr>
+              <p:cNvPr id="71" name="TextBox 70">
+                <a:extLst>
+                  <a:ext uri="{FF2B5EF4-FFF2-40B4-BE49-F238E27FC236}">
+                    <a16:creationId xmlns:a16="http://schemas.microsoft.com/office/drawing/2014/main" id="{FFC052A2-7C78-EFA0-2712-B883BE9AA2DE}"/>
+                  </a:ext>
+                </a:extLst>
+              </p:cNvPr>
+              <p:cNvSpPr txBox="1">
+                <a:spLocks noRot="1" noChangeAspect="1" noMove="1" noResize="1" noEditPoints="1" noAdjustHandles="1" noChangeArrowheads="1" noChangeShapeType="1" noTextEdit="1"/>
+              </p:cNvSpPr>
+              <p:nvPr/>
+            </p:nvSpPr>
+            <p:spPr>
+              <a:xfrm rot="17396127">
+                <a:off x="505002" y="6894839"/>
+                <a:ext cx="1511477" cy="1015663"/>
+              </a:xfrm>
+              <a:prstGeom prst="rect">
+                <a:avLst/>
+              </a:prstGeom>
+              <a:blipFill>
+                <a:blip r:embed="rId27"/>
+                <a:stretch>
+                  <a:fillRect/>
+                </a:stretch>
+              </a:blipFill>
+            </p:spPr>
+            <p:txBody>
+              <a:bodyPr/>
+              <a:lstStyle/>
+              <a:p>
+                <a:r>
+                  <a:rPr lang="en-FI">
+                    <a:noFill/>
+                  </a:rPr>
+                  <a:t> </a:t>
+                </a:r>
+              </a:p>
+            </p:txBody>
+          </p:sp>
+        </mc:Fallback>
+      </mc:AlternateContent>
+      <mc:AlternateContent xmlns:mc="http://schemas.openxmlformats.org/markup-compatibility/2006">
+        <mc:Choice xmlns:a14="http://schemas.microsoft.com/office/drawing/2010/main" Requires="a14">
+          <p:sp>
+            <p:nvSpPr>
+              <p:cNvPr id="73" name="TextBox 72">
+                <a:extLst>
+                  <a:ext uri="{FF2B5EF4-FFF2-40B4-BE49-F238E27FC236}">
+                    <a16:creationId xmlns:a16="http://schemas.microsoft.com/office/drawing/2014/main" id="{D5F3D716-2F5A-62B1-EDAF-C145896FC729}"/>
+                  </a:ext>
+                </a:extLst>
+              </p:cNvPr>
+              <p:cNvSpPr txBox="1"/>
+              <p:nvPr/>
+            </p:nvSpPr>
+            <p:spPr>
+              <a:xfrm>
+                <a:off x="3899094" y="7399528"/>
+                <a:ext cx="1688054" cy="769441"/>
+              </a:xfrm>
+              <a:prstGeom prst="rect">
+                <a:avLst/>
+              </a:prstGeom>
+              <a:noFill/>
+            </p:spPr>
+            <p:txBody>
+              <a:bodyPr wrap="square">
+                <a:spAutoFit/>
+              </a:bodyPr>
+              <a:lstStyle/>
+              <a:p>
+                <a:pPr/>
+                <a14:m>
+                  <m:oMathPara xmlns:m="http://schemas.openxmlformats.org/officeDocument/2006/math">
+                    <m:oMathParaPr>
+                      <m:jc m:val="centerGroup"/>
+                    </m:oMathParaPr>
+                    <m:oMath xmlns:m="http://schemas.openxmlformats.org/officeDocument/2006/math">
+                      <m:r>
+                        <a:rPr lang="en-US" sz="4400" b="1" i="0" smtClean="0">
+                          <a:solidFill>
+                            <a:schemeClr val="accent6">
+                              <a:lumMod val="75000"/>
+                            </a:schemeClr>
+                          </a:solidFill>
+                          <a:latin typeface="Cambria Math" panose="02040503050406030204" pitchFamily="18" charset="0"/>
+                        </a:rPr>
+                        <m:t>𝐓𝐮𝐫𝐞</m:t>
+                      </m:r>
+                    </m:oMath>
+                  </m:oMathPara>
+                </a14:m>
+                <a:endParaRPr lang="en-FI" sz="4400" b="1" dirty="0"/>
+              </a:p>
+            </p:txBody>
+          </p:sp>
+        </mc:Choice>
+        <mc:Fallback>
+          <p:sp>
+            <p:nvSpPr>
+              <p:cNvPr id="73" name="TextBox 72">
+                <a:extLst>
+                  <a:ext uri="{FF2B5EF4-FFF2-40B4-BE49-F238E27FC236}">
+                    <a16:creationId xmlns:a16="http://schemas.microsoft.com/office/drawing/2014/main" id="{D5F3D716-2F5A-62B1-EDAF-C145896FC729}"/>
+                  </a:ext>
+                </a:extLst>
+              </p:cNvPr>
+              <p:cNvSpPr txBox="1">
+                <a:spLocks noRot="1" noChangeAspect="1" noMove="1" noResize="1" noEditPoints="1" noAdjustHandles="1" noChangeArrowheads="1" noChangeShapeType="1" noTextEdit="1"/>
+              </p:cNvSpPr>
+              <p:nvPr/>
+            </p:nvSpPr>
+            <p:spPr>
+              <a:xfrm>
+                <a:off x="3899094" y="7399528"/>
+                <a:ext cx="1688054" cy="769441"/>
+              </a:xfrm>
+              <a:prstGeom prst="rect">
+                <a:avLst/>
+              </a:prstGeom>
+              <a:blipFill>
+                <a:blip r:embed="rId28"/>
+                <a:stretch>
+                  <a:fillRect/>
+                </a:stretch>
+              </a:blipFill>
+            </p:spPr>
+            <p:txBody>
+              <a:bodyPr/>
+              <a:lstStyle/>
+              <a:p>
+                <a:r>
+                  <a:rPr lang="en-FI">
+                    <a:noFill/>
+                  </a:rPr>
+                  <a:t> </a:t>
+                </a:r>
+              </a:p>
+            </p:txBody>
+          </p:sp>
+        </mc:Fallback>
+      </mc:AlternateContent>
+    </p:spTree>
+    <p:extLst>
+      <p:ext uri="{BB962C8B-B14F-4D97-AF65-F5344CB8AC3E}">
+        <p14:creationId xmlns:p14="http://schemas.microsoft.com/office/powerpoint/2010/main" val="2286188087"/>
+      </p:ext>
+    </p:extLst>
+  </p:cSld>
+  <p:clrMapOvr>
+    <a:masterClrMapping/>
+  </p:clrMapOvr>
+</p:sld>
+</file>
+
 <file path=ppt/theme/theme1.xml><?xml version="1.0" encoding="utf-8"?>
 <a:theme xmlns:a="http://schemas.openxmlformats.org/drawingml/2006/main" name="Office Theme">
   <a:themeElements>
